--- a/Modul_05_DataSources/DataSources.pptx
+++ b/Modul_05_DataSources/DataSources.pptx
@@ -204,7 +204,7 @@
           <a:p>
             <a:fld id="{E9DAB8B5-B9A3-426D-91D9-D7966B0F2B79}" type="datetimeFigureOut">
               <a:rPr lang="de-DE" smtClean="0"/>
-              <a:t>25.07.2021</a:t>
+              <a:t>18.11.21</a:t>
             </a:fld>
             <a:endParaRPr lang="de-DE"/>
           </a:p>
@@ -268,38 +268,37 @@
           <a:p>
             <a:pPr lvl="0"/>
             <a:r>
-              <a:rPr lang="de-DE" smtClean="0"/>
+              <a:rPr lang="de-DE"/>
               <a:t>Textmasterformat bearbeiten</a:t>
             </a:r>
           </a:p>
           <a:p>
             <a:pPr lvl="1"/>
             <a:r>
-              <a:rPr lang="de-DE" smtClean="0"/>
+              <a:rPr lang="de-DE"/>
               <a:t>Zweite Ebene</a:t>
             </a:r>
           </a:p>
           <a:p>
             <a:pPr lvl="2"/>
             <a:r>
-              <a:rPr lang="de-DE" smtClean="0"/>
+              <a:rPr lang="de-DE"/>
               <a:t>Dritte Ebene</a:t>
             </a:r>
           </a:p>
           <a:p>
             <a:pPr lvl="3"/>
             <a:r>
-              <a:rPr lang="de-DE" smtClean="0"/>
+              <a:rPr lang="de-DE"/>
               <a:t>Vierte Ebene</a:t>
             </a:r>
           </a:p>
           <a:p>
             <a:pPr lvl="4"/>
             <a:r>
-              <a:rPr lang="de-DE" smtClean="0"/>
+              <a:rPr lang="de-DE"/>
               <a:t>Fünfte Ebene</a:t>
             </a:r>
-            <a:endParaRPr lang="de-DE"/>
           </a:p>
         </p:txBody>
       </p:sp>
@@ -1102,10 +1101,9 @@
           </a:lstStyle>
           <a:p>
             <a:r>
-              <a:rPr lang="de-DE" smtClean="0"/>
+              <a:rPr lang="de-DE"/>
               <a:t>Titelmasterformat durch Klicken bearbeiten</a:t>
             </a:r>
-            <a:endParaRPr lang="de-DE"/>
           </a:p>
         </p:txBody>
       </p:sp>
@@ -1167,10 +1165,9 @@
           </a:lstStyle>
           <a:p>
             <a:r>
-              <a:rPr lang="de-DE" smtClean="0"/>
+              <a:rPr lang="de-DE"/>
               <a:t>Formatvorlage des Untertitelmasters durch Klicken bearbeiten</a:t>
             </a:r>
-            <a:endParaRPr lang="de-DE"/>
           </a:p>
         </p:txBody>
       </p:sp>
@@ -1191,7 +1188,7 @@
           <a:p>
             <a:fld id="{6CBA03CC-73C5-46A8-8DFB-B5DC4577D8E2}" type="datetimeFigureOut">
               <a:rPr lang="de-DE" smtClean="0"/>
-              <a:t>25.07.2021</a:t>
+              <a:t>18.11.21</a:t>
             </a:fld>
             <a:endParaRPr lang="de-DE"/>
           </a:p>
@@ -1285,10 +1282,9 @@
           <a:lstStyle/>
           <a:p>
             <a:r>
-              <a:rPr lang="de-DE" smtClean="0"/>
+              <a:rPr lang="de-DE"/>
               <a:t>Titelmasterformat durch Klicken bearbeiten</a:t>
             </a:r>
-            <a:endParaRPr lang="de-DE"/>
           </a:p>
         </p:txBody>
       </p:sp>
@@ -1309,38 +1305,37 @@
           <a:p>
             <a:pPr lvl="0"/>
             <a:r>
-              <a:rPr lang="de-DE" smtClean="0"/>
+              <a:rPr lang="de-DE"/>
               <a:t>Textmasterformat bearbeiten</a:t>
             </a:r>
           </a:p>
           <a:p>
             <a:pPr lvl="1"/>
             <a:r>
-              <a:rPr lang="de-DE" smtClean="0"/>
+              <a:rPr lang="de-DE"/>
               <a:t>Zweite Ebene</a:t>
             </a:r>
           </a:p>
           <a:p>
             <a:pPr lvl="2"/>
             <a:r>
-              <a:rPr lang="de-DE" smtClean="0"/>
+              <a:rPr lang="de-DE"/>
               <a:t>Dritte Ebene</a:t>
             </a:r>
           </a:p>
           <a:p>
             <a:pPr lvl="3"/>
             <a:r>
-              <a:rPr lang="de-DE" smtClean="0"/>
+              <a:rPr lang="de-DE"/>
               <a:t>Vierte Ebene</a:t>
             </a:r>
           </a:p>
           <a:p>
             <a:pPr lvl="4"/>
             <a:r>
-              <a:rPr lang="de-DE" smtClean="0"/>
+              <a:rPr lang="de-DE"/>
               <a:t>Fünfte Ebene</a:t>
             </a:r>
-            <a:endParaRPr lang="de-DE"/>
           </a:p>
         </p:txBody>
       </p:sp>
@@ -1361,7 +1356,7 @@
           <a:p>
             <a:fld id="{6CBA03CC-73C5-46A8-8DFB-B5DC4577D8E2}" type="datetimeFigureOut">
               <a:rPr lang="de-DE" smtClean="0"/>
-              <a:t>25.07.2021</a:t>
+              <a:t>18.11.21</a:t>
             </a:fld>
             <a:endParaRPr lang="de-DE"/>
           </a:p>
@@ -1460,10 +1455,9 @@
           <a:lstStyle/>
           <a:p>
             <a:r>
-              <a:rPr lang="de-DE" smtClean="0"/>
+              <a:rPr lang="de-DE"/>
               <a:t>Titelmasterformat durch Klicken bearbeiten</a:t>
             </a:r>
-            <a:endParaRPr lang="de-DE"/>
           </a:p>
         </p:txBody>
       </p:sp>
@@ -1489,38 +1483,37 @@
           <a:p>
             <a:pPr lvl="0"/>
             <a:r>
-              <a:rPr lang="de-DE" smtClean="0"/>
+              <a:rPr lang="de-DE"/>
               <a:t>Textmasterformat bearbeiten</a:t>
             </a:r>
           </a:p>
           <a:p>
             <a:pPr lvl="1"/>
             <a:r>
-              <a:rPr lang="de-DE" smtClean="0"/>
+              <a:rPr lang="de-DE"/>
               <a:t>Zweite Ebene</a:t>
             </a:r>
           </a:p>
           <a:p>
             <a:pPr lvl="2"/>
             <a:r>
-              <a:rPr lang="de-DE" smtClean="0"/>
+              <a:rPr lang="de-DE"/>
               <a:t>Dritte Ebene</a:t>
             </a:r>
           </a:p>
           <a:p>
             <a:pPr lvl="3"/>
             <a:r>
-              <a:rPr lang="de-DE" smtClean="0"/>
+              <a:rPr lang="de-DE"/>
               <a:t>Vierte Ebene</a:t>
             </a:r>
           </a:p>
           <a:p>
             <a:pPr lvl="4"/>
             <a:r>
-              <a:rPr lang="de-DE" smtClean="0"/>
+              <a:rPr lang="de-DE"/>
               <a:t>Fünfte Ebene</a:t>
             </a:r>
-            <a:endParaRPr lang="de-DE"/>
           </a:p>
         </p:txBody>
       </p:sp>
@@ -1541,7 +1534,7 @@
           <a:p>
             <a:fld id="{6CBA03CC-73C5-46A8-8DFB-B5DC4577D8E2}" type="datetimeFigureOut">
               <a:rPr lang="de-DE" smtClean="0"/>
-              <a:t>25.07.2021</a:t>
+              <a:t>18.11.21</a:t>
             </a:fld>
             <a:endParaRPr lang="de-DE"/>
           </a:p>
@@ -1635,10 +1628,9 @@
           <a:lstStyle/>
           <a:p>
             <a:r>
-              <a:rPr lang="de-DE" smtClean="0"/>
+              <a:rPr lang="de-DE"/>
               <a:t>Titelmasterformat durch Klicken bearbeiten</a:t>
             </a:r>
-            <a:endParaRPr lang="de-DE"/>
           </a:p>
         </p:txBody>
       </p:sp>
@@ -1659,38 +1651,37 @@
           <a:p>
             <a:pPr lvl="0"/>
             <a:r>
-              <a:rPr lang="de-DE" smtClean="0"/>
+              <a:rPr lang="de-DE"/>
               <a:t>Textmasterformat bearbeiten</a:t>
             </a:r>
           </a:p>
           <a:p>
             <a:pPr lvl="1"/>
             <a:r>
-              <a:rPr lang="de-DE" smtClean="0"/>
+              <a:rPr lang="de-DE"/>
               <a:t>Zweite Ebene</a:t>
             </a:r>
           </a:p>
           <a:p>
             <a:pPr lvl="2"/>
             <a:r>
-              <a:rPr lang="de-DE" smtClean="0"/>
+              <a:rPr lang="de-DE"/>
               <a:t>Dritte Ebene</a:t>
             </a:r>
           </a:p>
           <a:p>
             <a:pPr lvl="3"/>
             <a:r>
-              <a:rPr lang="de-DE" smtClean="0"/>
+              <a:rPr lang="de-DE"/>
               <a:t>Vierte Ebene</a:t>
             </a:r>
           </a:p>
           <a:p>
             <a:pPr lvl="4"/>
             <a:r>
-              <a:rPr lang="de-DE" smtClean="0"/>
+              <a:rPr lang="de-DE"/>
               <a:t>Fünfte Ebene</a:t>
             </a:r>
-            <a:endParaRPr lang="de-DE"/>
           </a:p>
         </p:txBody>
       </p:sp>
@@ -1711,7 +1702,7 @@
           <a:p>
             <a:fld id="{6CBA03CC-73C5-46A8-8DFB-B5DC4577D8E2}" type="datetimeFigureOut">
               <a:rPr lang="de-DE" smtClean="0"/>
-              <a:t>25.07.2021</a:t>
+              <a:t>18.11.21</a:t>
             </a:fld>
             <a:endParaRPr lang="de-DE"/>
           </a:p>
@@ -1814,10 +1805,9 @@
           </a:lstStyle>
           <a:p>
             <a:r>
-              <a:rPr lang="de-DE" smtClean="0"/>
+              <a:rPr lang="de-DE"/>
               <a:t>Titelmasterformat durch Klicken bearbeiten</a:t>
             </a:r>
-            <a:endParaRPr lang="de-DE"/>
           </a:p>
         </p:txBody>
       </p:sp>
@@ -1934,7 +1924,7 @@
           <a:p>
             <a:pPr lvl="0"/>
             <a:r>
-              <a:rPr lang="de-DE" smtClean="0"/>
+              <a:rPr lang="de-DE"/>
               <a:t>Textmasterformat bearbeiten</a:t>
             </a:r>
           </a:p>
@@ -1957,7 +1947,7 @@
           <a:p>
             <a:fld id="{6CBA03CC-73C5-46A8-8DFB-B5DC4577D8E2}" type="datetimeFigureOut">
               <a:rPr lang="de-DE" smtClean="0"/>
-              <a:t>25.07.2021</a:t>
+              <a:t>18.11.21</a:t>
             </a:fld>
             <a:endParaRPr lang="de-DE"/>
           </a:p>
@@ -2051,10 +2041,9 @@
           <a:lstStyle/>
           <a:p>
             <a:r>
-              <a:rPr lang="de-DE" smtClean="0"/>
+              <a:rPr lang="de-DE"/>
               <a:t>Titelmasterformat durch Klicken bearbeiten</a:t>
             </a:r>
-            <a:endParaRPr lang="de-DE"/>
           </a:p>
         </p:txBody>
       </p:sp>
@@ -2080,38 +2069,37 @@
           <a:p>
             <a:pPr lvl="0"/>
             <a:r>
-              <a:rPr lang="de-DE" smtClean="0"/>
+              <a:rPr lang="de-DE"/>
               <a:t>Textmasterformat bearbeiten</a:t>
             </a:r>
           </a:p>
           <a:p>
             <a:pPr lvl="1"/>
             <a:r>
-              <a:rPr lang="de-DE" smtClean="0"/>
+              <a:rPr lang="de-DE"/>
               <a:t>Zweite Ebene</a:t>
             </a:r>
           </a:p>
           <a:p>
             <a:pPr lvl="2"/>
             <a:r>
-              <a:rPr lang="de-DE" smtClean="0"/>
+              <a:rPr lang="de-DE"/>
               <a:t>Dritte Ebene</a:t>
             </a:r>
           </a:p>
           <a:p>
             <a:pPr lvl="3"/>
             <a:r>
-              <a:rPr lang="de-DE" smtClean="0"/>
+              <a:rPr lang="de-DE"/>
               <a:t>Vierte Ebene</a:t>
             </a:r>
           </a:p>
           <a:p>
             <a:pPr lvl="4"/>
             <a:r>
-              <a:rPr lang="de-DE" smtClean="0"/>
+              <a:rPr lang="de-DE"/>
               <a:t>Fünfte Ebene</a:t>
             </a:r>
-            <a:endParaRPr lang="de-DE"/>
           </a:p>
         </p:txBody>
       </p:sp>
@@ -2137,38 +2125,37 @@
           <a:p>
             <a:pPr lvl="0"/>
             <a:r>
-              <a:rPr lang="de-DE" smtClean="0"/>
+              <a:rPr lang="de-DE"/>
               <a:t>Textmasterformat bearbeiten</a:t>
             </a:r>
           </a:p>
           <a:p>
             <a:pPr lvl="1"/>
             <a:r>
-              <a:rPr lang="de-DE" smtClean="0"/>
+              <a:rPr lang="de-DE"/>
               <a:t>Zweite Ebene</a:t>
             </a:r>
           </a:p>
           <a:p>
             <a:pPr lvl="2"/>
             <a:r>
-              <a:rPr lang="de-DE" smtClean="0"/>
+              <a:rPr lang="de-DE"/>
               <a:t>Dritte Ebene</a:t>
             </a:r>
           </a:p>
           <a:p>
             <a:pPr lvl="3"/>
             <a:r>
-              <a:rPr lang="de-DE" smtClean="0"/>
+              <a:rPr lang="de-DE"/>
               <a:t>Vierte Ebene</a:t>
             </a:r>
           </a:p>
           <a:p>
             <a:pPr lvl="4"/>
             <a:r>
-              <a:rPr lang="de-DE" smtClean="0"/>
+              <a:rPr lang="de-DE"/>
               <a:t>Fünfte Ebene</a:t>
             </a:r>
-            <a:endParaRPr lang="de-DE"/>
           </a:p>
         </p:txBody>
       </p:sp>
@@ -2189,7 +2176,7 @@
           <a:p>
             <a:fld id="{6CBA03CC-73C5-46A8-8DFB-B5DC4577D8E2}" type="datetimeFigureOut">
               <a:rPr lang="de-DE" smtClean="0"/>
-              <a:t>25.07.2021</a:t>
+              <a:t>18.11.21</a:t>
             </a:fld>
             <a:endParaRPr lang="de-DE"/>
           </a:p>
@@ -2288,10 +2275,9 @@
           <a:lstStyle/>
           <a:p>
             <a:r>
-              <a:rPr lang="de-DE" smtClean="0"/>
+              <a:rPr lang="de-DE"/>
               <a:t>Titelmasterformat durch Klicken bearbeiten</a:t>
             </a:r>
-            <a:endParaRPr lang="de-DE"/>
           </a:p>
         </p:txBody>
       </p:sp>
@@ -2354,7 +2340,7 @@
           <a:p>
             <a:pPr lvl="0"/>
             <a:r>
-              <a:rPr lang="de-DE" smtClean="0"/>
+              <a:rPr lang="de-DE"/>
               <a:t>Textmasterformat bearbeiten</a:t>
             </a:r>
           </a:p>
@@ -2382,38 +2368,37 @@
           <a:p>
             <a:pPr lvl="0"/>
             <a:r>
-              <a:rPr lang="de-DE" smtClean="0"/>
+              <a:rPr lang="de-DE"/>
               <a:t>Textmasterformat bearbeiten</a:t>
             </a:r>
           </a:p>
           <a:p>
             <a:pPr lvl="1"/>
             <a:r>
-              <a:rPr lang="de-DE" smtClean="0"/>
+              <a:rPr lang="de-DE"/>
               <a:t>Zweite Ebene</a:t>
             </a:r>
           </a:p>
           <a:p>
             <a:pPr lvl="2"/>
             <a:r>
-              <a:rPr lang="de-DE" smtClean="0"/>
+              <a:rPr lang="de-DE"/>
               <a:t>Dritte Ebene</a:t>
             </a:r>
           </a:p>
           <a:p>
             <a:pPr lvl="3"/>
             <a:r>
-              <a:rPr lang="de-DE" smtClean="0"/>
+              <a:rPr lang="de-DE"/>
               <a:t>Vierte Ebene</a:t>
             </a:r>
           </a:p>
           <a:p>
             <a:pPr lvl="4"/>
             <a:r>
-              <a:rPr lang="de-DE" smtClean="0"/>
+              <a:rPr lang="de-DE"/>
               <a:t>Fünfte Ebene</a:t>
             </a:r>
-            <a:endParaRPr lang="de-DE"/>
           </a:p>
         </p:txBody>
       </p:sp>
@@ -2476,7 +2461,7 @@
           <a:p>
             <a:pPr lvl="0"/>
             <a:r>
-              <a:rPr lang="de-DE" smtClean="0"/>
+              <a:rPr lang="de-DE"/>
               <a:t>Textmasterformat bearbeiten</a:t>
             </a:r>
           </a:p>
@@ -2504,38 +2489,37 @@
           <a:p>
             <a:pPr lvl="0"/>
             <a:r>
-              <a:rPr lang="de-DE" smtClean="0"/>
+              <a:rPr lang="de-DE"/>
               <a:t>Textmasterformat bearbeiten</a:t>
             </a:r>
           </a:p>
           <a:p>
             <a:pPr lvl="1"/>
             <a:r>
-              <a:rPr lang="de-DE" smtClean="0"/>
+              <a:rPr lang="de-DE"/>
               <a:t>Zweite Ebene</a:t>
             </a:r>
           </a:p>
           <a:p>
             <a:pPr lvl="2"/>
             <a:r>
-              <a:rPr lang="de-DE" smtClean="0"/>
+              <a:rPr lang="de-DE"/>
               <a:t>Dritte Ebene</a:t>
             </a:r>
           </a:p>
           <a:p>
             <a:pPr lvl="3"/>
             <a:r>
-              <a:rPr lang="de-DE" smtClean="0"/>
+              <a:rPr lang="de-DE"/>
               <a:t>Vierte Ebene</a:t>
             </a:r>
           </a:p>
           <a:p>
             <a:pPr lvl="4"/>
             <a:r>
-              <a:rPr lang="de-DE" smtClean="0"/>
+              <a:rPr lang="de-DE"/>
               <a:t>Fünfte Ebene</a:t>
             </a:r>
-            <a:endParaRPr lang="de-DE"/>
           </a:p>
         </p:txBody>
       </p:sp>
@@ -2556,7 +2540,7 @@
           <a:p>
             <a:fld id="{6CBA03CC-73C5-46A8-8DFB-B5DC4577D8E2}" type="datetimeFigureOut">
               <a:rPr lang="de-DE" smtClean="0"/>
-              <a:t>25.07.2021</a:t>
+              <a:t>18.11.21</a:t>
             </a:fld>
             <a:endParaRPr lang="de-DE"/>
           </a:p>
@@ -2650,10 +2634,9 @@
           <a:lstStyle/>
           <a:p>
             <a:r>
-              <a:rPr lang="de-DE" smtClean="0"/>
+              <a:rPr lang="de-DE"/>
               <a:t>Titelmasterformat durch Klicken bearbeiten</a:t>
             </a:r>
-            <a:endParaRPr lang="de-DE"/>
           </a:p>
         </p:txBody>
       </p:sp>
@@ -2674,7 +2657,7 @@
           <a:p>
             <a:fld id="{6CBA03CC-73C5-46A8-8DFB-B5DC4577D8E2}" type="datetimeFigureOut">
               <a:rPr lang="de-DE" smtClean="0"/>
-              <a:t>25.07.2021</a:t>
+              <a:t>18.11.21</a:t>
             </a:fld>
             <a:endParaRPr lang="de-DE"/>
           </a:p>
@@ -2769,7 +2752,7 @@
           <a:p>
             <a:fld id="{6CBA03CC-73C5-46A8-8DFB-B5DC4577D8E2}" type="datetimeFigureOut">
               <a:rPr lang="de-DE" smtClean="0"/>
-              <a:t>25.07.2021</a:t>
+              <a:t>18.11.21</a:t>
             </a:fld>
             <a:endParaRPr lang="de-DE"/>
           </a:p>
@@ -2872,10 +2855,9 @@
           </a:lstStyle>
           <a:p>
             <a:r>
-              <a:rPr lang="de-DE" smtClean="0"/>
+              <a:rPr lang="de-DE"/>
               <a:t>Titelmasterformat durch Klicken bearbeiten</a:t>
             </a:r>
-            <a:endParaRPr lang="de-DE"/>
           </a:p>
         </p:txBody>
       </p:sp>
@@ -2929,38 +2911,37 @@
           <a:p>
             <a:pPr lvl="0"/>
             <a:r>
-              <a:rPr lang="de-DE" smtClean="0"/>
+              <a:rPr lang="de-DE"/>
               <a:t>Textmasterformat bearbeiten</a:t>
             </a:r>
           </a:p>
           <a:p>
             <a:pPr lvl="1"/>
             <a:r>
-              <a:rPr lang="de-DE" smtClean="0"/>
+              <a:rPr lang="de-DE"/>
               <a:t>Zweite Ebene</a:t>
             </a:r>
           </a:p>
           <a:p>
             <a:pPr lvl="2"/>
             <a:r>
-              <a:rPr lang="de-DE" smtClean="0"/>
+              <a:rPr lang="de-DE"/>
               <a:t>Dritte Ebene</a:t>
             </a:r>
           </a:p>
           <a:p>
             <a:pPr lvl="3"/>
             <a:r>
-              <a:rPr lang="de-DE" smtClean="0"/>
+              <a:rPr lang="de-DE"/>
               <a:t>Vierte Ebene</a:t>
             </a:r>
           </a:p>
           <a:p>
             <a:pPr lvl="4"/>
             <a:r>
-              <a:rPr lang="de-DE" smtClean="0"/>
+              <a:rPr lang="de-DE"/>
               <a:t>Fünfte Ebene</a:t>
             </a:r>
-            <a:endParaRPr lang="de-DE"/>
           </a:p>
         </p:txBody>
       </p:sp>
@@ -3023,7 +3004,7 @@
           <a:p>
             <a:pPr lvl="0"/>
             <a:r>
-              <a:rPr lang="de-DE" smtClean="0"/>
+              <a:rPr lang="de-DE"/>
               <a:t>Textmasterformat bearbeiten</a:t>
             </a:r>
           </a:p>
@@ -3046,7 +3027,7 @@
           <a:p>
             <a:fld id="{6CBA03CC-73C5-46A8-8DFB-B5DC4577D8E2}" type="datetimeFigureOut">
               <a:rPr lang="de-DE" smtClean="0"/>
-              <a:t>25.07.2021</a:t>
+              <a:t>18.11.21</a:t>
             </a:fld>
             <a:endParaRPr lang="de-DE"/>
           </a:p>
@@ -3149,10 +3130,9 @@
           </a:lstStyle>
           <a:p>
             <a:r>
-              <a:rPr lang="de-DE" smtClean="0"/>
+              <a:rPr lang="de-DE"/>
               <a:t>Titelmasterformat durch Klicken bearbeiten</a:t>
             </a:r>
-            <a:endParaRPr lang="de-DE"/>
           </a:p>
         </p:txBody>
       </p:sp>
@@ -3276,7 +3256,7 @@
           <a:p>
             <a:pPr lvl="0"/>
             <a:r>
-              <a:rPr lang="de-DE" smtClean="0"/>
+              <a:rPr lang="de-DE"/>
               <a:t>Textmasterformat bearbeiten</a:t>
             </a:r>
           </a:p>
@@ -3299,7 +3279,7 @@
           <a:p>
             <a:fld id="{6CBA03CC-73C5-46A8-8DFB-B5DC4577D8E2}" type="datetimeFigureOut">
               <a:rPr lang="de-DE" smtClean="0"/>
-              <a:t>25.07.2021</a:t>
+              <a:t>18.11.21</a:t>
             </a:fld>
             <a:endParaRPr lang="de-DE"/>
           </a:p>
@@ -3408,10 +3388,9 @@
           <a:lstStyle/>
           <a:p>
             <a:r>
-              <a:rPr lang="de-DE" smtClean="0"/>
+              <a:rPr lang="de-DE"/>
               <a:t>Titelmasterformat durch Klicken bearbeiten</a:t>
             </a:r>
-            <a:endParaRPr lang="de-DE"/>
           </a:p>
         </p:txBody>
       </p:sp>
@@ -3442,38 +3421,37 @@
           <a:p>
             <a:pPr lvl="0"/>
             <a:r>
-              <a:rPr lang="de-DE" smtClean="0"/>
+              <a:rPr lang="de-DE"/>
               <a:t>Textmasterformat bearbeiten</a:t>
             </a:r>
           </a:p>
           <a:p>
             <a:pPr lvl="1"/>
             <a:r>
-              <a:rPr lang="de-DE" smtClean="0"/>
+              <a:rPr lang="de-DE"/>
               <a:t>Zweite Ebene</a:t>
             </a:r>
           </a:p>
           <a:p>
             <a:pPr lvl="2"/>
             <a:r>
-              <a:rPr lang="de-DE" smtClean="0"/>
+              <a:rPr lang="de-DE"/>
               <a:t>Dritte Ebene</a:t>
             </a:r>
           </a:p>
           <a:p>
             <a:pPr lvl="3"/>
             <a:r>
-              <a:rPr lang="de-DE" smtClean="0"/>
+              <a:rPr lang="de-DE"/>
               <a:t>Vierte Ebene</a:t>
             </a:r>
           </a:p>
           <a:p>
             <a:pPr lvl="4"/>
             <a:r>
-              <a:rPr lang="de-DE" smtClean="0"/>
+              <a:rPr lang="de-DE"/>
               <a:t>Fünfte Ebene</a:t>
             </a:r>
-            <a:endParaRPr lang="de-DE"/>
           </a:p>
         </p:txBody>
       </p:sp>
@@ -3512,7 +3490,7 @@
           <a:p>
             <a:fld id="{6CBA03CC-73C5-46A8-8DFB-B5DC4577D8E2}" type="datetimeFigureOut">
               <a:rPr lang="de-DE" smtClean="0"/>
-              <a:t>25.07.2021</a:t>
+              <a:t>18.11.21</a:t>
             </a:fld>
             <a:endParaRPr lang="de-DE"/>
           </a:p>
@@ -3933,11 +3911,11 @@
           <a:lstStyle/>
           <a:p>
             <a:r>
-              <a:rPr lang="de-DE" dirty="0" smtClean="0"/>
+              <a:rPr lang="de-DE" dirty="0"/>
               <a:t>Data </a:t>
             </a:r>
             <a:r>
-              <a:rPr lang="de-DE" dirty="0" err="1" smtClean="0"/>
+              <a:rPr lang="de-DE" dirty="0" err="1"/>
               <a:t>Sources</a:t>
             </a:r>
             <a:endParaRPr lang="de-DE" dirty="0"/>
@@ -3969,7 +3947,7 @@
               <a:buChar char="-"/>
             </a:pPr>
             <a:r>
-              <a:rPr lang="de-DE" dirty="0" smtClean="0"/>
+              <a:rPr lang="de-DE" dirty="0"/>
               <a:t>Dienen zum Referenzieren von externen Ressourcen innerhalb eines Terraform Moduls</a:t>
             </a:r>
           </a:p>
@@ -3979,7 +3957,7 @@
               <a:buChar char="-"/>
             </a:pPr>
             <a:r>
-              <a:rPr lang="de-DE" dirty="0" smtClean="0"/>
+              <a:rPr lang="de-DE" dirty="0"/>
               <a:t>Werden wie auch die gemanagten Ressourcen von Providern bereitgestellt</a:t>
             </a:r>
           </a:p>
@@ -3989,8 +3967,8 @@
               <a:buChar char="-"/>
             </a:pPr>
             <a:r>
-              <a:rPr lang="de-DE" dirty="0" smtClean="0"/>
-              <a:t>Können verwendet werden um auf Informationen des aktuellen States zuzugreifen</a:t>
+              <a:rPr lang="de-DE" dirty="0"/>
+              <a:t>Können verwendet werden um auf Informationen der aktuellen Infrastruktur zuzugreifen</a:t>
             </a:r>
           </a:p>
         </p:txBody>
@@ -4005,13 +3983,6 @@
   <p:clrMapOvr>
     <a:masterClrMapping/>
   </p:clrMapOvr>
-  <p:timing>
-    <p:tnLst>
-      <p:par>
-        <p:cTn id="1" dur="indefinite" restart="never" nodeType="tmRoot"/>
-      </p:par>
-    </p:tnLst>
-  </p:timing>
 </p:sld>
 </file>
 
@@ -4048,11 +4019,11 @@
           <a:lstStyle/>
           <a:p>
             <a:r>
-              <a:rPr lang="de-DE" dirty="0" smtClean="0"/>
+              <a:rPr lang="de-DE" dirty="0"/>
               <a:t>Auswertung der Data </a:t>
             </a:r>
             <a:r>
-              <a:rPr lang="de-DE" dirty="0" err="1" smtClean="0"/>
+              <a:rPr lang="de-DE" dirty="0" err="1"/>
               <a:t>Sources</a:t>
             </a:r>
             <a:endParaRPr lang="de-DE" dirty="0"/>
@@ -4084,15 +4055,15 @@
               <a:buChar char="-"/>
             </a:pPr>
             <a:r>
-              <a:rPr lang="de-DE" dirty="0" smtClean="0"/>
+              <a:rPr lang="de-DE" dirty="0"/>
               <a:t>Das Auswerten der Data-</a:t>
             </a:r>
             <a:r>
-              <a:rPr lang="de-DE" dirty="0" err="1" smtClean="0"/>
+              <a:rPr lang="de-DE" dirty="0" err="1"/>
               <a:t>Sources</a:t>
             </a:r>
             <a:r>
-              <a:rPr lang="de-DE" dirty="0" smtClean="0"/>
+              <a:rPr lang="de-DE" dirty="0"/>
               <a:t> erfolgt in der Regel während der Plan-Stage</a:t>
             </a:r>
           </a:p>
@@ -4102,23 +4073,23 @@
               <a:buChar char="-"/>
             </a:pPr>
             <a:r>
-              <a:rPr lang="de-DE" dirty="0" smtClean="0"/>
+              <a:rPr lang="de-DE" dirty="0"/>
               <a:t>Ausnahme: via </a:t>
             </a:r>
             <a:r>
-              <a:rPr lang="de-DE" dirty="0" err="1" smtClean="0"/>
+              <a:rPr lang="de-DE" dirty="0" err="1"/>
               <a:t>depends_on</a:t>
             </a:r>
             <a:r>
-              <a:rPr lang="de-DE" dirty="0" smtClean="0"/>
+              <a:rPr lang="de-DE" dirty="0"/>
               <a:t> kann die Auswertung während der </a:t>
             </a:r>
             <a:r>
-              <a:rPr lang="de-DE" dirty="0" err="1" smtClean="0"/>
+              <a:rPr lang="de-DE" dirty="0" err="1"/>
               <a:t>apply</a:t>
             </a:r>
             <a:r>
-              <a:rPr lang="de-DE" dirty="0" smtClean="0"/>
+              <a:rPr lang="de-DE" dirty="0"/>
               <a:t>-Operation erfolgen, nachdem die angegebene Ressource erstellt/aktualisiert wurde</a:t>
             </a:r>
           </a:p>
@@ -4126,21 +4097,21 @@
             <a:pPr marL="457200" lvl="1" indent="0">
               <a:buNone/>
             </a:pPr>
-            <a:endParaRPr lang="de-DE" dirty="0" smtClean="0"/>
+            <a:endParaRPr lang="de-DE" dirty="0"/>
           </a:p>
           <a:p>
             <a:pPr>
               <a:buFontTx/>
               <a:buChar char="-"/>
             </a:pPr>
-            <a:endParaRPr lang="de-DE" dirty="0" smtClean="0"/>
+            <a:endParaRPr lang="de-DE" dirty="0"/>
           </a:p>
           <a:p>
             <a:pPr lvl="1">
               <a:buFontTx/>
               <a:buChar char="-"/>
             </a:pPr>
-            <a:endParaRPr lang="de-DE" dirty="0" smtClean="0"/>
+            <a:endParaRPr lang="de-DE" dirty="0"/>
           </a:p>
         </p:txBody>
       </p:sp>
@@ -4207,7 +4178,7 @@
               </a:spcAft>
             </a:pPr>
             <a:r>
-              <a:rPr kumimoji="0" lang="de-DE" altLang="de-DE" sz="2000" b="0" i="1" u="none" strike="noStrike" cap="none" normalizeH="0" baseline="0" dirty="0" err="1" smtClean="0">
+              <a:rPr kumimoji="0" lang="de-DE" altLang="de-DE" sz="2000" b="0" i="1" u="none" strike="noStrike" cap="none" normalizeH="0" baseline="0" dirty="0" err="1">
                 <a:ln>
                   <a:noFill/>
                 </a:ln>
@@ -4220,7 +4191,7 @@
               <a:t>data</a:t>
             </a:r>
             <a:r>
-              <a:rPr kumimoji="0" lang="de-DE" altLang="de-DE" sz="2000" b="0" i="1" u="none" strike="noStrike" cap="none" normalizeH="0" baseline="0" dirty="0" smtClean="0">
+              <a:rPr kumimoji="0" lang="de-DE" altLang="de-DE" sz="2000" b="0" i="1" u="none" strike="noStrike" cap="none" normalizeH="0" baseline="0" dirty="0">
                 <a:ln>
                   <a:noFill/>
                 </a:ln>
@@ -4233,7 +4204,7 @@
               <a:t> </a:t>
             </a:r>
             <a:r>
-              <a:rPr kumimoji="0" lang="de-DE" altLang="de-DE" sz="2000" b="0" i="0" u="none" strike="noStrike" cap="none" normalizeH="0" baseline="0" dirty="0" smtClean="0">
+              <a:rPr kumimoji="0" lang="de-DE" altLang="de-DE" sz="2000" b="0" i="0" u="none" strike="noStrike" cap="none" normalizeH="0" baseline="0" dirty="0">
                 <a:ln>
                   <a:noFill/>
                 </a:ln>
@@ -4246,7 +4217,7 @@
               <a:t>"</a:t>
             </a:r>
             <a:r>
-              <a:rPr kumimoji="0" lang="de-DE" altLang="de-DE" sz="2000" b="0" i="0" u="none" strike="noStrike" cap="none" normalizeH="0" baseline="0" dirty="0" err="1" smtClean="0">
+              <a:rPr kumimoji="0" lang="de-DE" altLang="de-DE" sz="2000" b="0" i="0" u="none" strike="noStrike" cap="none" normalizeH="0" baseline="0" dirty="0" err="1">
                 <a:ln>
                   <a:noFill/>
                 </a:ln>
@@ -4259,7 +4230,7 @@
               <a:t>external</a:t>
             </a:r>
             <a:r>
-              <a:rPr kumimoji="0" lang="de-DE" altLang="de-DE" sz="2000" b="0" i="0" u="none" strike="noStrike" cap="none" normalizeH="0" baseline="0" dirty="0" smtClean="0">
+              <a:rPr kumimoji="0" lang="de-DE" altLang="de-DE" sz="2000" b="0" i="0" u="none" strike="noStrike" cap="none" normalizeH="0" baseline="0" dirty="0">
                 <a:ln>
                   <a:noFill/>
                 </a:ln>
@@ -4272,7 +4243,7 @@
               <a:t>" "</a:t>
             </a:r>
             <a:r>
-              <a:rPr kumimoji="0" lang="de-DE" altLang="de-DE" sz="2000" b="0" i="0" u="none" strike="noStrike" cap="none" normalizeH="0" baseline="0" dirty="0" err="1" smtClean="0">
+              <a:rPr kumimoji="0" lang="de-DE" altLang="de-DE" sz="2000" b="0" i="0" u="none" strike="noStrike" cap="none" normalizeH="0" baseline="0" dirty="0" err="1">
                 <a:ln>
                   <a:noFill/>
                 </a:ln>
@@ -4285,7 +4256,7 @@
               <a:t>example</a:t>
             </a:r>
             <a:r>
-              <a:rPr kumimoji="0" lang="de-DE" altLang="de-DE" sz="2000" b="0" i="0" u="none" strike="noStrike" cap="none" normalizeH="0" baseline="0" dirty="0" smtClean="0">
+              <a:rPr kumimoji="0" lang="de-DE" altLang="de-DE" sz="2000" b="0" i="0" u="none" strike="noStrike" cap="none" normalizeH="0" baseline="0" dirty="0">
                 <a:ln>
                   <a:noFill/>
                 </a:ln>
@@ -4298,7 +4269,7 @@
               <a:t>" </a:t>
             </a:r>
             <a:r>
-              <a:rPr kumimoji="0" lang="de-DE" altLang="de-DE" sz="2000" b="0" i="0" u="none" strike="noStrike" cap="none" normalizeH="0" baseline="0" dirty="0" smtClean="0">
+              <a:rPr kumimoji="0" lang="de-DE" altLang="de-DE" sz="2000" b="0" i="0" u="none" strike="noStrike" cap="none" normalizeH="0" baseline="0" dirty="0">
                 <a:ln>
                   <a:noFill/>
                 </a:ln>
@@ -4311,7 +4282,7 @@
               <a:t>{</a:t>
             </a:r>
             <a:br>
-              <a:rPr kumimoji="0" lang="de-DE" altLang="de-DE" sz="2000" b="0" i="0" u="none" strike="noStrike" cap="none" normalizeH="0" baseline="0" dirty="0" smtClean="0">
+              <a:rPr kumimoji="0" lang="de-DE" altLang="de-DE" sz="2000" b="0" i="0" u="none" strike="noStrike" cap="none" normalizeH="0" baseline="0" dirty="0">
                 <a:ln>
                   <a:noFill/>
                 </a:ln>
@@ -4323,7 +4294,7 @@
               </a:rPr>
             </a:br>
             <a:r>
-              <a:rPr kumimoji="0" lang="de-DE" altLang="de-DE" sz="2000" b="0" i="0" u="none" strike="noStrike" cap="none" normalizeH="0" baseline="0" dirty="0" smtClean="0">
+              <a:rPr kumimoji="0" lang="de-DE" altLang="de-DE" sz="2000" b="0" i="0" u="none" strike="noStrike" cap="none" normalizeH="0" baseline="0" dirty="0">
                 <a:ln>
                   <a:noFill/>
                 </a:ln>
@@ -4336,7 +4307,7 @@
               <a:t>  </a:t>
             </a:r>
             <a:r>
-              <a:rPr kumimoji="0" lang="de-DE" altLang="de-DE" sz="2000" b="0" i="0" u="none" strike="noStrike" cap="none" normalizeH="0" baseline="0" dirty="0" err="1" smtClean="0">
+              <a:rPr kumimoji="0" lang="de-DE" altLang="de-DE" sz="2000" b="0" i="0" u="none" strike="noStrike" cap="none" normalizeH="0" baseline="0" dirty="0" err="1">
                 <a:ln>
                   <a:noFill/>
                 </a:ln>
@@ -4349,7 +4320,7 @@
               <a:t>program</a:t>
             </a:r>
             <a:r>
-              <a:rPr kumimoji="0" lang="de-DE" altLang="de-DE" sz="2000" b="0" i="0" u="none" strike="noStrike" cap="none" normalizeH="0" baseline="0" dirty="0" smtClean="0">
+              <a:rPr kumimoji="0" lang="de-DE" altLang="de-DE" sz="2000" b="0" i="0" u="none" strike="noStrike" cap="none" normalizeH="0" baseline="0" dirty="0">
                 <a:ln>
                   <a:noFill/>
                 </a:ln>
@@ -4362,7 +4333,7 @@
               <a:t> </a:t>
             </a:r>
             <a:r>
-              <a:rPr kumimoji="0" lang="de-DE" altLang="de-DE" sz="2000" b="0" i="0" u="none" strike="noStrike" cap="none" normalizeH="0" baseline="0" dirty="0" smtClean="0">
+              <a:rPr kumimoji="0" lang="de-DE" altLang="de-DE" sz="2000" b="0" i="0" u="none" strike="noStrike" cap="none" normalizeH="0" baseline="0" dirty="0">
                 <a:ln>
                   <a:noFill/>
                 </a:ln>
@@ -4375,7 +4346,7 @@
               <a:t>= [</a:t>
             </a:r>
             <a:r>
-              <a:rPr kumimoji="0" lang="de-DE" altLang="de-DE" sz="2000" b="0" i="0" u="none" strike="noStrike" cap="none" normalizeH="0" baseline="0" dirty="0" smtClean="0">
+              <a:rPr kumimoji="0" lang="de-DE" altLang="de-DE" sz="2000" b="0" i="0" u="none" strike="noStrike" cap="none" normalizeH="0" baseline="0" dirty="0">
                 <a:ln>
                   <a:noFill/>
                 </a:ln>
@@ -4388,7 +4359,7 @@
               <a:t>"</a:t>
             </a:r>
             <a:r>
-              <a:rPr kumimoji="0" lang="de-DE" altLang="de-DE" sz="2000" b="0" i="0" u="none" strike="noStrike" cap="none" normalizeH="0" baseline="0" dirty="0" err="1" smtClean="0">
+              <a:rPr kumimoji="0" lang="de-DE" altLang="de-DE" sz="2000" b="0" i="0" u="none" strike="noStrike" cap="none" normalizeH="0" baseline="0" dirty="0" err="1">
                 <a:ln>
                   <a:noFill/>
                 </a:ln>
@@ -4401,7 +4372,7 @@
               <a:t>python</a:t>
             </a:r>
             <a:r>
-              <a:rPr kumimoji="0" lang="de-DE" altLang="de-DE" sz="2000" b="0" i="0" u="none" strike="noStrike" cap="none" normalizeH="0" baseline="0" dirty="0" smtClean="0">
+              <a:rPr kumimoji="0" lang="de-DE" altLang="de-DE" sz="2000" b="0" i="0" u="none" strike="noStrike" cap="none" normalizeH="0" baseline="0" dirty="0">
                 <a:ln>
                   <a:noFill/>
                 </a:ln>
@@ -4414,7 +4385,7 @@
               <a:t>"</a:t>
             </a:r>
             <a:r>
-              <a:rPr kumimoji="0" lang="de-DE" altLang="de-DE" sz="2000" b="0" i="0" u="none" strike="noStrike" cap="none" normalizeH="0" baseline="0" dirty="0" smtClean="0">
+              <a:rPr kumimoji="0" lang="de-DE" altLang="de-DE" sz="2000" b="0" i="0" u="none" strike="noStrike" cap="none" normalizeH="0" baseline="0" dirty="0">
                 <a:ln>
                   <a:noFill/>
                 </a:ln>
@@ -4427,7 +4398,7 @@
               <a:t>, </a:t>
             </a:r>
             <a:r>
-              <a:rPr kumimoji="0" lang="de-DE" altLang="de-DE" sz="2000" b="0" i="0" u="none" strike="noStrike" cap="none" normalizeH="0" baseline="0" dirty="0" smtClean="0">
+              <a:rPr kumimoji="0" lang="de-DE" altLang="de-DE" sz="2000" b="0" i="0" u="none" strike="noStrike" cap="none" normalizeH="0" baseline="0" dirty="0">
                 <a:ln>
                   <a:noFill/>
                 </a:ln>
@@ -4440,7 +4411,7 @@
               <a:t>"example.py"</a:t>
             </a:r>
             <a:r>
-              <a:rPr kumimoji="0" lang="de-DE" altLang="de-DE" sz="2000" b="0" i="0" u="none" strike="noStrike" cap="none" normalizeH="0" baseline="0" dirty="0" smtClean="0">
+              <a:rPr kumimoji="0" lang="de-DE" altLang="de-DE" sz="2000" b="0" i="0" u="none" strike="noStrike" cap="none" normalizeH="0" baseline="0" dirty="0">
                 <a:ln>
                   <a:noFill/>
                 </a:ln>
@@ -4453,7 +4424,7 @@
               <a:t>, </a:t>
             </a:r>
             <a:r>
-              <a:rPr kumimoji="0" lang="de-DE" altLang="de-DE" sz="2000" b="0" i="0" u="none" strike="noStrike" cap="none" normalizeH="0" baseline="0" dirty="0" smtClean="0">
+              <a:rPr kumimoji="0" lang="de-DE" altLang="de-DE" sz="2000" b="0" i="0" u="none" strike="noStrike" cap="none" normalizeH="0" baseline="0" dirty="0">
                 <a:ln>
                   <a:noFill/>
                 </a:ln>
@@ -4466,7 +4437,7 @@
               <a:t>"${</a:t>
             </a:r>
             <a:r>
-              <a:rPr kumimoji="0" lang="de-DE" altLang="de-DE" sz="2000" b="0" i="0" u="none" strike="noStrike" cap="none" normalizeH="0" baseline="0" dirty="0" err="1" smtClean="0">
+              <a:rPr kumimoji="0" lang="de-DE" altLang="de-DE" sz="2000" b="0" i="0" u="none" strike="noStrike" cap="none" normalizeH="0" baseline="0" dirty="0" err="1">
                 <a:ln>
                   <a:noFill/>
                 </a:ln>
@@ -4479,7 +4450,7 @@
               <a:t>var.</a:t>
             </a:r>
             <a:r>
-              <a:rPr kumimoji="0" lang="de-DE" altLang="de-DE" sz="2000" b="0" i="0" u="none" strike="noStrike" cap="none" normalizeH="0" baseline="0" dirty="0" err="1" smtClean="0">
+              <a:rPr kumimoji="0" lang="de-DE" altLang="de-DE" sz="2000" b="0" i="0" u="none" strike="noStrike" cap="none" normalizeH="0" baseline="0" dirty="0" err="1">
                 <a:ln>
                   <a:noFill/>
                 </a:ln>
@@ -4492,7 +4463,7 @@
               <a:t>fileName</a:t>
             </a:r>
             <a:r>
-              <a:rPr kumimoji="0" lang="de-DE" altLang="de-DE" sz="2000" b="0" i="0" u="none" strike="noStrike" cap="none" normalizeH="0" baseline="0" dirty="0" smtClean="0">
+              <a:rPr kumimoji="0" lang="de-DE" altLang="de-DE" sz="2000" b="0" i="0" u="none" strike="noStrike" cap="none" normalizeH="0" baseline="0" dirty="0">
                 <a:ln>
                   <a:noFill/>
                 </a:ln>
@@ -4505,7 +4476,7 @@
               <a:t>}"</a:t>
             </a:r>
             <a:r>
-              <a:rPr kumimoji="0" lang="de-DE" altLang="de-DE" sz="2000" b="0" i="0" u="none" strike="noStrike" cap="none" normalizeH="0" baseline="0" dirty="0" smtClean="0">
+              <a:rPr kumimoji="0" lang="de-DE" altLang="de-DE" sz="2000" b="0" i="0" u="none" strike="noStrike" cap="none" normalizeH="0" baseline="0" dirty="0">
                 <a:ln>
                   <a:noFill/>
                 </a:ln>
@@ -4518,7 +4489,7 @@
               <a:t>]</a:t>
             </a:r>
             <a:br>
-              <a:rPr kumimoji="0" lang="de-DE" altLang="de-DE" sz="2000" b="0" i="0" u="none" strike="noStrike" cap="none" normalizeH="0" baseline="0" dirty="0" smtClean="0">
+              <a:rPr kumimoji="0" lang="de-DE" altLang="de-DE" sz="2000" b="0" i="0" u="none" strike="noStrike" cap="none" normalizeH="0" baseline="0" dirty="0">
                 <a:ln>
                   <a:noFill/>
                 </a:ln>
@@ -4530,7 +4501,7 @@
               </a:rPr>
             </a:br>
             <a:r>
-              <a:rPr kumimoji="0" lang="de-DE" altLang="de-DE" sz="2000" b="0" i="0" u="none" strike="noStrike" cap="none" normalizeH="0" baseline="0" dirty="0" smtClean="0">
+              <a:rPr kumimoji="0" lang="de-DE" altLang="de-DE" sz="2000" b="0" i="0" u="none" strike="noStrike" cap="none" normalizeH="0" baseline="0" dirty="0">
                 <a:ln>
                   <a:noFill/>
                 </a:ln>
@@ -4543,7 +4514,7 @@
               <a:t>}</a:t>
             </a:r>
             <a:br>
-              <a:rPr kumimoji="0" lang="de-DE" altLang="de-DE" sz="2000" b="0" i="0" u="none" strike="noStrike" cap="none" normalizeH="0" baseline="0" dirty="0" smtClean="0">
+              <a:rPr kumimoji="0" lang="de-DE" altLang="de-DE" sz="2000" b="0" i="0" u="none" strike="noStrike" cap="none" normalizeH="0" baseline="0" dirty="0">
                 <a:ln>
                   <a:noFill/>
                 </a:ln>
@@ -4554,8 +4525,8 @@
                 <a:latin typeface="JetBrains Mono"/>
               </a:rPr>
             </a:br>
-            <a:r>
-              <a:rPr kumimoji="0" lang="de-DE" altLang="de-DE" sz="2000" b="0" i="0" u="none" strike="noStrike" cap="none" normalizeH="0" baseline="0" dirty="0" smtClean="0">
+            <a:br>
+              <a:rPr kumimoji="0" lang="de-DE" altLang="de-DE" sz="2000" b="0" i="0" u="none" strike="noStrike" cap="none" normalizeH="0" baseline="0" dirty="0">
                 <a:ln>
                   <a:noFill/>
                 </a:ln>
@@ -4565,10 +4536,113 @@
                 <a:effectLst/>
                 <a:latin typeface="JetBrains Mono"/>
               </a:rPr>
-              <a:t/>
+            </a:br>
+            <a:r>
+              <a:rPr kumimoji="0" lang="de-DE" altLang="de-DE" sz="2000" b="0" i="1" u="none" strike="noStrike" cap="none" normalizeH="0" baseline="0" dirty="0" err="1">
+                <a:ln>
+                  <a:noFill/>
+                </a:ln>
+                <a:solidFill>
+                  <a:srgbClr val="D55FDE"/>
+                </a:solidFill>
+                <a:effectLst/>
+                <a:latin typeface="JetBrains Mono"/>
+              </a:rPr>
+              <a:t>data</a:t>
+            </a:r>
+            <a:r>
+              <a:rPr kumimoji="0" lang="de-DE" altLang="de-DE" sz="2000" b="0" i="1" u="none" strike="noStrike" cap="none" normalizeH="0" baseline="0" dirty="0">
+                <a:ln>
+                  <a:noFill/>
+                </a:ln>
+                <a:solidFill>
+                  <a:srgbClr val="D55FDE"/>
+                </a:solidFill>
+                <a:effectLst/>
+                <a:latin typeface="JetBrains Mono"/>
+              </a:rPr>
+              <a:t> </a:t>
+            </a:r>
+            <a:r>
+              <a:rPr kumimoji="0" lang="de-DE" altLang="de-DE" sz="2000" b="0" i="0" u="none" strike="noStrike" cap="none" normalizeH="0" baseline="0" dirty="0">
+                <a:ln>
+                  <a:noFill/>
+                </a:ln>
+                <a:solidFill>
+                  <a:srgbClr val="E5C07B"/>
+                </a:solidFill>
+                <a:effectLst/>
+                <a:latin typeface="JetBrains Mono"/>
+              </a:rPr>
+              <a:t>"</a:t>
+            </a:r>
+            <a:r>
+              <a:rPr kumimoji="0" lang="de-DE" altLang="de-DE" sz="2000" b="0" i="0" u="none" strike="noStrike" cap="none" normalizeH="0" baseline="0" dirty="0" err="1">
+                <a:ln>
+                  <a:noFill/>
+                </a:ln>
+                <a:solidFill>
+                  <a:srgbClr val="E5C07B"/>
+                </a:solidFill>
+                <a:effectLst/>
+                <a:latin typeface="JetBrains Mono"/>
+              </a:rPr>
+              <a:t>local_file</a:t>
+            </a:r>
+            <a:r>
+              <a:rPr kumimoji="0" lang="de-DE" altLang="de-DE" sz="2000" b="0" i="0" u="none" strike="noStrike" cap="none" normalizeH="0" baseline="0" dirty="0">
+                <a:ln>
+                  <a:noFill/>
+                </a:ln>
+                <a:solidFill>
+                  <a:srgbClr val="E5C07B"/>
+                </a:solidFill>
+                <a:effectLst/>
+                <a:latin typeface="JetBrains Mono"/>
+              </a:rPr>
+              <a:t>" „</a:t>
+            </a:r>
+            <a:r>
+              <a:rPr kumimoji="0" lang="de-DE" altLang="de-DE" sz="2000" b="0" i="0" u="none" strike="noStrike" cap="none" normalizeH="0" baseline="0" dirty="0" err="1">
+                <a:ln>
+                  <a:noFill/>
+                </a:ln>
+                <a:solidFill>
+                  <a:srgbClr val="E5C07B"/>
+                </a:solidFill>
+                <a:effectLst/>
+                <a:latin typeface="JetBrains Mono"/>
+              </a:rPr>
+              <a:t>dependent</a:t>
+            </a:r>
+            <a:r>
+              <a:rPr kumimoji="0" lang="de-DE" altLang="de-DE" sz="2000" b="0" i="0" u="none" strike="noStrike" cap="none" normalizeH="0" baseline="0" dirty="0">
+                <a:ln>
+                  <a:noFill/>
+                </a:ln>
+                <a:solidFill>
+                  <a:srgbClr val="E5C07B"/>
+                </a:solidFill>
+                <a:effectLst/>
+                <a:latin typeface="JetBrains Mono"/>
+              </a:rPr>
+              <a:t>" </a:t>
+            </a:r>
+            <a:r>
+              <a:rPr kumimoji="0" lang="de-DE" altLang="de-DE" sz="2000" b="0" i="0" u="none" strike="noStrike" cap="none" normalizeH="0" baseline="0" dirty="0">
+                <a:ln>
+                  <a:noFill/>
+                </a:ln>
+                <a:solidFill>
+                  <a:srgbClr val="BBBBBB"/>
+                </a:solidFill>
+                <a:effectLst/>
+                <a:latin typeface="JetBrains Mono"/>
+              </a:rPr>
+              <a:t>{</a:t>
             </a:r>
             <a:br>
-              <a:rPr kumimoji="0" lang="de-DE" altLang="de-DE" sz="2000" b="0" i="0" u="none" strike="noStrike" cap="none" normalizeH="0" baseline="0" dirty="0" smtClean="0">
+              <a:rPr kumimoji="0" lang="de-DE" altLang="de-DE" sz="2000" b="0" i="0" u="none" strike="noStrike" cap="none" normalizeH="0" baseline="0" dirty="0">
                 <a:ln>
                   <a:noFill/>
                 </a:ln>
@@ -4580,25 +4654,203 @@
               </a:rPr>
             </a:br>
             <a:r>
-              <a:rPr kumimoji="0" lang="de-DE" altLang="de-DE" sz="2000" b="0" i="1" u="none" strike="noStrike" cap="none" normalizeH="0" baseline="0" dirty="0" err="1" smtClean="0">
-                <a:ln>
-                  <a:noFill/>
-                </a:ln>
-                <a:solidFill>
-                  <a:srgbClr val="D55FDE"/>
-                </a:solidFill>
-                <a:effectLst/>
-                <a:latin typeface="JetBrains Mono"/>
-              </a:rPr>
-              <a:t>data</a:t>
-            </a:r>
-            <a:r>
-              <a:rPr kumimoji="0" lang="de-DE" altLang="de-DE" sz="2000" b="0" i="1" u="none" strike="noStrike" cap="none" normalizeH="0" baseline="0" dirty="0" smtClean="0">
-                <a:ln>
-                  <a:noFill/>
-                </a:ln>
-                <a:solidFill>
-                  <a:srgbClr val="D55FDE"/>
+              <a:rPr kumimoji="0" lang="de-DE" altLang="de-DE" sz="2000" b="0" i="0" u="none" strike="noStrike" cap="none" normalizeH="0" baseline="0" dirty="0">
+                <a:ln>
+                  <a:noFill/>
+                </a:ln>
+                <a:solidFill>
+                  <a:srgbClr val="BBBBBB"/>
+                </a:solidFill>
+                <a:effectLst/>
+                <a:latin typeface="JetBrains Mono"/>
+              </a:rPr>
+              <a:t>  </a:t>
+            </a:r>
+            <a:r>
+              <a:rPr kumimoji="0" lang="de-DE" altLang="de-DE" sz="2000" b="0" i="0" u="none" strike="noStrike" cap="none" normalizeH="0" baseline="0" dirty="0" err="1">
+                <a:ln>
+                  <a:noFill/>
+                </a:ln>
+                <a:solidFill>
+                  <a:srgbClr val="EF596F"/>
+                </a:solidFill>
+                <a:effectLst/>
+                <a:latin typeface="JetBrains Mono"/>
+              </a:rPr>
+              <a:t>filename</a:t>
+            </a:r>
+            <a:r>
+              <a:rPr kumimoji="0" lang="de-DE" altLang="de-DE" sz="2000" b="0" i="0" u="none" strike="noStrike" cap="none" normalizeH="0" baseline="0" dirty="0">
+                <a:ln>
+                  <a:noFill/>
+                </a:ln>
+                <a:solidFill>
+                  <a:srgbClr val="EF596F"/>
+                </a:solidFill>
+                <a:effectLst/>
+                <a:latin typeface="JetBrains Mono"/>
+              </a:rPr>
+              <a:t>   </a:t>
+            </a:r>
+            <a:r>
+              <a:rPr kumimoji="0" lang="de-DE" altLang="de-DE" sz="2000" b="0" i="0" u="none" strike="noStrike" cap="none" normalizeH="0" baseline="0" dirty="0">
+                <a:ln>
+                  <a:noFill/>
+                </a:ln>
+                <a:solidFill>
+                  <a:srgbClr val="BBBBBB"/>
+                </a:solidFill>
+                <a:effectLst/>
+                <a:latin typeface="JetBrains Mono"/>
+              </a:rPr>
+              <a:t>= </a:t>
+            </a:r>
+            <a:r>
+              <a:rPr kumimoji="0" lang="de-DE" altLang="de-DE" sz="2000" b="0" i="0" u="none" strike="noStrike" cap="none" normalizeH="0" baseline="0" dirty="0">
+                <a:ln>
+                  <a:noFill/>
+                </a:ln>
+                <a:solidFill>
+                  <a:srgbClr val="89CA78"/>
+                </a:solidFill>
+                <a:effectLst/>
+                <a:latin typeface="JetBrains Mono"/>
+              </a:rPr>
+              <a:t>"${</a:t>
+            </a:r>
+            <a:r>
+              <a:rPr kumimoji="0" lang="de-DE" altLang="de-DE" sz="2000" b="0" i="0" u="none" strike="noStrike" cap="none" normalizeH="0" baseline="0" dirty="0" err="1">
+                <a:ln>
+                  <a:noFill/>
+                </a:ln>
+                <a:solidFill>
+                  <a:srgbClr val="89CA78"/>
+                </a:solidFill>
+                <a:effectLst/>
+                <a:latin typeface="JetBrains Mono"/>
+              </a:rPr>
+              <a:t>path.</a:t>
+            </a:r>
+            <a:r>
+              <a:rPr kumimoji="0" lang="de-DE" altLang="de-DE" sz="2000" b="0" i="0" u="none" strike="noStrike" cap="none" normalizeH="0" baseline="0" dirty="0" err="1">
+                <a:ln>
+                  <a:noFill/>
+                </a:ln>
+                <a:solidFill>
+                  <a:srgbClr val="EF596F"/>
+                </a:solidFill>
+                <a:effectLst/>
+                <a:latin typeface="JetBrains Mono"/>
+              </a:rPr>
+              <a:t>module</a:t>
+            </a:r>
+            <a:r>
+              <a:rPr kumimoji="0" lang="de-DE" altLang="de-DE" sz="2000" b="0" i="0" u="none" strike="noStrike" cap="none" normalizeH="0" baseline="0" dirty="0">
+                <a:ln>
+                  <a:noFill/>
+                </a:ln>
+                <a:solidFill>
+                  <a:srgbClr val="89CA78"/>
+                </a:solidFill>
+                <a:effectLst/>
+                <a:latin typeface="JetBrains Mono"/>
+              </a:rPr>
+              <a:t>}/</a:t>
+            </a:r>
+            <a:r>
+              <a:rPr lang="de-DE" altLang="de-DE" sz="2000" dirty="0">
+                <a:solidFill>
+                  <a:srgbClr val="89CA78"/>
+                </a:solidFill>
+                <a:latin typeface="JetBrains Mono"/>
+              </a:rPr>
+              <a:t>${</a:t>
+            </a:r>
+            <a:r>
+              <a:rPr lang="de-DE" altLang="de-DE" sz="2000" dirty="0" err="1">
+                <a:solidFill>
+                  <a:srgbClr val="89CA78"/>
+                </a:solidFill>
+                <a:latin typeface="JetBrains Mono"/>
+              </a:rPr>
+              <a:t>var.</a:t>
+            </a:r>
+            <a:r>
+              <a:rPr lang="de-DE" altLang="de-DE" sz="2000" dirty="0" err="1">
+                <a:solidFill>
+                  <a:srgbClr val="EF596F"/>
+                </a:solidFill>
+                <a:latin typeface="JetBrains Mono"/>
+              </a:rPr>
+              <a:t>fileName</a:t>
+            </a:r>
+            <a:r>
+              <a:rPr lang="de-DE" altLang="de-DE" sz="2000" dirty="0">
+                <a:solidFill>
+                  <a:srgbClr val="89CA78"/>
+                </a:solidFill>
+                <a:latin typeface="JetBrains Mono"/>
+              </a:rPr>
+              <a:t>}</a:t>
+            </a:r>
+            <a:r>
+              <a:rPr kumimoji="0" lang="de-DE" altLang="de-DE" sz="2000" b="0" i="0" u="none" strike="noStrike" cap="none" normalizeH="0" baseline="0" dirty="0">
+                <a:ln>
+                  <a:noFill/>
+                </a:ln>
+                <a:solidFill>
+                  <a:srgbClr val="89CA78"/>
+                </a:solidFill>
+                <a:effectLst/>
+                <a:latin typeface="JetBrains Mono"/>
+              </a:rPr>
+              <a:t>"</a:t>
+            </a:r>
+            <a:br>
+              <a:rPr kumimoji="0" lang="de-DE" altLang="de-DE" sz="2000" b="0" i="0" u="none" strike="noStrike" cap="none" normalizeH="0" baseline="0" dirty="0">
+                <a:ln>
+                  <a:noFill/>
+                </a:ln>
+                <a:solidFill>
+                  <a:srgbClr val="89CA78"/>
+                </a:solidFill>
+                <a:effectLst/>
+                <a:latin typeface="JetBrains Mono"/>
+              </a:rPr>
+            </a:br>
+            <a:r>
+              <a:rPr kumimoji="0" lang="de-DE" altLang="de-DE" sz="2000" b="0" i="0" u="none" strike="noStrike" cap="none" normalizeH="0" baseline="0" dirty="0">
+                <a:ln>
+                  <a:noFill/>
+                </a:ln>
+                <a:solidFill>
+                  <a:srgbClr val="89CA78"/>
+                </a:solidFill>
+                <a:effectLst/>
+                <a:latin typeface="JetBrains Mono"/>
+              </a:rPr>
+              <a:t>  </a:t>
+            </a:r>
+            <a:r>
+              <a:rPr kumimoji="0" lang="de-DE" altLang="de-DE" sz="2000" b="0" i="0" u="none" strike="noStrike" cap="none" normalizeH="0" baseline="0" dirty="0" err="1">
+                <a:ln>
+                  <a:noFill/>
+                </a:ln>
+                <a:solidFill>
+                  <a:srgbClr val="EF596F"/>
+                </a:solidFill>
+                <a:effectLst/>
+                <a:latin typeface="JetBrains Mono"/>
+              </a:rPr>
+              <a:t>depends_on</a:t>
+            </a:r>
+            <a:r>
+              <a:rPr kumimoji="0" lang="de-DE" altLang="de-DE" sz="2000" b="0" i="0" u="none" strike="noStrike" cap="none" normalizeH="0" baseline="0" dirty="0">
+                <a:ln>
+                  <a:noFill/>
+                </a:ln>
+                <a:solidFill>
+                  <a:srgbClr val="EF596F"/>
                 </a:solidFill>
                 <a:effectLst/>
                 <a:latin typeface="JetBrains Mono"/>
@@ -4606,72 +4858,7 @@
               <a:t> </a:t>
             </a:r>
             <a:r>
-              <a:rPr kumimoji="0" lang="de-DE" altLang="de-DE" sz="2000" b="0" i="0" u="none" strike="noStrike" cap="none" normalizeH="0" baseline="0" dirty="0" smtClean="0">
-                <a:ln>
-                  <a:noFill/>
-                </a:ln>
-                <a:solidFill>
-                  <a:srgbClr val="E5C07B"/>
-                </a:solidFill>
-                <a:effectLst/>
-                <a:latin typeface="JetBrains Mono"/>
-              </a:rPr>
-              <a:t>"</a:t>
-            </a:r>
-            <a:r>
-              <a:rPr kumimoji="0" lang="de-DE" altLang="de-DE" sz="2000" b="0" i="0" u="none" strike="noStrike" cap="none" normalizeH="0" baseline="0" dirty="0" err="1" smtClean="0">
-                <a:ln>
-                  <a:noFill/>
-                </a:ln>
-                <a:solidFill>
-                  <a:srgbClr val="E5C07B"/>
-                </a:solidFill>
-                <a:effectLst/>
-                <a:latin typeface="JetBrains Mono"/>
-              </a:rPr>
-              <a:t>local_file</a:t>
-            </a:r>
-            <a:r>
-              <a:rPr kumimoji="0" lang="de-DE" altLang="de-DE" sz="2000" b="0" i="0" u="none" strike="noStrike" cap="none" normalizeH="0" baseline="0" dirty="0" smtClean="0">
-                <a:ln>
-                  <a:noFill/>
-                </a:ln>
-                <a:solidFill>
-                  <a:srgbClr val="E5C07B"/>
-                </a:solidFill>
-                <a:effectLst/>
-                <a:latin typeface="JetBrains Mono"/>
-              </a:rPr>
-              <a:t>" „</a:t>
-            </a:r>
-            <a:r>
-              <a:rPr kumimoji="0" lang="de-DE" altLang="de-DE" sz="2000" b="0" i="0" u="none" strike="noStrike" cap="none" normalizeH="0" baseline="0" dirty="0" err="1" smtClean="0">
-                <a:ln>
-                  <a:noFill/>
-                </a:ln>
-                <a:solidFill>
-                  <a:srgbClr val="E5C07B"/>
-                </a:solidFill>
-                <a:effectLst/>
-                <a:latin typeface="JetBrains Mono"/>
-              </a:rPr>
-              <a:t>dependent</a:t>
-            </a:r>
-            <a:r>
-              <a:rPr kumimoji="0" lang="de-DE" altLang="de-DE" sz="2000" b="0" i="0" u="none" strike="noStrike" cap="none" normalizeH="0" baseline="0" dirty="0" smtClean="0">
-                <a:ln>
-                  <a:noFill/>
-                </a:ln>
-                <a:solidFill>
-                  <a:srgbClr val="E5C07B"/>
-                </a:solidFill>
-                <a:effectLst/>
-                <a:latin typeface="JetBrains Mono"/>
-              </a:rPr>
-              <a:t>" </a:t>
-            </a:r>
-            <a:r>
-              <a:rPr kumimoji="0" lang="de-DE" altLang="de-DE" sz="2000" b="0" i="0" u="none" strike="noStrike" cap="none" normalizeH="0" baseline="0" dirty="0" smtClean="0">
+              <a:rPr kumimoji="0" lang="de-DE" altLang="de-DE" sz="2000" b="0" i="0" u="none" strike="noStrike" cap="none" normalizeH="0" baseline="0" dirty="0">
                 <a:ln>
                   <a:noFill/>
                 </a:ln>
@@ -4681,10 +4868,44 @@
                 <a:effectLst/>
                 <a:latin typeface="JetBrains Mono"/>
               </a:rPr>
-              <a:t>{</a:t>
+              <a:t>= [</a:t>
+            </a:r>
+            <a:r>
+              <a:rPr kumimoji="0" lang="de-DE" altLang="de-DE" sz="2000" b="0" i="0" u="none" strike="noStrike" cap="none" normalizeH="0" baseline="0" dirty="0" err="1">
+                <a:ln>
+                  <a:noFill/>
+                </a:ln>
+                <a:solidFill>
+                  <a:srgbClr val="89CA78"/>
+                </a:solidFill>
+                <a:effectLst/>
+                <a:latin typeface="JetBrains Mono"/>
+              </a:rPr>
+              <a:t>data.external.example</a:t>
+            </a:r>
+            <a:r>
+              <a:rPr lang="de-DE" altLang="de-DE" sz="2000" dirty="0">
+                <a:solidFill>
+                  <a:srgbClr val="BBBBBB"/>
+                </a:solidFill>
+                <a:latin typeface="JetBrains Mono"/>
+              </a:rPr>
+              <a:t>]</a:t>
             </a:r>
             <a:br>
-              <a:rPr kumimoji="0" lang="de-DE" altLang="de-DE" sz="2000" b="0" i="0" u="none" strike="noStrike" cap="none" normalizeH="0" baseline="0" dirty="0" smtClean="0">
+              <a:rPr kumimoji="0" lang="de-DE" altLang="de-DE" sz="2000" b="0" i="0" u="none" strike="noStrike" cap="none" normalizeH="0" baseline="0" dirty="0">
+                <a:ln>
+                  <a:noFill/>
+                </a:ln>
+                <a:solidFill>
+                  <a:srgbClr val="89CA78"/>
+                </a:solidFill>
+                <a:effectLst/>
+                <a:latin typeface="JetBrains Mono"/>
+              </a:rPr>
+            </a:br>
+            <a:r>
+              <a:rPr kumimoji="0" lang="de-DE" altLang="de-DE" sz="2000" b="0" i="0" u="none" strike="noStrike" cap="none" normalizeH="0" baseline="0" dirty="0">
                 <a:ln>
                   <a:noFill/>
                 </a:ln>
@@ -4694,285 +4915,9 @@
                 <a:effectLst/>
                 <a:latin typeface="JetBrains Mono"/>
               </a:rPr>
-            </a:br>
-            <a:r>
-              <a:rPr kumimoji="0" lang="de-DE" altLang="de-DE" sz="2000" b="0" i="0" u="none" strike="noStrike" cap="none" normalizeH="0" baseline="0" dirty="0" smtClean="0">
-                <a:ln>
-                  <a:noFill/>
-                </a:ln>
-                <a:solidFill>
-                  <a:srgbClr val="BBBBBB"/>
-                </a:solidFill>
-                <a:effectLst/>
-                <a:latin typeface="JetBrains Mono"/>
-              </a:rPr>
-              <a:t>  </a:t>
-            </a:r>
-            <a:r>
-              <a:rPr kumimoji="0" lang="de-DE" altLang="de-DE" sz="2000" b="0" i="0" u="none" strike="noStrike" cap="none" normalizeH="0" baseline="0" dirty="0" err="1" smtClean="0">
-                <a:ln>
-                  <a:noFill/>
-                </a:ln>
-                <a:solidFill>
-                  <a:srgbClr val="EF596F"/>
-                </a:solidFill>
-                <a:effectLst/>
-                <a:latin typeface="JetBrains Mono"/>
-              </a:rPr>
-              <a:t>filename</a:t>
-            </a:r>
-            <a:r>
-              <a:rPr kumimoji="0" lang="de-DE" altLang="de-DE" sz="2000" b="0" i="0" u="none" strike="noStrike" cap="none" normalizeH="0" baseline="0" dirty="0" smtClean="0">
-                <a:ln>
-                  <a:noFill/>
-                </a:ln>
-                <a:solidFill>
-                  <a:srgbClr val="EF596F"/>
-                </a:solidFill>
-                <a:effectLst/>
-                <a:latin typeface="JetBrains Mono"/>
-              </a:rPr>
-              <a:t>   </a:t>
-            </a:r>
-            <a:r>
-              <a:rPr kumimoji="0" lang="de-DE" altLang="de-DE" sz="2000" b="0" i="0" u="none" strike="noStrike" cap="none" normalizeH="0" baseline="0" dirty="0" smtClean="0">
-                <a:ln>
-                  <a:noFill/>
-                </a:ln>
-                <a:solidFill>
-                  <a:srgbClr val="BBBBBB"/>
-                </a:solidFill>
-                <a:effectLst/>
-                <a:latin typeface="JetBrains Mono"/>
-              </a:rPr>
-              <a:t>= </a:t>
-            </a:r>
-            <a:r>
-              <a:rPr kumimoji="0" lang="de-DE" altLang="de-DE" sz="2000" b="0" i="0" u="none" strike="noStrike" cap="none" normalizeH="0" baseline="0" dirty="0" smtClean="0">
-                <a:ln>
-                  <a:noFill/>
-                </a:ln>
-                <a:solidFill>
-                  <a:srgbClr val="89CA78"/>
-                </a:solidFill>
-                <a:effectLst/>
-                <a:latin typeface="JetBrains Mono"/>
-              </a:rPr>
-              <a:t>"${</a:t>
-            </a:r>
-            <a:r>
-              <a:rPr kumimoji="0" lang="de-DE" altLang="de-DE" sz="2000" b="0" i="0" u="none" strike="noStrike" cap="none" normalizeH="0" baseline="0" dirty="0" err="1" smtClean="0">
-                <a:ln>
-                  <a:noFill/>
-                </a:ln>
-                <a:solidFill>
-                  <a:srgbClr val="89CA78"/>
-                </a:solidFill>
-                <a:effectLst/>
-                <a:latin typeface="JetBrains Mono"/>
-              </a:rPr>
-              <a:t>path.</a:t>
-            </a:r>
-            <a:r>
-              <a:rPr kumimoji="0" lang="de-DE" altLang="de-DE" sz="2000" b="0" i="0" u="none" strike="noStrike" cap="none" normalizeH="0" baseline="0" dirty="0" err="1" smtClean="0">
-                <a:ln>
-                  <a:noFill/>
-                </a:ln>
-                <a:solidFill>
-                  <a:srgbClr val="EF596F"/>
-                </a:solidFill>
-                <a:effectLst/>
-                <a:latin typeface="JetBrains Mono"/>
-              </a:rPr>
-              <a:t>module</a:t>
-            </a:r>
-            <a:r>
-              <a:rPr kumimoji="0" lang="de-DE" altLang="de-DE" sz="2000" b="0" i="0" u="none" strike="noStrike" cap="none" normalizeH="0" baseline="0" dirty="0" smtClean="0">
-                <a:ln>
-                  <a:noFill/>
-                </a:ln>
-                <a:solidFill>
-                  <a:srgbClr val="89CA78"/>
-                </a:solidFill>
-                <a:effectLst/>
-                <a:latin typeface="JetBrains Mono"/>
-              </a:rPr>
-              <a:t>}/</a:t>
-            </a:r>
-            <a:r>
-              <a:rPr lang="de-DE" altLang="de-DE" sz="2000" dirty="0">
-                <a:solidFill>
-                  <a:srgbClr val="89CA78"/>
-                </a:solidFill>
-                <a:latin typeface="JetBrains Mono"/>
-              </a:rPr>
-              <a:t>${</a:t>
-            </a:r>
-            <a:r>
-              <a:rPr lang="de-DE" altLang="de-DE" sz="2000" dirty="0" err="1">
-                <a:solidFill>
-                  <a:srgbClr val="89CA78"/>
-                </a:solidFill>
-                <a:latin typeface="JetBrains Mono"/>
-              </a:rPr>
-              <a:t>var.</a:t>
-            </a:r>
-            <a:r>
-              <a:rPr lang="de-DE" altLang="de-DE" sz="2000" dirty="0" err="1">
-                <a:solidFill>
-                  <a:srgbClr val="EF596F"/>
-                </a:solidFill>
-                <a:latin typeface="JetBrains Mono"/>
-              </a:rPr>
-              <a:t>fileName</a:t>
-            </a:r>
-            <a:r>
-              <a:rPr lang="de-DE" altLang="de-DE" sz="2000" dirty="0">
-                <a:solidFill>
-                  <a:srgbClr val="89CA78"/>
-                </a:solidFill>
-                <a:latin typeface="JetBrains Mono"/>
-              </a:rPr>
               <a:t>}</a:t>
             </a:r>
-            <a:r>
-              <a:rPr kumimoji="0" lang="de-DE" altLang="de-DE" sz="2000" b="0" i="0" u="none" strike="noStrike" cap="none" normalizeH="0" baseline="0" dirty="0" smtClean="0">
-                <a:ln>
-                  <a:noFill/>
-                </a:ln>
-                <a:solidFill>
-                  <a:srgbClr val="89CA78"/>
-                </a:solidFill>
-                <a:effectLst/>
-                <a:latin typeface="JetBrains Mono"/>
-              </a:rPr>
-              <a:t>"</a:t>
-            </a:r>
-            <a:br>
-              <a:rPr kumimoji="0" lang="de-DE" altLang="de-DE" sz="2000" b="0" i="0" u="none" strike="noStrike" cap="none" normalizeH="0" baseline="0" dirty="0" smtClean="0">
-                <a:ln>
-                  <a:noFill/>
-                </a:ln>
-                <a:solidFill>
-                  <a:srgbClr val="89CA78"/>
-                </a:solidFill>
-                <a:effectLst/>
-                <a:latin typeface="JetBrains Mono"/>
-              </a:rPr>
-            </a:br>
-            <a:r>
-              <a:rPr kumimoji="0" lang="de-DE" altLang="de-DE" sz="2000" b="0" i="0" u="none" strike="noStrike" cap="none" normalizeH="0" baseline="0" dirty="0" smtClean="0">
-                <a:ln>
-                  <a:noFill/>
-                </a:ln>
-                <a:solidFill>
-                  <a:srgbClr val="89CA78"/>
-                </a:solidFill>
-                <a:effectLst/>
-                <a:latin typeface="JetBrains Mono"/>
-              </a:rPr>
-              <a:t>  </a:t>
-            </a:r>
-            <a:r>
-              <a:rPr kumimoji="0" lang="de-DE" altLang="de-DE" sz="2000" b="0" i="0" u="none" strike="noStrike" cap="none" normalizeH="0" baseline="0" dirty="0" err="1" smtClean="0">
-                <a:ln>
-                  <a:noFill/>
-                </a:ln>
-                <a:solidFill>
-                  <a:srgbClr val="EF596F"/>
-                </a:solidFill>
-                <a:effectLst/>
-                <a:latin typeface="JetBrains Mono"/>
-              </a:rPr>
-              <a:t>depends_on</a:t>
-            </a:r>
-            <a:r>
-              <a:rPr kumimoji="0" lang="de-DE" altLang="de-DE" sz="2000" b="0" i="0" u="none" strike="noStrike" cap="none" normalizeH="0" baseline="0" dirty="0" smtClean="0">
-                <a:ln>
-                  <a:noFill/>
-                </a:ln>
-                <a:solidFill>
-                  <a:srgbClr val="EF596F"/>
-                </a:solidFill>
-                <a:effectLst/>
-                <a:latin typeface="JetBrains Mono"/>
-              </a:rPr>
-              <a:t> </a:t>
-            </a:r>
-            <a:r>
-              <a:rPr kumimoji="0" lang="de-DE" altLang="de-DE" sz="2000" b="0" i="0" u="none" strike="noStrike" cap="none" normalizeH="0" baseline="0" dirty="0" smtClean="0">
-                <a:ln>
-                  <a:noFill/>
-                </a:ln>
-                <a:solidFill>
-                  <a:srgbClr val="BBBBBB"/>
-                </a:solidFill>
-                <a:effectLst/>
-                <a:latin typeface="JetBrains Mono"/>
-              </a:rPr>
-              <a:t>= [</a:t>
-            </a:r>
-            <a:r>
-              <a:rPr kumimoji="0" lang="de-DE" altLang="de-DE" sz="2000" b="0" i="0" u="none" strike="noStrike" cap="none" normalizeH="0" baseline="0" dirty="0" err="1" smtClean="0">
-                <a:ln>
-                  <a:noFill/>
-                </a:ln>
-                <a:solidFill>
-                  <a:srgbClr val="89CA78"/>
-                </a:solidFill>
-                <a:effectLst/>
-                <a:latin typeface="JetBrains Mono"/>
-              </a:rPr>
-              <a:t>data.external.example</a:t>
-            </a:r>
-            <a:r>
-              <a:rPr lang="de-DE" altLang="de-DE" sz="2000" dirty="0">
-                <a:solidFill>
-                  <a:srgbClr val="BBBBBB"/>
-                </a:solidFill>
-                <a:latin typeface="JetBrains Mono"/>
-              </a:rPr>
-              <a:t>]</a:t>
-            </a:r>
-            <a:r>
-              <a:rPr kumimoji="0" lang="de-DE" altLang="de-DE" sz="2000" b="0" i="0" u="none" strike="noStrike" cap="none" normalizeH="0" baseline="0" dirty="0" smtClean="0">
-                <a:ln>
-                  <a:noFill/>
-                </a:ln>
-                <a:solidFill>
-                  <a:srgbClr val="89CA78"/>
-                </a:solidFill>
-                <a:effectLst/>
-                <a:latin typeface="JetBrains Mono"/>
-              </a:rPr>
-              <a:t/>
-            </a:r>
-            <a:br>
-              <a:rPr kumimoji="0" lang="de-DE" altLang="de-DE" sz="2000" b="0" i="0" u="none" strike="noStrike" cap="none" normalizeH="0" baseline="0" dirty="0" smtClean="0">
-                <a:ln>
-                  <a:noFill/>
-                </a:ln>
-                <a:solidFill>
-                  <a:srgbClr val="89CA78"/>
-                </a:solidFill>
-                <a:effectLst/>
-                <a:latin typeface="JetBrains Mono"/>
-              </a:rPr>
-            </a:br>
-            <a:r>
-              <a:rPr kumimoji="0" lang="de-DE" altLang="de-DE" sz="2000" b="0" i="0" u="none" strike="noStrike" cap="none" normalizeH="0" baseline="0" dirty="0" smtClean="0">
-                <a:ln>
-                  <a:noFill/>
-                </a:ln>
-                <a:solidFill>
-                  <a:srgbClr val="BBBBBB"/>
-                </a:solidFill>
-                <a:effectLst/>
-                <a:latin typeface="JetBrains Mono"/>
-              </a:rPr>
-              <a:t>}</a:t>
-            </a:r>
-            <a:endParaRPr kumimoji="0" lang="de-DE" altLang="de-DE" sz="4400" b="0" i="0" u="none" strike="noStrike" cap="none" normalizeH="0" baseline="0" dirty="0" smtClean="0">
+            <a:endParaRPr kumimoji="0" lang="de-DE" altLang="de-DE" sz="4400" b="0" i="0" u="none" strike="noStrike" cap="none" normalizeH="0" baseline="0" dirty="0">
               <a:ln>
                 <a:noFill/>
               </a:ln>
@@ -4995,13 +4940,6 @@
   <p:clrMapOvr>
     <a:masterClrMapping/>
   </p:clrMapOvr>
-  <p:timing>
-    <p:tnLst>
-      <p:par>
-        <p:cTn id="1" dur="indefinite" restart="never" nodeType="tmRoot"/>
-      </p:par>
-    </p:tnLst>
-  </p:timing>
 </p:sld>
 </file>
 
@@ -5038,14 +4976,9 @@
           <a:lstStyle/>
           <a:p>
             <a:r>
-              <a:rPr lang="de-DE" dirty="0" smtClean="0"/>
-              <a:t>http Data </a:t>
-            </a:r>
-            <a:r>
-              <a:rPr lang="de-DE" dirty="0" smtClean="0"/>
-              <a:t>Source</a:t>
-            </a:r>
-            <a:endParaRPr lang="de-DE" dirty="0"/>
+              <a:rPr lang="de-DE" dirty="0"/>
+              <a:t>http Data Source</a:t>
+            </a:r>
           </a:p>
         </p:txBody>
       </p:sp>
@@ -5074,30 +5007,29 @@
               <a:buChar char="-"/>
             </a:pPr>
             <a:r>
-              <a:rPr lang="de-DE" dirty="0" smtClean="0"/>
+              <a:rPr lang="de-DE" dirty="0"/>
               <a:t>Ermöglichen den Zugriff auf REST-APIs</a:t>
             </a:r>
-            <a:endParaRPr lang="de-DE" dirty="0" smtClean="0"/>
           </a:p>
           <a:p>
             <a:pPr marL="457200" lvl="1" indent="0">
               <a:buNone/>
             </a:pPr>
-            <a:endParaRPr lang="de-DE" dirty="0" smtClean="0"/>
+            <a:endParaRPr lang="de-DE" dirty="0"/>
           </a:p>
           <a:p>
             <a:pPr>
               <a:buFontTx/>
               <a:buChar char="-"/>
             </a:pPr>
-            <a:endParaRPr lang="de-DE" dirty="0" smtClean="0"/>
+            <a:endParaRPr lang="de-DE" dirty="0"/>
           </a:p>
           <a:p>
             <a:pPr lvl="1">
               <a:buFontTx/>
               <a:buChar char="-"/>
             </a:pPr>
-            <a:endParaRPr lang="de-DE" dirty="0" smtClean="0"/>
+            <a:endParaRPr lang="de-DE" dirty="0"/>
           </a:p>
         </p:txBody>
       </p:sp>
@@ -5172,7 +5104,7 @@
               <a:tabLst/>
             </a:pPr>
             <a:r>
-              <a:rPr kumimoji="0" lang="de-DE" altLang="de-DE" sz="2000" b="0" i="1" u="none" strike="noStrike" cap="none" normalizeH="0" baseline="0" dirty="0" err="1" smtClean="0">
+              <a:rPr kumimoji="0" lang="de-DE" altLang="de-DE" sz="2000" b="0" i="1" u="none" strike="noStrike" cap="none" normalizeH="0" baseline="0" dirty="0" err="1">
                 <a:ln>
                   <a:noFill/>
                 </a:ln>
@@ -5185,7 +5117,7 @@
               <a:t>data</a:t>
             </a:r>
             <a:r>
-              <a:rPr kumimoji="0" lang="de-DE" altLang="de-DE" sz="2000" b="0" i="1" u="none" strike="noStrike" cap="none" normalizeH="0" baseline="0" dirty="0" smtClean="0">
+              <a:rPr kumimoji="0" lang="de-DE" altLang="de-DE" sz="2000" b="0" i="1" u="none" strike="noStrike" cap="none" normalizeH="0" baseline="0" dirty="0">
                 <a:ln>
                   <a:noFill/>
                 </a:ln>
@@ -5198,7 +5130,7 @@
               <a:t> </a:t>
             </a:r>
             <a:r>
-              <a:rPr kumimoji="0" lang="de-DE" altLang="de-DE" sz="2000" b="0" i="0" u="none" strike="noStrike" cap="none" normalizeH="0" baseline="0" dirty="0" smtClean="0">
+              <a:rPr kumimoji="0" lang="de-DE" altLang="de-DE" sz="2000" b="0" i="0" u="none" strike="noStrike" cap="none" normalizeH="0" baseline="0" dirty="0">
                 <a:ln>
                   <a:noFill/>
                 </a:ln>
@@ -5211,7 +5143,7 @@
               <a:t>"http" "</a:t>
             </a:r>
             <a:r>
-              <a:rPr kumimoji="0" lang="de-DE" altLang="de-DE" sz="2000" b="0" i="0" u="none" strike="noStrike" cap="none" normalizeH="0" baseline="0" dirty="0" err="1" smtClean="0">
+              <a:rPr kumimoji="0" lang="de-DE" altLang="de-DE" sz="2000" b="0" i="0" u="none" strike="noStrike" cap="none" normalizeH="0" baseline="0" dirty="0" err="1">
                 <a:ln>
                   <a:noFill/>
                 </a:ln>
@@ -5224,7 +5156,7 @@
               <a:t>holidays</a:t>
             </a:r>
             <a:r>
-              <a:rPr kumimoji="0" lang="de-DE" altLang="de-DE" sz="2000" b="0" i="0" u="none" strike="noStrike" cap="none" normalizeH="0" baseline="0" dirty="0" smtClean="0">
+              <a:rPr kumimoji="0" lang="de-DE" altLang="de-DE" sz="2000" b="0" i="0" u="none" strike="noStrike" cap="none" normalizeH="0" baseline="0" dirty="0">
                 <a:ln>
                   <a:noFill/>
                 </a:ln>
@@ -5237,7 +5169,7 @@
               <a:t>" </a:t>
             </a:r>
             <a:r>
-              <a:rPr kumimoji="0" lang="de-DE" altLang="de-DE" sz="2000" b="0" i="0" u="none" strike="noStrike" cap="none" normalizeH="0" baseline="0" dirty="0" smtClean="0">
+              <a:rPr kumimoji="0" lang="de-DE" altLang="de-DE" sz="2000" b="0" i="0" u="none" strike="noStrike" cap="none" normalizeH="0" baseline="0" dirty="0">
                 <a:ln>
                   <a:noFill/>
                 </a:ln>
@@ -5250,7 +5182,7 @@
               <a:t>{</a:t>
             </a:r>
             <a:br>
-              <a:rPr kumimoji="0" lang="de-DE" altLang="de-DE" sz="2000" b="0" i="0" u="none" strike="noStrike" cap="none" normalizeH="0" baseline="0" dirty="0" smtClean="0">
+              <a:rPr kumimoji="0" lang="de-DE" altLang="de-DE" sz="2000" b="0" i="0" u="none" strike="noStrike" cap="none" normalizeH="0" baseline="0" dirty="0">
                 <a:ln>
                   <a:noFill/>
                 </a:ln>
@@ -5262,7 +5194,7 @@
               </a:rPr>
             </a:br>
             <a:r>
-              <a:rPr kumimoji="0" lang="de-DE" altLang="de-DE" sz="2000" b="0" i="0" u="none" strike="noStrike" cap="none" normalizeH="0" baseline="0" dirty="0" smtClean="0">
+              <a:rPr kumimoji="0" lang="de-DE" altLang="de-DE" sz="2000" b="0" i="0" u="none" strike="noStrike" cap="none" normalizeH="0" baseline="0" dirty="0">
                 <a:ln>
                   <a:noFill/>
                 </a:ln>
@@ -5275,7 +5207,7 @@
               <a:t>  </a:t>
             </a:r>
             <a:r>
-              <a:rPr kumimoji="0" lang="de-DE" altLang="de-DE" sz="2000" b="0" i="0" u="none" strike="noStrike" cap="none" normalizeH="0" baseline="0" dirty="0" err="1" smtClean="0">
+              <a:rPr kumimoji="0" lang="de-DE" altLang="de-DE" sz="2000" b="0" i="0" u="none" strike="noStrike" cap="none" normalizeH="0" baseline="0" dirty="0" err="1">
                 <a:ln>
                   <a:noFill/>
                 </a:ln>
@@ -5288,7 +5220,7 @@
               <a:t>url</a:t>
             </a:r>
             <a:r>
-              <a:rPr kumimoji="0" lang="de-DE" altLang="de-DE" sz="2000" b="0" i="0" u="none" strike="noStrike" cap="none" normalizeH="0" baseline="0" dirty="0" smtClean="0">
+              <a:rPr kumimoji="0" lang="de-DE" altLang="de-DE" sz="2000" b="0" i="0" u="none" strike="noStrike" cap="none" normalizeH="0" baseline="0" dirty="0">
                 <a:ln>
                   <a:noFill/>
                 </a:ln>
@@ -5301,7 +5233,7 @@
               <a:t>             </a:t>
             </a:r>
             <a:r>
-              <a:rPr kumimoji="0" lang="de-DE" altLang="de-DE" sz="2000" b="0" i="0" u="none" strike="noStrike" cap="none" normalizeH="0" baseline="0" dirty="0" smtClean="0">
+              <a:rPr kumimoji="0" lang="de-DE" altLang="de-DE" sz="2000" b="0" i="0" u="none" strike="noStrike" cap="none" normalizeH="0" baseline="0" dirty="0">
                 <a:ln>
                   <a:noFill/>
                 </a:ln>
@@ -5314,7 +5246,7 @@
               <a:t>= </a:t>
             </a:r>
             <a:r>
-              <a:rPr kumimoji="0" lang="de-DE" altLang="de-DE" sz="2000" b="0" i="0" u="none" strike="noStrike" cap="none" normalizeH="0" baseline="0" dirty="0" smtClean="0">
+              <a:rPr kumimoji="0" lang="de-DE" altLang="de-DE" sz="2000" b="0" i="0" u="none" strike="noStrike" cap="none" normalizeH="0" baseline="0" dirty="0">
                 <a:ln>
                   <a:noFill/>
                 </a:ln>
@@ -5327,7 +5259,7 @@
               <a:t>"https://get.api-feiertage.de/"</a:t>
             </a:r>
             <a:br>
-              <a:rPr kumimoji="0" lang="de-DE" altLang="de-DE" sz="2000" b="0" i="0" u="none" strike="noStrike" cap="none" normalizeH="0" baseline="0" dirty="0" smtClean="0">
+              <a:rPr kumimoji="0" lang="de-DE" altLang="de-DE" sz="2000" b="0" i="0" u="none" strike="noStrike" cap="none" normalizeH="0" baseline="0" dirty="0">
                 <a:ln>
                   <a:noFill/>
                 </a:ln>
@@ -5339,7 +5271,7 @@
               </a:rPr>
             </a:br>
             <a:r>
-              <a:rPr kumimoji="0" lang="de-DE" altLang="de-DE" sz="2000" b="0" i="0" u="none" strike="noStrike" cap="none" normalizeH="0" baseline="0" dirty="0" smtClean="0">
+              <a:rPr kumimoji="0" lang="de-DE" altLang="de-DE" sz="2000" b="0" i="0" u="none" strike="noStrike" cap="none" normalizeH="0" baseline="0" dirty="0">
                 <a:ln>
                   <a:noFill/>
                 </a:ln>
@@ -5352,7 +5284,7 @@
               <a:t>  </a:t>
             </a:r>
             <a:r>
-              <a:rPr kumimoji="0" lang="de-DE" altLang="de-DE" sz="2000" b="0" i="0" u="none" strike="noStrike" cap="none" normalizeH="0" baseline="0" dirty="0" err="1" smtClean="0">
+              <a:rPr kumimoji="0" lang="de-DE" altLang="de-DE" sz="2000" b="0" i="0" u="none" strike="noStrike" cap="none" normalizeH="0" baseline="0" dirty="0" err="1">
                 <a:ln>
                   <a:noFill/>
                 </a:ln>
@@ -5365,7 +5297,7 @@
               <a:t>request_headers</a:t>
             </a:r>
             <a:r>
-              <a:rPr kumimoji="0" lang="de-DE" altLang="de-DE" sz="2000" b="0" i="0" u="none" strike="noStrike" cap="none" normalizeH="0" baseline="0" dirty="0" smtClean="0">
+              <a:rPr kumimoji="0" lang="de-DE" altLang="de-DE" sz="2000" b="0" i="0" u="none" strike="noStrike" cap="none" normalizeH="0" baseline="0" dirty="0">
                 <a:ln>
                   <a:noFill/>
                 </a:ln>
@@ -5378,7 +5310,7 @@
               <a:t> </a:t>
             </a:r>
             <a:r>
-              <a:rPr kumimoji="0" lang="de-DE" altLang="de-DE" sz="2000" b="0" i="0" u="none" strike="noStrike" cap="none" normalizeH="0" baseline="0" dirty="0" smtClean="0">
+              <a:rPr kumimoji="0" lang="de-DE" altLang="de-DE" sz="2000" b="0" i="0" u="none" strike="noStrike" cap="none" normalizeH="0" baseline="0" dirty="0">
                 <a:ln>
                   <a:noFill/>
                 </a:ln>
@@ -5391,7 +5323,7 @@
               <a:t>= {</a:t>
             </a:r>
             <a:br>
-              <a:rPr kumimoji="0" lang="de-DE" altLang="de-DE" sz="2000" b="0" i="0" u="none" strike="noStrike" cap="none" normalizeH="0" baseline="0" dirty="0" smtClean="0">
+              <a:rPr kumimoji="0" lang="de-DE" altLang="de-DE" sz="2000" b="0" i="0" u="none" strike="noStrike" cap="none" normalizeH="0" baseline="0" dirty="0">
                 <a:ln>
                   <a:noFill/>
                 </a:ln>
@@ -5403,7 +5335,7 @@
               </a:rPr>
             </a:br>
             <a:r>
-              <a:rPr kumimoji="0" lang="de-DE" altLang="de-DE" sz="2000" b="0" i="0" u="none" strike="noStrike" cap="none" normalizeH="0" baseline="0" dirty="0" smtClean="0">
+              <a:rPr kumimoji="0" lang="de-DE" altLang="de-DE" sz="2000" b="0" i="0" u="none" strike="noStrike" cap="none" normalizeH="0" baseline="0" dirty="0">
                 <a:ln>
                   <a:noFill/>
                 </a:ln>
@@ -5416,7 +5348,7 @@
               <a:t>    </a:t>
             </a:r>
             <a:r>
-              <a:rPr kumimoji="0" lang="de-DE" altLang="de-DE" sz="2000" b="0" i="0" u="none" strike="noStrike" cap="none" normalizeH="0" baseline="0" dirty="0" err="1" smtClean="0">
+              <a:rPr kumimoji="0" lang="de-DE" altLang="de-DE" sz="2000" b="0" i="0" u="none" strike="noStrike" cap="none" normalizeH="0" baseline="0" dirty="0" err="1">
                 <a:ln>
                   <a:noFill/>
                 </a:ln>
@@ -5429,7 +5361,7 @@
               <a:t>Accept</a:t>
             </a:r>
             <a:r>
-              <a:rPr kumimoji="0" lang="de-DE" altLang="de-DE" sz="2000" b="0" i="0" u="none" strike="noStrike" cap="none" normalizeH="0" baseline="0" dirty="0" smtClean="0">
+              <a:rPr kumimoji="0" lang="de-DE" altLang="de-DE" sz="2000" b="0" i="0" u="none" strike="noStrike" cap="none" normalizeH="0" baseline="0" dirty="0">
                 <a:ln>
                   <a:noFill/>
                 </a:ln>
@@ -5442,7 +5374,7 @@
               <a:t>        </a:t>
             </a:r>
             <a:r>
-              <a:rPr kumimoji="0" lang="de-DE" altLang="de-DE" sz="2000" b="0" i="0" u="none" strike="noStrike" cap="none" normalizeH="0" baseline="0" dirty="0" smtClean="0">
+              <a:rPr kumimoji="0" lang="de-DE" altLang="de-DE" sz="2000" b="0" i="0" u="none" strike="noStrike" cap="none" normalizeH="0" baseline="0" dirty="0">
                 <a:ln>
                   <a:noFill/>
                 </a:ln>
@@ -5455,7 +5387,7 @@
               <a:t>= </a:t>
             </a:r>
             <a:r>
-              <a:rPr kumimoji="0" lang="de-DE" altLang="de-DE" sz="2000" b="0" i="0" u="none" strike="noStrike" cap="none" normalizeH="0" baseline="0" dirty="0" smtClean="0">
+              <a:rPr kumimoji="0" lang="de-DE" altLang="de-DE" sz="2000" b="0" i="0" u="none" strike="noStrike" cap="none" normalizeH="0" baseline="0" dirty="0">
                 <a:ln>
                   <a:noFill/>
                 </a:ln>
@@ -5468,7 +5400,7 @@
               <a:t>"</a:t>
             </a:r>
             <a:r>
-              <a:rPr kumimoji="0" lang="de-DE" altLang="de-DE" sz="2000" b="0" i="0" u="none" strike="noStrike" cap="none" normalizeH="0" baseline="0" dirty="0" err="1" smtClean="0">
+              <a:rPr kumimoji="0" lang="de-DE" altLang="de-DE" sz="2000" b="0" i="0" u="none" strike="noStrike" cap="none" normalizeH="0" baseline="0" dirty="0" err="1">
                 <a:ln>
                   <a:noFill/>
                 </a:ln>
@@ -5481,7 +5413,7 @@
               <a:t>application</a:t>
             </a:r>
             <a:r>
-              <a:rPr kumimoji="0" lang="de-DE" altLang="de-DE" sz="2000" b="0" i="0" u="none" strike="noStrike" cap="none" normalizeH="0" baseline="0" dirty="0" smtClean="0">
+              <a:rPr kumimoji="0" lang="de-DE" altLang="de-DE" sz="2000" b="0" i="0" u="none" strike="noStrike" cap="none" normalizeH="0" baseline="0" dirty="0">
                 <a:ln>
                   <a:noFill/>
                 </a:ln>
@@ -5494,7 +5426,7 @@
               <a:t>/</a:t>
             </a:r>
             <a:r>
-              <a:rPr kumimoji="0" lang="de-DE" altLang="de-DE" sz="2000" b="0" i="0" u="none" strike="noStrike" cap="none" normalizeH="0" baseline="0" dirty="0" err="1" smtClean="0">
+              <a:rPr kumimoji="0" lang="de-DE" altLang="de-DE" sz="2000" b="0" i="0" u="none" strike="noStrike" cap="none" normalizeH="0" baseline="0" dirty="0" err="1">
                 <a:ln>
                   <a:noFill/>
                 </a:ln>
@@ -5507,7 +5439,7 @@
               <a:t>json</a:t>
             </a:r>
             <a:r>
-              <a:rPr kumimoji="0" lang="de-DE" altLang="de-DE" sz="2000" b="0" i="0" u="none" strike="noStrike" cap="none" normalizeH="0" baseline="0" dirty="0" smtClean="0">
+              <a:rPr kumimoji="0" lang="de-DE" altLang="de-DE" sz="2000" b="0" i="0" u="none" strike="noStrike" cap="none" normalizeH="0" baseline="0" dirty="0">
                 <a:ln>
                   <a:noFill/>
                 </a:ln>
@@ -5520,7 +5452,7 @@
               <a:t>"</a:t>
             </a:r>
             <a:br>
-              <a:rPr kumimoji="0" lang="de-DE" altLang="de-DE" sz="2000" b="0" i="0" u="none" strike="noStrike" cap="none" normalizeH="0" baseline="0" dirty="0" smtClean="0">
+              <a:rPr kumimoji="0" lang="de-DE" altLang="de-DE" sz="2000" b="0" i="0" u="none" strike="noStrike" cap="none" normalizeH="0" baseline="0" dirty="0">
                 <a:ln>
                   <a:noFill/>
                 </a:ln>
@@ -5532,7 +5464,7 @@
               </a:rPr>
             </a:br>
             <a:r>
-              <a:rPr kumimoji="0" lang="de-DE" altLang="de-DE" sz="2000" b="0" i="0" u="none" strike="noStrike" cap="none" normalizeH="0" baseline="0" dirty="0" smtClean="0">
+              <a:rPr kumimoji="0" lang="de-DE" altLang="de-DE" sz="2000" b="0" i="0" u="none" strike="noStrike" cap="none" normalizeH="0" baseline="0" dirty="0">
                 <a:ln>
                   <a:noFill/>
                 </a:ln>
@@ -5545,7 +5477,7 @@
               <a:t>  </a:t>
             </a:r>
             <a:r>
-              <a:rPr kumimoji="0" lang="de-DE" altLang="de-DE" sz="2000" b="0" i="0" u="none" strike="noStrike" cap="none" normalizeH="0" baseline="0" dirty="0" smtClean="0">
+              <a:rPr kumimoji="0" lang="de-DE" altLang="de-DE" sz="2000" b="0" i="0" u="none" strike="noStrike" cap="none" normalizeH="0" baseline="0" dirty="0">
                 <a:ln>
                   <a:noFill/>
                 </a:ln>
@@ -5558,7 +5490,7 @@
               <a:t>}</a:t>
             </a:r>
             <a:br>
-              <a:rPr kumimoji="0" lang="de-DE" altLang="de-DE" sz="2000" b="0" i="0" u="none" strike="noStrike" cap="none" normalizeH="0" baseline="0" dirty="0" smtClean="0">
+              <a:rPr kumimoji="0" lang="de-DE" altLang="de-DE" sz="2000" b="0" i="0" u="none" strike="noStrike" cap="none" normalizeH="0" baseline="0" dirty="0">
                 <a:ln>
                   <a:noFill/>
                 </a:ln>
@@ -5570,7 +5502,7 @@
               </a:rPr>
             </a:br>
             <a:r>
-              <a:rPr kumimoji="0" lang="de-DE" altLang="de-DE" sz="2000" b="0" i="0" u="none" strike="noStrike" cap="none" normalizeH="0" baseline="0" dirty="0" smtClean="0">
+              <a:rPr kumimoji="0" lang="de-DE" altLang="de-DE" sz="2000" b="0" i="0" u="none" strike="noStrike" cap="none" normalizeH="0" baseline="0" dirty="0">
                 <a:ln>
                   <a:noFill/>
                 </a:ln>
@@ -5582,7 +5514,7 @@
               </a:rPr>
               <a:t>}</a:t>
             </a:r>
-            <a:endParaRPr kumimoji="0" lang="de-DE" altLang="de-DE" sz="4400" b="0" i="0" u="none" strike="noStrike" cap="none" normalizeH="0" baseline="0" dirty="0" smtClean="0">
+            <a:endParaRPr kumimoji="0" lang="de-DE" altLang="de-DE" sz="4400" b="0" i="0" u="none" strike="noStrike" cap="none" normalizeH="0" baseline="0" dirty="0">
               <a:ln>
                 <a:noFill/>
               </a:ln>
@@ -5605,13 +5537,6 @@
   <p:clrMapOvr>
     <a:masterClrMapping/>
   </p:clrMapOvr>
-  <p:timing>
-    <p:tnLst>
-      <p:par>
-        <p:cTn id="1" dur="indefinite" restart="never" nodeType="tmRoot"/>
-      </p:par>
-    </p:tnLst>
-  </p:timing>
 </p:sld>
 </file>
 
@@ -5648,10 +5573,9 @@
           <a:lstStyle/>
           <a:p>
             <a:r>
-              <a:rPr lang="de-DE" dirty="0" smtClean="0"/>
+              <a:rPr lang="de-DE" dirty="0"/>
               <a:t>External Data Source</a:t>
             </a:r>
-            <a:endParaRPr lang="de-DE" dirty="0"/>
           </a:p>
         </p:txBody>
       </p:sp>
@@ -5680,7 +5604,7 @@
               <a:buChar char="-"/>
             </a:pPr>
             <a:r>
-              <a:rPr lang="de-DE" dirty="0" smtClean="0"/>
+              <a:rPr lang="de-DE" dirty="0"/>
               <a:t>Erlaubt die Ausführung von externen Programmen um Daten verfügbar zu machen</a:t>
             </a:r>
           </a:p>
@@ -5690,7 +5614,7 @@
               <a:buChar char="-"/>
             </a:pPr>
             <a:r>
-              <a:rPr lang="de-DE" dirty="0" smtClean="0"/>
+              <a:rPr lang="de-DE" dirty="0"/>
               <a:t>U.a. liegen folgende Regeln der Ausführung zu Grunde</a:t>
             </a:r>
           </a:p>
@@ -5700,23 +5624,23 @@
               <a:buChar char="-"/>
             </a:pPr>
             <a:r>
-              <a:rPr lang="de-DE" dirty="0" smtClean="0"/>
+              <a:rPr lang="de-DE" dirty="0"/>
               <a:t>Input wird über das Attribut </a:t>
             </a:r>
             <a:r>
-              <a:rPr lang="de-DE" dirty="0" err="1" smtClean="0"/>
+              <a:rPr lang="de-DE" dirty="0" err="1"/>
               <a:t>query</a:t>
             </a:r>
             <a:r>
-              <a:rPr lang="de-DE" dirty="0" smtClean="0"/>
+              <a:rPr lang="de-DE" dirty="0"/>
               <a:t> als JSON übergeben und vom Programm via </a:t>
             </a:r>
             <a:r>
-              <a:rPr lang="de-DE" dirty="0" err="1" smtClean="0"/>
+              <a:rPr lang="de-DE" dirty="0" err="1"/>
               <a:t>stdin</a:t>
             </a:r>
             <a:r>
-              <a:rPr lang="de-DE" dirty="0" smtClean="0"/>
+              <a:rPr lang="de-DE" dirty="0"/>
               <a:t> eingelesen</a:t>
             </a:r>
           </a:p>
@@ -5726,23 +5650,23 @@
               <a:buChar char="-"/>
             </a:pPr>
             <a:r>
-              <a:rPr lang="de-DE" dirty="0" smtClean="0"/>
+              <a:rPr lang="de-DE" dirty="0"/>
               <a:t>Der Output des Programms wird via </a:t>
             </a:r>
             <a:r>
-              <a:rPr lang="de-DE" dirty="0" err="1" smtClean="0"/>
+              <a:rPr lang="de-DE" dirty="0" err="1"/>
               <a:t>stout</a:t>
             </a:r>
             <a:r>
-              <a:rPr lang="de-DE" dirty="0" smtClean="0"/>
+              <a:rPr lang="de-DE" dirty="0"/>
               <a:t> als JSON ausgegeben und kann über das Attribut „</a:t>
             </a:r>
             <a:r>
-              <a:rPr lang="de-DE" dirty="0" err="1" smtClean="0"/>
+              <a:rPr lang="de-DE" dirty="0" err="1"/>
               <a:t>result</a:t>
             </a:r>
             <a:r>
-              <a:rPr lang="de-DE" dirty="0" smtClean="0"/>
+              <a:rPr lang="de-DE" dirty="0"/>
               <a:t>“ der Data-Source zugegriffen werden</a:t>
             </a:r>
           </a:p>
@@ -5752,7 +5676,7 @@
               <a:buChar char="-"/>
             </a:pPr>
             <a:r>
-              <a:rPr lang="de-DE" dirty="0" smtClean="0"/>
+              <a:rPr lang="de-DE" dirty="0"/>
               <a:t>Terminierung des Programms im Erfolgsfall mit  Statuscode 0</a:t>
             </a:r>
           </a:p>
@@ -5761,7 +5685,7 @@
               <a:buFontTx/>
               <a:buChar char="-"/>
             </a:pPr>
-            <a:endParaRPr lang="de-DE" dirty="0" smtClean="0"/>
+            <a:endParaRPr lang="de-DE" dirty="0"/>
           </a:p>
           <a:p>
             <a:pPr>
@@ -5769,7 +5693,7 @@
               <a:buChar char="-"/>
             </a:pPr>
             <a:r>
-              <a:rPr lang="de-DE" dirty="0" smtClean="0"/>
+              <a:rPr lang="de-DE" dirty="0"/>
               <a:t>Ausführung erfolgt bei jedem Refresh des Terraform-State</a:t>
             </a:r>
           </a:p>
@@ -5777,21 +5701,21 @@
             <a:pPr marL="457200" lvl="1" indent="0">
               <a:buNone/>
             </a:pPr>
-            <a:endParaRPr lang="de-DE" dirty="0" smtClean="0"/>
+            <a:endParaRPr lang="de-DE" dirty="0"/>
           </a:p>
           <a:p>
             <a:pPr>
               <a:buFontTx/>
               <a:buChar char="-"/>
             </a:pPr>
-            <a:endParaRPr lang="de-DE" dirty="0" smtClean="0"/>
+            <a:endParaRPr lang="de-DE" dirty="0"/>
           </a:p>
           <a:p>
             <a:pPr lvl="1">
               <a:buFontTx/>
               <a:buChar char="-"/>
             </a:pPr>
-            <a:endParaRPr lang="de-DE" dirty="0" smtClean="0"/>
+            <a:endParaRPr lang="de-DE" dirty="0"/>
           </a:p>
         </p:txBody>
       </p:sp>
@@ -5805,13 +5729,6 @@
   <p:clrMapOvr>
     <a:masterClrMapping/>
   </p:clrMapOvr>
-  <p:timing>
-    <p:tnLst>
-      <p:par>
-        <p:cTn id="1" dur="indefinite" restart="never" nodeType="tmRoot"/>
-      </p:par>
-    </p:tnLst>
-  </p:timing>
 </p:sld>
 </file>
 
@@ -5848,10 +5765,9 @@
           <a:lstStyle/>
           <a:p>
             <a:r>
-              <a:rPr lang="de-DE" dirty="0" smtClean="0"/>
+              <a:rPr lang="de-DE" dirty="0"/>
               <a:t>External Data Source</a:t>
             </a:r>
-            <a:endParaRPr lang="de-DE" dirty="0"/>
           </a:p>
         </p:txBody>
       </p:sp>
@@ -5880,7 +5796,7 @@
               <a:buChar char="-"/>
             </a:pPr>
             <a:r>
-              <a:rPr lang="de-DE" dirty="0" smtClean="0"/>
+              <a:rPr lang="de-DE" dirty="0"/>
               <a:t>Erlaubt die Ausführung von externen Programmen um Daten verfügbar zu machen</a:t>
             </a:r>
           </a:p>
@@ -5890,7 +5806,7 @@
               <a:buChar char="-"/>
             </a:pPr>
             <a:r>
-              <a:rPr lang="de-DE" dirty="0" smtClean="0"/>
+              <a:rPr lang="de-DE" dirty="0"/>
               <a:t>U.a. liegen folgende Regeln der Ausführung zu Grunde</a:t>
             </a:r>
           </a:p>
@@ -5900,23 +5816,23 @@
               <a:buChar char="-"/>
             </a:pPr>
             <a:r>
-              <a:rPr lang="de-DE" dirty="0" smtClean="0"/>
+              <a:rPr lang="de-DE" dirty="0"/>
               <a:t>Input wird über das Attribut </a:t>
             </a:r>
             <a:r>
-              <a:rPr lang="de-DE" dirty="0" err="1" smtClean="0"/>
+              <a:rPr lang="de-DE" dirty="0" err="1"/>
               <a:t>query</a:t>
             </a:r>
             <a:r>
-              <a:rPr lang="de-DE" dirty="0" smtClean="0"/>
+              <a:rPr lang="de-DE" dirty="0"/>
               <a:t> als JSON übergeben und vom Programm via </a:t>
             </a:r>
             <a:r>
-              <a:rPr lang="de-DE" dirty="0" err="1" smtClean="0"/>
+              <a:rPr lang="de-DE" dirty="0" err="1"/>
               <a:t>stdin</a:t>
             </a:r>
             <a:r>
-              <a:rPr lang="de-DE" dirty="0" smtClean="0"/>
+              <a:rPr lang="de-DE" dirty="0"/>
               <a:t> eingelesen</a:t>
             </a:r>
           </a:p>
@@ -5926,23 +5842,23 @@
               <a:buChar char="-"/>
             </a:pPr>
             <a:r>
-              <a:rPr lang="de-DE" dirty="0" smtClean="0"/>
+              <a:rPr lang="de-DE" dirty="0"/>
               <a:t>Der Output des Programms wird via </a:t>
             </a:r>
             <a:r>
-              <a:rPr lang="de-DE" dirty="0" err="1" smtClean="0"/>
+              <a:rPr lang="de-DE" dirty="0" err="1"/>
               <a:t>stout</a:t>
             </a:r>
             <a:r>
-              <a:rPr lang="de-DE" dirty="0" smtClean="0"/>
+              <a:rPr lang="de-DE" dirty="0"/>
               <a:t> als JSON ausgegeben und kann über das Attribut „</a:t>
             </a:r>
             <a:r>
-              <a:rPr lang="de-DE" dirty="0" err="1" smtClean="0"/>
+              <a:rPr lang="de-DE" dirty="0" err="1"/>
               <a:t>result</a:t>
             </a:r>
             <a:r>
-              <a:rPr lang="de-DE" dirty="0" smtClean="0"/>
+              <a:rPr lang="de-DE" dirty="0"/>
               <a:t>“ der Data-Source zugegriffen werden</a:t>
             </a:r>
           </a:p>
@@ -5952,7 +5868,7 @@
               <a:buChar char="-"/>
             </a:pPr>
             <a:r>
-              <a:rPr lang="de-DE" dirty="0" smtClean="0"/>
+              <a:rPr lang="de-DE" dirty="0"/>
               <a:t>Terminierung des Programms im Erfolgsfall mit  Statuscode 0</a:t>
             </a:r>
           </a:p>
@@ -5961,7 +5877,7 @@
               <a:buFontTx/>
               <a:buChar char="-"/>
             </a:pPr>
-            <a:endParaRPr lang="de-DE" dirty="0" smtClean="0"/>
+            <a:endParaRPr lang="de-DE" dirty="0"/>
           </a:p>
           <a:p>
             <a:pPr>
@@ -5969,7 +5885,7 @@
               <a:buChar char="-"/>
             </a:pPr>
             <a:r>
-              <a:rPr lang="de-DE" dirty="0" smtClean="0"/>
+              <a:rPr lang="de-DE" dirty="0"/>
               <a:t>Ausführung erfolgt bei jedem Refresh des Terraform-State</a:t>
             </a:r>
           </a:p>
@@ -5977,21 +5893,21 @@
             <a:pPr marL="457200" lvl="1" indent="0">
               <a:buNone/>
             </a:pPr>
-            <a:endParaRPr lang="de-DE" dirty="0" smtClean="0"/>
+            <a:endParaRPr lang="de-DE" dirty="0"/>
           </a:p>
           <a:p>
             <a:pPr>
               <a:buFontTx/>
               <a:buChar char="-"/>
             </a:pPr>
-            <a:endParaRPr lang="de-DE" dirty="0" smtClean="0"/>
+            <a:endParaRPr lang="de-DE" dirty="0"/>
           </a:p>
           <a:p>
             <a:pPr lvl="1">
               <a:buFontTx/>
               <a:buChar char="-"/>
             </a:pPr>
-            <a:endParaRPr lang="de-DE" dirty="0" smtClean="0"/>
+            <a:endParaRPr lang="de-DE" dirty="0"/>
           </a:p>
         </p:txBody>
       </p:sp>
@@ -6005,13 +5921,6 @@
   <p:clrMapOvr>
     <a:masterClrMapping/>
   </p:clrMapOvr>
-  <p:timing>
-    <p:tnLst>
-      <p:par>
-        <p:cTn id="1" dur="indefinite" restart="never" nodeType="tmRoot"/>
-      </p:par>
-    </p:tnLst>
-  </p:timing>
 </p:sld>
 </file>
 
@@ -6048,10 +5957,9 @@
           <a:lstStyle/>
           <a:p>
             <a:r>
-              <a:rPr lang="de-DE" dirty="0" smtClean="0"/>
+              <a:rPr lang="de-DE" dirty="0"/>
               <a:t>Data Terraform Remote State</a:t>
             </a:r>
-            <a:endParaRPr lang="de-DE" dirty="0"/>
           </a:p>
         </p:txBody>
       </p:sp>
@@ -6080,8 +5988,8 @@
               <a:buChar char="-"/>
             </a:pPr>
             <a:r>
-              <a:rPr lang="de-DE" dirty="0" smtClean="0"/>
-              <a:t>Ermöglicht den Zugriff auf die aktuelle im State hinterlegte Konfiguration, sowie die Konfiguration anderer Terraform-Projekte</a:t>
+              <a:rPr lang="de-DE" dirty="0"/>
+              <a:t>Ermöglicht den Zugriff auf die aktuelle im Remote-State hinterlegte Konfiguration, sowie die Konfiguration anderer Terraform-Projekte</a:t>
             </a:r>
           </a:p>
           <a:p>
@@ -6089,7 +5997,7 @@
               <a:buFontTx/>
               <a:buChar char="-"/>
             </a:pPr>
-            <a:endParaRPr lang="de-DE" dirty="0" smtClean="0"/>
+            <a:endParaRPr lang="de-DE" dirty="0"/>
           </a:p>
         </p:txBody>
       </p:sp>
@@ -6387,18 +6295,14 @@
           <a:p>
             <a:r>
               <a:rPr lang="de-DE" b="1" dirty="0" err="1"/>
-              <a:t>t</a:t>
-            </a:r>
-            <a:r>
-              <a:rPr lang="de-DE" b="1" dirty="0" err="1" smtClean="0"/>
-              <a:t>erraform</a:t>
-            </a:r>
-            <a:r>
-              <a:rPr lang="de-DE" b="1" dirty="0" smtClean="0"/>
+              <a:t>terraform</a:t>
+            </a:r>
+            <a:r>
+              <a:rPr lang="de-DE" b="1" dirty="0"/>
               <a:t> </a:t>
             </a:r>
             <a:r>
-              <a:rPr lang="de-DE" b="1" dirty="0" err="1" smtClean="0"/>
+              <a:rPr lang="de-DE" b="1" dirty="0" err="1"/>
               <a:t>apply</a:t>
             </a:r>
             <a:endParaRPr lang="de-DE" b="1" dirty="0"/>
@@ -6429,18 +6333,14 @@
           <a:p>
             <a:r>
               <a:rPr lang="de-DE" b="1" dirty="0" err="1"/>
-              <a:t>t</a:t>
-            </a:r>
-            <a:r>
-              <a:rPr lang="de-DE" b="1" dirty="0" err="1" smtClean="0"/>
-              <a:t>erraform</a:t>
-            </a:r>
-            <a:r>
-              <a:rPr lang="de-DE" b="1" dirty="0" smtClean="0"/>
+              <a:t>terraform</a:t>
+            </a:r>
+            <a:r>
+              <a:rPr lang="de-DE" b="1" dirty="0"/>
               <a:t> </a:t>
             </a:r>
             <a:r>
-              <a:rPr lang="de-DE" b="1" dirty="0" err="1" smtClean="0"/>
+              <a:rPr lang="de-DE" b="1" dirty="0" err="1"/>
               <a:t>apply</a:t>
             </a:r>
             <a:endParaRPr lang="de-DE" b="1" dirty="0"/>
@@ -6470,18 +6370,17 @@
           <a:lstStyle/>
           <a:p>
             <a:r>
-              <a:rPr lang="de-DE" dirty="0" smtClean="0"/>
+              <a:rPr lang="de-DE" dirty="0"/>
               <a:t>Durch die </a:t>
             </a:r>
             <a:r>
-              <a:rPr lang="de-DE" dirty="0" err="1" smtClean="0"/>
+              <a:rPr lang="de-DE" dirty="0" err="1"/>
               <a:t>apply</a:t>
             </a:r>
             <a:r>
-              <a:rPr lang="de-DE" dirty="0" smtClean="0"/>
+              <a:rPr lang="de-DE" dirty="0"/>
               <a:t>-Operation werden Ressourcen erzeugt, zerstört  und aktualisiert</a:t>
             </a:r>
-            <a:endParaRPr lang="de-DE" dirty="0"/>
           </a:p>
         </p:txBody>
       </p:sp>
@@ -6508,18 +6407,17 @@
           <a:lstStyle/>
           <a:p>
             <a:r>
-              <a:rPr lang="de-DE" dirty="0" smtClean="0"/>
+              <a:rPr lang="de-DE" dirty="0"/>
               <a:t>Nach der </a:t>
             </a:r>
             <a:r>
-              <a:rPr lang="de-DE" dirty="0" err="1" smtClean="0"/>
+              <a:rPr lang="de-DE" dirty="0" err="1"/>
               <a:t>apply</a:t>
             </a:r>
             <a:r>
-              <a:rPr lang="de-DE" dirty="0" smtClean="0"/>
+              <a:rPr lang="de-DE" dirty="0"/>
               <a:t>-Operation wird das Remote State File gespeichert</a:t>
             </a:r>
-            <a:endParaRPr lang="de-DE" dirty="0"/>
           </a:p>
         </p:txBody>
       </p:sp>
@@ -6546,18 +6444,17 @@
           <a:lstStyle/>
           <a:p>
             <a:r>
-              <a:rPr lang="de-DE" dirty="0" smtClean="0"/>
+              <a:rPr lang="de-DE" dirty="0"/>
               <a:t>Die </a:t>
             </a:r>
             <a:r>
-              <a:rPr lang="de-DE" dirty="0" err="1" smtClean="0"/>
+              <a:rPr lang="de-DE" dirty="0" err="1"/>
               <a:t>remote_state</a:t>
             </a:r>
             <a:r>
-              <a:rPr lang="de-DE" dirty="0" smtClean="0"/>
+              <a:rPr lang="de-DE" dirty="0"/>
               <a:t> Data Source ermöglicht den Zugriff auf Informationen aus dem Remote State   </a:t>
             </a:r>
-            <a:endParaRPr lang="de-DE" dirty="0"/>
           </a:p>
         </p:txBody>
       </p:sp>
@@ -6571,13 +6468,6 @@
   <p:clrMapOvr>
     <a:masterClrMapping/>
   </p:clrMapOvr>
-  <p:timing>
-    <p:tnLst>
-      <p:par>
-        <p:cTn id="1" dur="indefinite" restart="never" nodeType="tmRoot"/>
-      </p:par>
-    </p:tnLst>
-  </p:timing>
 </p:sld>
 </file>
 
@@ -6615,13 +6505,8 @@
           <a:p>
             <a:r>
               <a:rPr lang="de-DE" dirty="0"/>
-              <a:t>Data Terraform Remote </a:t>
-            </a:r>
-            <a:r>
-              <a:rPr lang="de-DE" dirty="0" smtClean="0"/>
-              <a:t>State - Beispiel</a:t>
-            </a:r>
-            <a:endParaRPr lang="de-DE" dirty="0"/>
+              <a:t>Data Terraform Remote State - Beispiel</a:t>
+            </a:r>
           </a:p>
         </p:txBody>
       </p:sp>
@@ -6696,7 +6581,7 @@
               <a:tabLst/>
             </a:pPr>
             <a:r>
-              <a:rPr kumimoji="0" lang="de-DE" altLang="de-DE" b="0" i="1" u="none" strike="noStrike" cap="none" normalizeH="0" baseline="0" dirty="0" err="1" smtClean="0">
+              <a:rPr kumimoji="0" lang="de-DE" altLang="de-DE" b="0" i="1" u="none" strike="noStrike" cap="none" normalizeH="0" baseline="0" dirty="0" err="1">
                 <a:ln>
                   <a:noFill/>
                 </a:ln>
@@ -6709,7 +6594,7 @@
               <a:t>terraform</a:t>
             </a:r>
             <a:r>
-              <a:rPr kumimoji="0" lang="de-DE" altLang="de-DE" b="0" i="1" u="none" strike="noStrike" cap="none" normalizeH="0" baseline="0" dirty="0" smtClean="0">
+              <a:rPr kumimoji="0" lang="de-DE" altLang="de-DE" b="0" i="1" u="none" strike="noStrike" cap="none" normalizeH="0" baseline="0" dirty="0">
                 <a:ln>
                   <a:noFill/>
                 </a:ln>
@@ -6722,7 +6607,7 @@
               <a:t> </a:t>
             </a:r>
             <a:r>
-              <a:rPr kumimoji="0" lang="de-DE" altLang="de-DE" b="0" i="0" u="none" strike="noStrike" cap="none" normalizeH="0" baseline="0" dirty="0" smtClean="0">
+              <a:rPr kumimoji="0" lang="de-DE" altLang="de-DE" b="0" i="0" u="none" strike="noStrike" cap="none" normalizeH="0" baseline="0" dirty="0">
                 <a:ln>
                   <a:noFill/>
                 </a:ln>
@@ -6735,7 +6620,7 @@
               <a:t>{</a:t>
             </a:r>
             <a:br>
-              <a:rPr kumimoji="0" lang="de-DE" altLang="de-DE" b="0" i="0" u="none" strike="noStrike" cap="none" normalizeH="0" baseline="0" dirty="0" smtClean="0">
+              <a:rPr kumimoji="0" lang="de-DE" altLang="de-DE" b="0" i="0" u="none" strike="noStrike" cap="none" normalizeH="0" baseline="0" dirty="0">
                 <a:ln>
                   <a:noFill/>
                 </a:ln>
@@ -6747,7 +6632,7 @@
               </a:rPr>
             </a:br>
             <a:r>
-              <a:rPr kumimoji="0" lang="de-DE" altLang="de-DE" b="0" i="0" u="none" strike="noStrike" cap="none" normalizeH="0" baseline="0" dirty="0" smtClean="0">
+              <a:rPr kumimoji="0" lang="de-DE" altLang="de-DE" b="0" i="0" u="none" strike="noStrike" cap="none" normalizeH="0" baseline="0" dirty="0">
                 <a:ln>
                   <a:noFill/>
                 </a:ln>
@@ -6760,7 +6645,7 @@
               <a:t>  </a:t>
             </a:r>
             <a:r>
-              <a:rPr kumimoji="0" lang="de-DE" altLang="de-DE" b="0" i="1" u="none" strike="noStrike" cap="none" normalizeH="0" baseline="0" dirty="0" smtClean="0">
+              <a:rPr kumimoji="0" lang="de-DE" altLang="de-DE" b="0" i="1" u="none" strike="noStrike" cap="none" normalizeH="0" baseline="0" dirty="0">
                 <a:ln>
                   <a:noFill/>
                 </a:ln>
@@ -6773,7 +6658,7 @@
               <a:t>backend </a:t>
             </a:r>
             <a:r>
-              <a:rPr kumimoji="0" lang="de-DE" altLang="de-DE" b="0" i="0" u="none" strike="noStrike" cap="none" normalizeH="0" baseline="0" dirty="0" smtClean="0">
+              <a:rPr kumimoji="0" lang="de-DE" altLang="de-DE" b="0" i="0" u="none" strike="noStrike" cap="none" normalizeH="0" baseline="0" dirty="0">
                 <a:ln>
                   <a:noFill/>
                 </a:ln>
@@ -6786,7 +6671,7 @@
               <a:t>"s3" </a:t>
             </a:r>
             <a:r>
-              <a:rPr kumimoji="0" lang="de-DE" altLang="de-DE" b="0" i="0" u="none" strike="noStrike" cap="none" normalizeH="0" baseline="0" dirty="0" smtClean="0">
+              <a:rPr kumimoji="0" lang="de-DE" altLang="de-DE" b="0" i="0" u="none" strike="noStrike" cap="none" normalizeH="0" baseline="0" dirty="0">
                 <a:ln>
                   <a:noFill/>
                 </a:ln>
@@ -6799,7 +6684,7 @@
               <a:t>{</a:t>
             </a:r>
             <a:br>
-              <a:rPr kumimoji="0" lang="de-DE" altLang="de-DE" b="0" i="0" u="none" strike="noStrike" cap="none" normalizeH="0" baseline="0" dirty="0" smtClean="0">
+              <a:rPr kumimoji="0" lang="de-DE" altLang="de-DE" b="0" i="0" u="none" strike="noStrike" cap="none" normalizeH="0" baseline="0" dirty="0">
                 <a:ln>
                   <a:noFill/>
                 </a:ln>
@@ -6811,7 +6696,7 @@
               </a:rPr>
             </a:br>
             <a:r>
-              <a:rPr kumimoji="0" lang="de-DE" altLang="de-DE" b="0" i="0" u="none" strike="noStrike" cap="none" normalizeH="0" baseline="0" dirty="0" smtClean="0">
+              <a:rPr kumimoji="0" lang="de-DE" altLang="de-DE" b="0" i="0" u="none" strike="noStrike" cap="none" normalizeH="0" baseline="0" dirty="0">
                 <a:ln>
                   <a:noFill/>
                 </a:ln>
@@ -6824,7 +6709,7 @@
               <a:t>    </a:t>
             </a:r>
             <a:r>
-              <a:rPr kumimoji="0" lang="de-DE" altLang="de-DE" b="0" i="0" u="none" strike="noStrike" cap="none" normalizeH="0" baseline="0" dirty="0" err="1" smtClean="0">
+              <a:rPr kumimoji="0" lang="de-DE" altLang="de-DE" b="0" i="0" u="none" strike="noStrike" cap="none" normalizeH="0" baseline="0" dirty="0" err="1">
                 <a:ln>
                   <a:noFill/>
                 </a:ln>
@@ -6837,7 +6722,7 @@
               <a:t>bucket</a:t>
             </a:r>
             <a:r>
-              <a:rPr kumimoji="0" lang="de-DE" altLang="de-DE" b="0" i="0" u="none" strike="noStrike" cap="none" normalizeH="0" baseline="0" dirty="0" smtClean="0">
+              <a:rPr kumimoji="0" lang="de-DE" altLang="de-DE" b="0" i="0" u="none" strike="noStrike" cap="none" normalizeH="0" baseline="0" dirty="0">
                 <a:ln>
                   <a:noFill/>
                 </a:ln>
@@ -6850,7 +6735,7 @@
               <a:t>  </a:t>
             </a:r>
             <a:r>
-              <a:rPr kumimoji="0" lang="de-DE" altLang="de-DE" b="0" i="0" u="none" strike="noStrike" cap="none" normalizeH="0" baseline="0" dirty="0" smtClean="0">
+              <a:rPr kumimoji="0" lang="de-DE" altLang="de-DE" b="0" i="0" u="none" strike="noStrike" cap="none" normalizeH="0" baseline="0" dirty="0">
                 <a:ln>
                   <a:noFill/>
                 </a:ln>
@@ -6863,7 +6748,7 @@
               <a:t>= </a:t>
             </a:r>
             <a:r>
-              <a:rPr kumimoji="0" lang="de-DE" altLang="de-DE" b="0" i="0" u="none" strike="noStrike" cap="none" normalizeH="0" baseline="0" dirty="0" smtClean="0">
+              <a:rPr kumimoji="0" lang="de-DE" altLang="de-DE" b="0" i="0" u="none" strike="noStrike" cap="none" normalizeH="0" baseline="0" dirty="0">
                 <a:ln>
                   <a:noFill/>
                 </a:ln>
@@ -6876,7 +6761,7 @@
               <a:t>"</a:t>
             </a:r>
             <a:r>
-              <a:rPr kumimoji="0" lang="de-DE" altLang="de-DE" b="0" i="0" u="none" strike="noStrike" cap="none" normalizeH="0" baseline="0" dirty="0" err="1" smtClean="0">
+              <a:rPr kumimoji="0" lang="de-DE" altLang="de-DE" b="0" i="0" u="none" strike="noStrike" cap="none" normalizeH="0" baseline="0" dirty="0" err="1">
                 <a:ln>
                   <a:noFill/>
                 </a:ln>
@@ -6889,7 +6774,7 @@
               <a:t>terraformtraining</a:t>
             </a:r>
             <a:r>
-              <a:rPr kumimoji="0" lang="de-DE" altLang="de-DE" b="0" i="0" u="none" strike="noStrike" cap="none" normalizeH="0" baseline="0" dirty="0" smtClean="0">
+              <a:rPr kumimoji="0" lang="de-DE" altLang="de-DE" b="0" i="0" u="none" strike="noStrike" cap="none" normalizeH="0" baseline="0" dirty="0">
                 <a:ln>
                   <a:noFill/>
                 </a:ln>
@@ -6902,7 +6787,7 @@
               <a:t>"</a:t>
             </a:r>
             <a:br>
-              <a:rPr kumimoji="0" lang="de-DE" altLang="de-DE" b="0" i="0" u="none" strike="noStrike" cap="none" normalizeH="0" baseline="0" dirty="0" smtClean="0">
+              <a:rPr kumimoji="0" lang="de-DE" altLang="de-DE" b="0" i="0" u="none" strike="noStrike" cap="none" normalizeH="0" baseline="0" dirty="0">
                 <a:ln>
                   <a:noFill/>
                 </a:ln>
@@ -6914,7 +6799,7 @@
               </a:rPr>
             </a:br>
             <a:r>
-              <a:rPr kumimoji="0" lang="de-DE" altLang="de-DE" b="0" i="0" u="none" strike="noStrike" cap="none" normalizeH="0" baseline="0" dirty="0" smtClean="0">
+              <a:rPr kumimoji="0" lang="de-DE" altLang="de-DE" b="0" i="0" u="none" strike="noStrike" cap="none" normalizeH="0" baseline="0" dirty="0">
                 <a:ln>
                   <a:noFill/>
                 </a:ln>
@@ -6927,7 +6812,7 @@
               <a:t>    </a:t>
             </a:r>
             <a:r>
-              <a:rPr kumimoji="0" lang="de-DE" altLang="de-DE" b="0" i="0" u="none" strike="noStrike" cap="none" normalizeH="0" baseline="0" dirty="0" err="1" smtClean="0">
+              <a:rPr kumimoji="0" lang="de-DE" altLang="de-DE" b="0" i="0" u="none" strike="noStrike" cap="none" normalizeH="0" baseline="0" dirty="0" err="1">
                 <a:ln>
                   <a:noFill/>
                 </a:ln>
@@ -6940,7 +6825,7 @@
               <a:t>key</a:t>
             </a:r>
             <a:r>
-              <a:rPr kumimoji="0" lang="de-DE" altLang="de-DE" b="0" i="0" u="none" strike="noStrike" cap="none" normalizeH="0" baseline="0" dirty="0" smtClean="0">
+              <a:rPr kumimoji="0" lang="de-DE" altLang="de-DE" b="0" i="0" u="none" strike="noStrike" cap="none" normalizeH="0" baseline="0" dirty="0">
                 <a:ln>
                   <a:noFill/>
                 </a:ln>
@@ -6953,7 +6838,7 @@
               <a:t>     </a:t>
             </a:r>
             <a:r>
-              <a:rPr kumimoji="0" lang="de-DE" altLang="de-DE" b="0" i="0" u="none" strike="noStrike" cap="none" normalizeH="0" baseline="0" dirty="0" smtClean="0">
+              <a:rPr kumimoji="0" lang="de-DE" altLang="de-DE" b="0" i="0" u="none" strike="noStrike" cap="none" normalizeH="0" baseline="0" dirty="0">
                 <a:ln>
                   <a:noFill/>
                 </a:ln>
@@ -6966,7 +6851,7 @@
               <a:t>= </a:t>
             </a:r>
             <a:r>
-              <a:rPr kumimoji="0" lang="de-DE" altLang="de-DE" b="0" i="0" u="none" strike="noStrike" cap="none" normalizeH="0" baseline="0" dirty="0" smtClean="0">
+              <a:rPr kumimoji="0" lang="de-DE" altLang="de-DE" b="0" i="0" u="none" strike="noStrike" cap="none" normalizeH="0" baseline="0" dirty="0">
                 <a:ln>
                   <a:noFill/>
                 </a:ln>
@@ -6979,7 +6864,7 @@
               <a:t>"</a:t>
             </a:r>
             <a:r>
-              <a:rPr kumimoji="0" lang="de-DE" altLang="de-DE" b="0" i="0" u="none" strike="noStrike" cap="none" normalizeH="0" baseline="0" dirty="0" err="1" smtClean="0">
+              <a:rPr kumimoji="0" lang="de-DE" altLang="de-DE" b="0" i="0" u="none" strike="noStrike" cap="none" normalizeH="0" baseline="0" dirty="0" err="1">
                 <a:ln>
                   <a:noFill/>
                 </a:ln>
@@ -6992,7 +6877,7 @@
               <a:t>terraformtraining.tfstate</a:t>
             </a:r>
             <a:r>
-              <a:rPr kumimoji="0" lang="de-DE" altLang="de-DE" b="0" i="0" u="none" strike="noStrike" cap="none" normalizeH="0" baseline="0" dirty="0" smtClean="0">
+              <a:rPr kumimoji="0" lang="de-DE" altLang="de-DE" b="0" i="0" u="none" strike="noStrike" cap="none" normalizeH="0" baseline="0" dirty="0">
                 <a:ln>
                   <a:noFill/>
                 </a:ln>
@@ -7005,7 +6890,7 @@
               <a:t>"</a:t>
             </a:r>
             <a:br>
-              <a:rPr kumimoji="0" lang="de-DE" altLang="de-DE" b="0" i="0" u="none" strike="noStrike" cap="none" normalizeH="0" baseline="0" dirty="0" smtClean="0">
+              <a:rPr kumimoji="0" lang="de-DE" altLang="de-DE" b="0" i="0" u="none" strike="noStrike" cap="none" normalizeH="0" baseline="0" dirty="0">
                 <a:ln>
                   <a:noFill/>
                 </a:ln>
@@ -7017,7 +6902,7 @@
               </a:rPr>
             </a:br>
             <a:r>
-              <a:rPr kumimoji="0" lang="de-DE" altLang="de-DE" b="0" i="0" u="none" strike="noStrike" cap="none" normalizeH="0" baseline="0" dirty="0" smtClean="0">
+              <a:rPr kumimoji="0" lang="de-DE" altLang="de-DE" b="0" i="0" u="none" strike="noStrike" cap="none" normalizeH="0" baseline="0" dirty="0">
                 <a:ln>
                   <a:noFill/>
                 </a:ln>
@@ -7030,7 +6915,7 @@
               <a:t>    </a:t>
             </a:r>
             <a:r>
-              <a:rPr kumimoji="0" lang="de-DE" altLang="de-DE" b="0" i="0" u="none" strike="noStrike" cap="none" normalizeH="0" baseline="0" dirty="0" err="1" smtClean="0">
+              <a:rPr kumimoji="0" lang="de-DE" altLang="de-DE" b="0" i="0" u="none" strike="noStrike" cap="none" normalizeH="0" baseline="0" dirty="0" err="1">
                 <a:ln>
                   <a:noFill/>
                 </a:ln>
@@ -7043,7 +6928,7 @@
               <a:t>region</a:t>
             </a:r>
             <a:r>
-              <a:rPr kumimoji="0" lang="de-DE" altLang="de-DE" b="0" i="0" u="none" strike="noStrike" cap="none" normalizeH="0" baseline="0" dirty="0" smtClean="0">
+              <a:rPr kumimoji="0" lang="de-DE" altLang="de-DE" b="0" i="0" u="none" strike="noStrike" cap="none" normalizeH="0" baseline="0" dirty="0">
                 <a:ln>
                   <a:noFill/>
                 </a:ln>
@@ -7056,7 +6941,7 @@
               <a:t>  </a:t>
             </a:r>
             <a:r>
-              <a:rPr kumimoji="0" lang="de-DE" altLang="de-DE" b="0" i="0" u="none" strike="noStrike" cap="none" normalizeH="0" baseline="0" dirty="0" smtClean="0">
+              <a:rPr kumimoji="0" lang="de-DE" altLang="de-DE" b="0" i="0" u="none" strike="noStrike" cap="none" normalizeH="0" baseline="0" dirty="0">
                 <a:ln>
                   <a:noFill/>
                 </a:ln>
@@ -7069,7 +6954,7 @@
               <a:t>= </a:t>
             </a:r>
             <a:r>
-              <a:rPr kumimoji="0" lang="de-DE" altLang="de-DE" b="0" i="0" u="none" strike="noStrike" cap="none" normalizeH="0" baseline="0" dirty="0" smtClean="0">
+              <a:rPr kumimoji="0" lang="de-DE" altLang="de-DE" b="0" i="0" u="none" strike="noStrike" cap="none" normalizeH="0" baseline="0" dirty="0">
                 <a:ln>
                   <a:noFill/>
                 </a:ln>
@@ -7082,7 +6967,7 @@
               <a:t>"eu-west-1"</a:t>
             </a:r>
             <a:br>
-              <a:rPr kumimoji="0" lang="de-DE" altLang="de-DE" b="0" i="0" u="none" strike="noStrike" cap="none" normalizeH="0" baseline="0" dirty="0" smtClean="0">
+              <a:rPr kumimoji="0" lang="de-DE" altLang="de-DE" b="0" i="0" u="none" strike="noStrike" cap="none" normalizeH="0" baseline="0" dirty="0">
                 <a:ln>
                   <a:noFill/>
                 </a:ln>
@@ -7094,7 +6979,7 @@
               </a:rPr>
             </a:br>
             <a:r>
-              <a:rPr kumimoji="0" lang="de-DE" altLang="de-DE" b="0" i="0" u="none" strike="noStrike" cap="none" normalizeH="0" baseline="0" dirty="0" smtClean="0">
+              <a:rPr kumimoji="0" lang="de-DE" altLang="de-DE" b="0" i="0" u="none" strike="noStrike" cap="none" normalizeH="0" baseline="0" dirty="0">
                 <a:ln>
                   <a:noFill/>
                 </a:ln>
@@ -7107,7 +6992,7 @@
               <a:t>  </a:t>
             </a:r>
             <a:r>
-              <a:rPr kumimoji="0" lang="de-DE" altLang="de-DE" b="0" i="0" u="none" strike="noStrike" cap="none" normalizeH="0" baseline="0" dirty="0" smtClean="0">
+              <a:rPr kumimoji="0" lang="de-DE" altLang="de-DE" b="0" i="0" u="none" strike="noStrike" cap="none" normalizeH="0" baseline="0" dirty="0">
                 <a:ln>
                   <a:noFill/>
                 </a:ln>
@@ -7120,7 +7005,7 @@
               <a:t>}</a:t>
             </a:r>
             <a:br>
-              <a:rPr kumimoji="0" lang="de-DE" altLang="de-DE" b="0" i="0" u="none" strike="noStrike" cap="none" normalizeH="0" baseline="0" dirty="0" smtClean="0">
+              <a:rPr kumimoji="0" lang="de-DE" altLang="de-DE" b="0" i="0" u="none" strike="noStrike" cap="none" normalizeH="0" baseline="0" dirty="0">
                 <a:ln>
                   <a:noFill/>
                 </a:ln>
@@ -7132,7 +7017,7 @@
               </a:rPr>
             </a:br>
             <a:r>
-              <a:rPr kumimoji="0" lang="de-DE" altLang="de-DE" b="0" i="0" u="none" strike="noStrike" cap="none" normalizeH="0" baseline="0" dirty="0" smtClean="0">
+              <a:rPr kumimoji="0" lang="de-DE" altLang="de-DE" b="0" i="0" u="none" strike="noStrike" cap="none" normalizeH="0" baseline="0" dirty="0">
                 <a:ln>
                   <a:noFill/>
                 </a:ln>
@@ -7144,7 +7029,7 @@
               </a:rPr>
               <a:t>}</a:t>
             </a:r>
-            <a:endParaRPr kumimoji="0" lang="de-DE" altLang="de-DE" sz="4000" b="0" i="0" u="none" strike="noStrike" cap="none" normalizeH="0" baseline="0" dirty="0" smtClean="0">
+            <a:endParaRPr kumimoji="0" lang="de-DE" altLang="de-DE" sz="4000" b="0" i="0" u="none" strike="noStrike" cap="none" normalizeH="0" baseline="0" dirty="0">
               <a:ln>
                 <a:noFill/>
               </a:ln>
@@ -7228,7 +7113,7 @@
               <a:tabLst/>
             </a:pPr>
             <a:r>
-              <a:rPr kumimoji="0" lang="de-DE" altLang="de-DE" b="0" i="1" u="none" strike="noStrike" cap="none" normalizeH="0" baseline="0" dirty="0" err="1" smtClean="0">
+              <a:rPr kumimoji="0" lang="de-DE" altLang="de-DE" b="0" i="1" u="none" strike="noStrike" cap="none" normalizeH="0" baseline="0" dirty="0" err="1">
                 <a:ln>
                   <a:noFill/>
                 </a:ln>
@@ -7241,7 +7126,7 @@
               <a:t>data</a:t>
             </a:r>
             <a:r>
-              <a:rPr kumimoji="0" lang="de-DE" altLang="de-DE" b="0" i="1" u="none" strike="noStrike" cap="none" normalizeH="0" baseline="0" dirty="0" smtClean="0">
+              <a:rPr kumimoji="0" lang="de-DE" altLang="de-DE" b="0" i="1" u="none" strike="noStrike" cap="none" normalizeH="0" baseline="0" dirty="0">
                 <a:ln>
                   <a:noFill/>
                 </a:ln>
@@ -7254,7 +7139,7 @@
               <a:t> </a:t>
             </a:r>
             <a:r>
-              <a:rPr kumimoji="0" lang="de-DE" altLang="de-DE" b="0" i="0" u="none" strike="noStrike" cap="none" normalizeH="0" baseline="0" dirty="0" smtClean="0">
+              <a:rPr kumimoji="0" lang="de-DE" altLang="de-DE" b="0" i="0" u="none" strike="noStrike" cap="none" normalizeH="0" baseline="0" dirty="0">
                 <a:ln>
                   <a:noFill/>
                 </a:ln>
@@ -7267,7 +7152,7 @@
               <a:t>"</a:t>
             </a:r>
             <a:r>
-              <a:rPr kumimoji="0" lang="de-DE" altLang="de-DE" b="0" i="0" u="none" strike="noStrike" cap="none" normalizeH="0" baseline="0" dirty="0" err="1" smtClean="0">
+              <a:rPr kumimoji="0" lang="de-DE" altLang="de-DE" b="0" i="0" u="none" strike="noStrike" cap="none" normalizeH="0" baseline="0" dirty="0" err="1">
                 <a:ln>
                   <a:noFill/>
                 </a:ln>
@@ -7280,7 +7165,7 @@
               <a:t>terraform_remote_state</a:t>
             </a:r>
             <a:r>
-              <a:rPr kumimoji="0" lang="de-DE" altLang="de-DE" b="0" i="0" u="none" strike="noStrike" cap="none" normalizeH="0" baseline="0" dirty="0" smtClean="0">
+              <a:rPr kumimoji="0" lang="de-DE" altLang="de-DE" b="0" i="0" u="none" strike="noStrike" cap="none" normalizeH="0" baseline="0" dirty="0">
                 <a:ln>
                   <a:noFill/>
                 </a:ln>
@@ -7293,7 +7178,7 @@
               <a:t>" "</a:t>
             </a:r>
             <a:r>
-              <a:rPr kumimoji="0" lang="de-DE" altLang="de-DE" b="0" i="0" u="none" strike="noStrike" cap="none" normalizeH="0" baseline="0" dirty="0" err="1" smtClean="0">
+              <a:rPr kumimoji="0" lang="de-DE" altLang="de-DE" b="0" i="0" u="none" strike="noStrike" cap="none" normalizeH="0" baseline="0" dirty="0" err="1">
                 <a:ln>
                   <a:noFill/>
                 </a:ln>
@@ -7306,7 +7191,7 @@
               <a:t>terraformtraining</a:t>
             </a:r>
             <a:r>
-              <a:rPr kumimoji="0" lang="de-DE" altLang="de-DE" b="0" i="0" u="none" strike="noStrike" cap="none" normalizeH="0" baseline="0" dirty="0" smtClean="0">
+              <a:rPr kumimoji="0" lang="de-DE" altLang="de-DE" b="0" i="0" u="none" strike="noStrike" cap="none" normalizeH="0" baseline="0" dirty="0">
                 <a:ln>
                   <a:noFill/>
                 </a:ln>
@@ -7319,7 +7204,7 @@
               <a:t>" </a:t>
             </a:r>
             <a:r>
-              <a:rPr kumimoji="0" lang="de-DE" altLang="de-DE" b="0" i="0" u="none" strike="noStrike" cap="none" normalizeH="0" baseline="0" dirty="0" smtClean="0">
+              <a:rPr kumimoji="0" lang="de-DE" altLang="de-DE" b="0" i="0" u="none" strike="noStrike" cap="none" normalizeH="0" baseline="0" dirty="0">
                 <a:ln>
                   <a:noFill/>
                 </a:ln>
@@ -7332,7 +7217,7 @@
               <a:t>{</a:t>
             </a:r>
             <a:br>
-              <a:rPr kumimoji="0" lang="de-DE" altLang="de-DE" b="0" i="0" u="none" strike="noStrike" cap="none" normalizeH="0" baseline="0" dirty="0" smtClean="0">
+              <a:rPr kumimoji="0" lang="de-DE" altLang="de-DE" b="0" i="0" u="none" strike="noStrike" cap="none" normalizeH="0" baseline="0" dirty="0">
                 <a:ln>
                   <a:noFill/>
                 </a:ln>
@@ -7344,7 +7229,7 @@
               </a:rPr>
             </a:br>
             <a:r>
-              <a:rPr kumimoji="0" lang="de-DE" altLang="de-DE" b="0" i="0" u="none" strike="noStrike" cap="none" normalizeH="0" baseline="0" dirty="0" smtClean="0">
+              <a:rPr kumimoji="0" lang="de-DE" altLang="de-DE" b="0" i="0" u="none" strike="noStrike" cap="none" normalizeH="0" baseline="0" dirty="0">
                 <a:ln>
                   <a:noFill/>
                 </a:ln>
@@ -7357,7 +7242,7 @@
               <a:t>  </a:t>
             </a:r>
             <a:r>
-              <a:rPr kumimoji="0" lang="de-DE" altLang="de-DE" b="0" i="0" u="none" strike="noStrike" cap="none" normalizeH="0" baseline="0" dirty="0" smtClean="0">
+              <a:rPr kumimoji="0" lang="de-DE" altLang="de-DE" b="0" i="0" u="none" strike="noStrike" cap="none" normalizeH="0" baseline="0" dirty="0">
                 <a:ln>
                   <a:noFill/>
                 </a:ln>
@@ -7370,7 +7255,7 @@
               <a:t>backend </a:t>
             </a:r>
             <a:r>
-              <a:rPr kumimoji="0" lang="de-DE" altLang="de-DE" b="0" i="0" u="none" strike="noStrike" cap="none" normalizeH="0" baseline="0" dirty="0" smtClean="0">
+              <a:rPr kumimoji="0" lang="de-DE" altLang="de-DE" b="0" i="0" u="none" strike="noStrike" cap="none" normalizeH="0" baseline="0" dirty="0">
                 <a:ln>
                   <a:noFill/>
                 </a:ln>
@@ -7383,7 +7268,7 @@
               <a:t>= </a:t>
             </a:r>
             <a:r>
-              <a:rPr kumimoji="0" lang="de-DE" altLang="de-DE" b="0" i="0" u="none" strike="noStrike" cap="none" normalizeH="0" baseline="0" dirty="0" smtClean="0">
+              <a:rPr kumimoji="0" lang="de-DE" altLang="de-DE" b="0" i="0" u="none" strike="noStrike" cap="none" normalizeH="0" baseline="0" dirty="0">
                 <a:ln>
                   <a:noFill/>
                 </a:ln>
@@ -7396,7 +7281,7 @@
               <a:t>"s3"</a:t>
             </a:r>
             <a:br>
-              <a:rPr kumimoji="0" lang="de-DE" altLang="de-DE" b="0" i="0" u="none" strike="noStrike" cap="none" normalizeH="0" baseline="0" dirty="0" smtClean="0">
+              <a:rPr kumimoji="0" lang="de-DE" altLang="de-DE" b="0" i="0" u="none" strike="noStrike" cap="none" normalizeH="0" baseline="0" dirty="0">
                 <a:ln>
                   <a:noFill/>
                 </a:ln>
@@ -7408,7 +7293,7 @@
               </a:rPr>
             </a:br>
             <a:r>
-              <a:rPr kumimoji="0" lang="de-DE" altLang="de-DE" b="0" i="0" u="none" strike="noStrike" cap="none" normalizeH="0" baseline="0" dirty="0" smtClean="0">
+              <a:rPr kumimoji="0" lang="de-DE" altLang="de-DE" b="0" i="0" u="none" strike="noStrike" cap="none" normalizeH="0" baseline="0" dirty="0">
                 <a:ln>
                   <a:noFill/>
                 </a:ln>
@@ -7421,7 +7306,7 @@
               <a:t>  </a:t>
             </a:r>
             <a:r>
-              <a:rPr kumimoji="0" lang="de-DE" altLang="de-DE" b="0" i="0" u="none" strike="noStrike" cap="none" normalizeH="0" baseline="0" dirty="0" err="1" smtClean="0">
+              <a:rPr kumimoji="0" lang="de-DE" altLang="de-DE" b="0" i="0" u="none" strike="noStrike" cap="none" normalizeH="0" baseline="0" dirty="0" err="1">
                 <a:ln>
                   <a:noFill/>
                 </a:ln>
@@ -7434,7 +7319,7 @@
               <a:t>config</a:t>
             </a:r>
             <a:r>
-              <a:rPr kumimoji="0" lang="de-DE" altLang="de-DE" b="0" i="0" u="none" strike="noStrike" cap="none" normalizeH="0" baseline="0" dirty="0" smtClean="0">
+              <a:rPr kumimoji="0" lang="de-DE" altLang="de-DE" b="0" i="0" u="none" strike="noStrike" cap="none" normalizeH="0" baseline="0" dirty="0">
                 <a:ln>
                   <a:noFill/>
                 </a:ln>
@@ -7447,7 +7332,7 @@
               <a:t> </a:t>
             </a:r>
             <a:r>
-              <a:rPr kumimoji="0" lang="de-DE" altLang="de-DE" b="0" i="0" u="none" strike="noStrike" cap="none" normalizeH="0" baseline="0" dirty="0" smtClean="0">
+              <a:rPr kumimoji="0" lang="de-DE" altLang="de-DE" b="0" i="0" u="none" strike="noStrike" cap="none" normalizeH="0" baseline="0" dirty="0">
                 <a:ln>
                   <a:noFill/>
                 </a:ln>
@@ -7460,7 +7345,7 @@
               <a:t>= {</a:t>
             </a:r>
             <a:br>
-              <a:rPr kumimoji="0" lang="de-DE" altLang="de-DE" b="0" i="0" u="none" strike="noStrike" cap="none" normalizeH="0" baseline="0" dirty="0" smtClean="0">
+              <a:rPr kumimoji="0" lang="de-DE" altLang="de-DE" b="0" i="0" u="none" strike="noStrike" cap="none" normalizeH="0" baseline="0" dirty="0">
                 <a:ln>
                   <a:noFill/>
                 </a:ln>
@@ -7472,7 +7357,7 @@
               </a:rPr>
             </a:br>
             <a:r>
-              <a:rPr kumimoji="0" lang="de-DE" altLang="de-DE" b="0" i="0" u="none" strike="noStrike" cap="none" normalizeH="0" baseline="0" dirty="0" smtClean="0">
+              <a:rPr kumimoji="0" lang="de-DE" altLang="de-DE" b="0" i="0" u="none" strike="noStrike" cap="none" normalizeH="0" baseline="0" dirty="0">
                 <a:ln>
                   <a:noFill/>
                 </a:ln>
@@ -7485,7 +7370,7 @@
               <a:t>    </a:t>
             </a:r>
             <a:r>
-              <a:rPr kumimoji="0" lang="de-DE" altLang="de-DE" b="0" i="0" u="none" strike="noStrike" cap="none" normalizeH="0" baseline="0" dirty="0" err="1" smtClean="0">
+              <a:rPr kumimoji="0" lang="de-DE" altLang="de-DE" b="0" i="0" u="none" strike="noStrike" cap="none" normalizeH="0" baseline="0" dirty="0" err="1">
                 <a:ln>
                   <a:noFill/>
                 </a:ln>
@@ -7498,7 +7383,7 @@
               <a:t>bucket</a:t>
             </a:r>
             <a:r>
-              <a:rPr kumimoji="0" lang="de-DE" altLang="de-DE" b="0" i="0" u="none" strike="noStrike" cap="none" normalizeH="0" baseline="0" dirty="0" smtClean="0">
+              <a:rPr kumimoji="0" lang="de-DE" altLang="de-DE" b="0" i="0" u="none" strike="noStrike" cap="none" normalizeH="0" baseline="0" dirty="0">
                 <a:ln>
                   <a:noFill/>
                 </a:ln>
@@ -7511,7 +7396,7 @@
               <a:t> </a:t>
             </a:r>
             <a:r>
-              <a:rPr kumimoji="0" lang="de-DE" altLang="de-DE" b="0" i="0" u="none" strike="noStrike" cap="none" normalizeH="0" baseline="0" dirty="0" smtClean="0">
+              <a:rPr kumimoji="0" lang="de-DE" altLang="de-DE" b="0" i="0" u="none" strike="noStrike" cap="none" normalizeH="0" baseline="0" dirty="0">
                 <a:ln>
                   <a:noFill/>
                 </a:ln>
@@ -7524,7 +7409,7 @@
               <a:t>= </a:t>
             </a:r>
             <a:r>
-              <a:rPr kumimoji="0" lang="de-DE" altLang="de-DE" b="0" i="0" u="none" strike="noStrike" cap="none" normalizeH="0" baseline="0" dirty="0" smtClean="0">
+              <a:rPr kumimoji="0" lang="de-DE" altLang="de-DE" b="0" i="0" u="none" strike="noStrike" cap="none" normalizeH="0" baseline="0" dirty="0">
                 <a:ln>
                   <a:noFill/>
                 </a:ln>
@@ -7537,7 +7422,7 @@
               <a:t>"</a:t>
             </a:r>
             <a:r>
-              <a:rPr kumimoji="0" lang="de-DE" altLang="de-DE" b="0" i="0" u="none" strike="noStrike" cap="none" normalizeH="0" baseline="0" dirty="0" err="1" smtClean="0">
+              <a:rPr kumimoji="0" lang="de-DE" altLang="de-DE" b="0" i="0" u="none" strike="noStrike" cap="none" normalizeH="0" baseline="0" dirty="0" err="1">
                 <a:ln>
                   <a:noFill/>
                 </a:ln>
@@ -7550,7 +7435,7 @@
               <a:t>terraformtraining</a:t>
             </a:r>
             <a:r>
-              <a:rPr kumimoji="0" lang="de-DE" altLang="de-DE" b="0" i="0" u="none" strike="noStrike" cap="none" normalizeH="0" baseline="0" dirty="0" smtClean="0">
+              <a:rPr kumimoji="0" lang="de-DE" altLang="de-DE" b="0" i="0" u="none" strike="noStrike" cap="none" normalizeH="0" baseline="0" dirty="0">
                 <a:ln>
                   <a:noFill/>
                 </a:ln>
@@ -7563,7 +7448,7 @@
               <a:t>"</a:t>
             </a:r>
             <a:br>
-              <a:rPr kumimoji="0" lang="de-DE" altLang="de-DE" b="0" i="0" u="none" strike="noStrike" cap="none" normalizeH="0" baseline="0" dirty="0" smtClean="0">
+              <a:rPr kumimoji="0" lang="de-DE" altLang="de-DE" b="0" i="0" u="none" strike="noStrike" cap="none" normalizeH="0" baseline="0" dirty="0">
                 <a:ln>
                   <a:noFill/>
                 </a:ln>
@@ -7575,7 +7460,7 @@
               </a:rPr>
             </a:br>
             <a:r>
-              <a:rPr kumimoji="0" lang="de-DE" altLang="de-DE" b="0" i="0" u="none" strike="noStrike" cap="none" normalizeH="0" baseline="0" dirty="0" smtClean="0">
+              <a:rPr kumimoji="0" lang="de-DE" altLang="de-DE" b="0" i="0" u="none" strike="noStrike" cap="none" normalizeH="0" baseline="0" dirty="0">
                 <a:ln>
                   <a:noFill/>
                 </a:ln>
@@ -7588,7 +7473,7 @@
               <a:t>    </a:t>
             </a:r>
             <a:r>
-              <a:rPr kumimoji="0" lang="de-DE" altLang="de-DE" b="0" i="0" u="none" strike="noStrike" cap="none" normalizeH="0" baseline="0" dirty="0" err="1" smtClean="0">
+              <a:rPr kumimoji="0" lang="de-DE" altLang="de-DE" b="0" i="0" u="none" strike="noStrike" cap="none" normalizeH="0" baseline="0" dirty="0" err="1">
                 <a:ln>
                   <a:noFill/>
                 </a:ln>
@@ -7601,7 +7486,7 @@
               <a:t>key</a:t>
             </a:r>
             <a:r>
-              <a:rPr kumimoji="0" lang="de-DE" altLang="de-DE" b="0" i="0" u="none" strike="noStrike" cap="none" normalizeH="0" baseline="0" dirty="0" smtClean="0">
+              <a:rPr kumimoji="0" lang="de-DE" altLang="de-DE" b="0" i="0" u="none" strike="noStrike" cap="none" normalizeH="0" baseline="0" dirty="0">
                 <a:ln>
                   <a:noFill/>
                 </a:ln>
@@ -7614,7 +7499,7 @@
               <a:t>     </a:t>
             </a:r>
             <a:r>
-              <a:rPr kumimoji="0" lang="de-DE" altLang="de-DE" b="0" i="0" u="none" strike="noStrike" cap="none" normalizeH="0" baseline="0" dirty="0" smtClean="0">
+              <a:rPr kumimoji="0" lang="de-DE" altLang="de-DE" b="0" i="0" u="none" strike="noStrike" cap="none" normalizeH="0" baseline="0" dirty="0">
                 <a:ln>
                   <a:noFill/>
                 </a:ln>
@@ -7627,7 +7512,7 @@
               <a:t>= </a:t>
             </a:r>
             <a:r>
-              <a:rPr kumimoji="0" lang="de-DE" altLang="de-DE" b="0" i="0" u="none" strike="noStrike" cap="none" normalizeH="0" baseline="0" dirty="0" smtClean="0">
+              <a:rPr kumimoji="0" lang="de-DE" altLang="de-DE" b="0" i="0" u="none" strike="noStrike" cap="none" normalizeH="0" baseline="0" dirty="0">
                 <a:ln>
                   <a:noFill/>
                 </a:ln>
@@ -7640,7 +7525,7 @@
               <a:t>"</a:t>
             </a:r>
             <a:r>
-              <a:rPr kumimoji="0" lang="de-DE" altLang="de-DE" b="0" i="0" u="none" strike="noStrike" cap="none" normalizeH="0" baseline="0" dirty="0" err="1" smtClean="0">
+              <a:rPr kumimoji="0" lang="de-DE" altLang="de-DE" b="0" i="0" u="none" strike="noStrike" cap="none" normalizeH="0" baseline="0" dirty="0" err="1">
                 <a:ln>
                   <a:noFill/>
                 </a:ln>
@@ -7653,7 +7538,7 @@
               <a:t>terraformtraining.tfstate</a:t>
             </a:r>
             <a:r>
-              <a:rPr kumimoji="0" lang="de-DE" altLang="de-DE" b="0" i="0" u="none" strike="noStrike" cap="none" normalizeH="0" baseline="0" dirty="0" smtClean="0">
+              <a:rPr kumimoji="0" lang="de-DE" altLang="de-DE" b="0" i="0" u="none" strike="noStrike" cap="none" normalizeH="0" baseline="0" dirty="0">
                 <a:ln>
                   <a:noFill/>
                 </a:ln>
@@ -7666,7 +7551,7 @@
               <a:t>"</a:t>
             </a:r>
             <a:br>
-              <a:rPr kumimoji="0" lang="de-DE" altLang="de-DE" b="0" i="0" u="none" strike="noStrike" cap="none" normalizeH="0" baseline="0" dirty="0" smtClean="0">
+              <a:rPr kumimoji="0" lang="de-DE" altLang="de-DE" b="0" i="0" u="none" strike="noStrike" cap="none" normalizeH="0" baseline="0" dirty="0">
                 <a:ln>
                   <a:noFill/>
                 </a:ln>
@@ -7678,7 +7563,7 @@
               </a:rPr>
             </a:br>
             <a:r>
-              <a:rPr kumimoji="0" lang="de-DE" altLang="de-DE" b="0" i="0" u="none" strike="noStrike" cap="none" normalizeH="0" baseline="0" dirty="0" smtClean="0">
+              <a:rPr kumimoji="0" lang="de-DE" altLang="de-DE" b="0" i="0" u="none" strike="noStrike" cap="none" normalizeH="0" baseline="0" dirty="0">
                 <a:ln>
                   <a:noFill/>
                 </a:ln>
@@ -7691,7 +7576,7 @@
               <a:t>    </a:t>
             </a:r>
             <a:r>
-              <a:rPr kumimoji="0" lang="de-DE" altLang="de-DE" b="0" i="0" u="none" strike="noStrike" cap="none" normalizeH="0" baseline="0" dirty="0" err="1" smtClean="0">
+              <a:rPr kumimoji="0" lang="de-DE" altLang="de-DE" b="0" i="0" u="none" strike="noStrike" cap="none" normalizeH="0" baseline="0" dirty="0" err="1">
                 <a:ln>
                   <a:noFill/>
                 </a:ln>
@@ -7704,7 +7589,7 @@
               <a:t>region</a:t>
             </a:r>
             <a:r>
-              <a:rPr kumimoji="0" lang="de-DE" altLang="de-DE" b="0" i="0" u="none" strike="noStrike" cap="none" normalizeH="0" baseline="0" dirty="0" smtClean="0">
+              <a:rPr kumimoji="0" lang="de-DE" altLang="de-DE" b="0" i="0" u="none" strike="noStrike" cap="none" normalizeH="0" baseline="0" dirty="0">
                 <a:ln>
                   <a:noFill/>
                 </a:ln>
@@ -7717,7 +7602,7 @@
               <a:t>  </a:t>
             </a:r>
             <a:r>
-              <a:rPr kumimoji="0" lang="de-DE" altLang="de-DE" b="0" i="0" u="none" strike="noStrike" cap="none" normalizeH="0" baseline="0" dirty="0" smtClean="0">
+              <a:rPr kumimoji="0" lang="de-DE" altLang="de-DE" b="0" i="0" u="none" strike="noStrike" cap="none" normalizeH="0" baseline="0" dirty="0">
                 <a:ln>
                   <a:noFill/>
                 </a:ln>
@@ -7730,7 +7615,7 @@
               <a:t>= </a:t>
             </a:r>
             <a:r>
-              <a:rPr kumimoji="0" lang="de-DE" altLang="de-DE" b="0" i="0" u="none" strike="noStrike" cap="none" normalizeH="0" baseline="0" dirty="0" smtClean="0">
+              <a:rPr kumimoji="0" lang="de-DE" altLang="de-DE" b="0" i="0" u="none" strike="noStrike" cap="none" normalizeH="0" baseline="0" dirty="0">
                 <a:ln>
                   <a:noFill/>
                 </a:ln>
@@ -7743,7 +7628,7 @@
               <a:t>"eu-west-1"</a:t>
             </a:r>
             <a:br>
-              <a:rPr kumimoji="0" lang="de-DE" altLang="de-DE" b="0" i="0" u="none" strike="noStrike" cap="none" normalizeH="0" baseline="0" dirty="0" smtClean="0">
+              <a:rPr kumimoji="0" lang="de-DE" altLang="de-DE" b="0" i="0" u="none" strike="noStrike" cap="none" normalizeH="0" baseline="0" dirty="0">
                 <a:ln>
                   <a:noFill/>
                 </a:ln>
@@ -7755,7 +7640,7 @@
               </a:rPr>
             </a:br>
             <a:r>
-              <a:rPr kumimoji="0" lang="de-DE" altLang="de-DE" b="0" i="0" u="none" strike="noStrike" cap="none" normalizeH="0" baseline="0" dirty="0" smtClean="0">
+              <a:rPr kumimoji="0" lang="de-DE" altLang="de-DE" b="0" i="0" u="none" strike="noStrike" cap="none" normalizeH="0" baseline="0" dirty="0">
                 <a:ln>
                   <a:noFill/>
                 </a:ln>
@@ -7768,7 +7653,7 @@
               <a:t>  </a:t>
             </a:r>
             <a:r>
-              <a:rPr kumimoji="0" lang="de-DE" altLang="de-DE" b="0" i="0" u="none" strike="noStrike" cap="none" normalizeH="0" baseline="0" dirty="0" smtClean="0">
+              <a:rPr kumimoji="0" lang="de-DE" altLang="de-DE" b="0" i="0" u="none" strike="noStrike" cap="none" normalizeH="0" baseline="0" dirty="0">
                 <a:ln>
                   <a:noFill/>
                 </a:ln>
@@ -7781,7 +7666,7 @@
               <a:t>}</a:t>
             </a:r>
             <a:br>
-              <a:rPr kumimoji="0" lang="de-DE" altLang="de-DE" b="0" i="0" u="none" strike="noStrike" cap="none" normalizeH="0" baseline="0" dirty="0" smtClean="0">
+              <a:rPr kumimoji="0" lang="de-DE" altLang="de-DE" b="0" i="0" u="none" strike="noStrike" cap="none" normalizeH="0" baseline="0" dirty="0">
                 <a:ln>
                   <a:noFill/>
                 </a:ln>
@@ -7793,7 +7678,7 @@
               </a:rPr>
             </a:br>
             <a:r>
-              <a:rPr kumimoji="0" lang="de-DE" altLang="de-DE" b="0" i="0" u="none" strike="noStrike" cap="none" normalizeH="0" baseline="0" dirty="0" smtClean="0">
+              <a:rPr kumimoji="0" lang="de-DE" altLang="de-DE" b="0" i="0" u="none" strike="noStrike" cap="none" normalizeH="0" baseline="0" dirty="0">
                 <a:ln>
                   <a:noFill/>
                 </a:ln>
@@ -7805,7 +7690,7 @@
               </a:rPr>
               <a:t>}</a:t>
             </a:r>
-            <a:endParaRPr kumimoji="0" lang="de-DE" altLang="de-DE" sz="4000" b="0" i="0" u="none" strike="noStrike" cap="none" normalizeH="0" baseline="0" dirty="0" smtClean="0">
+            <a:endParaRPr kumimoji="0" lang="de-DE" altLang="de-DE" sz="4000" b="0" i="0" u="none" strike="noStrike" cap="none" normalizeH="0" baseline="0" dirty="0">
               <a:ln>
                 <a:noFill/>
               </a:ln>
@@ -7889,7 +7774,7 @@
               <a:tabLst/>
             </a:pPr>
             <a:r>
-              <a:rPr kumimoji="0" lang="de-DE" altLang="de-DE" b="0" i="1" u="none" strike="noStrike" cap="none" normalizeH="0" baseline="0" dirty="0" err="1" smtClean="0">
+              <a:rPr kumimoji="0" lang="de-DE" altLang="de-DE" b="0" i="1" u="none" strike="noStrike" cap="none" normalizeH="0" baseline="0" dirty="0" err="1">
                 <a:ln>
                   <a:noFill/>
                 </a:ln>
@@ -7902,7 +7787,7 @@
               <a:t>resource</a:t>
             </a:r>
             <a:r>
-              <a:rPr kumimoji="0" lang="de-DE" altLang="de-DE" b="0" i="1" u="none" strike="noStrike" cap="none" normalizeH="0" baseline="0" dirty="0" smtClean="0">
+              <a:rPr kumimoji="0" lang="de-DE" altLang="de-DE" b="0" i="1" u="none" strike="noStrike" cap="none" normalizeH="0" baseline="0" dirty="0">
                 <a:ln>
                   <a:noFill/>
                 </a:ln>
@@ -7915,7 +7800,7 @@
               <a:t> </a:t>
             </a:r>
             <a:r>
-              <a:rPr kumimoji="0" lang="de-DE" altLang="de-DE" b="0" i="0" u="none" strike="noStrike" cap="none" normalizeH="0" baseline="0" dirty="0" smtClean="0">
+              <a:rPr kumimoji="0" lang="de-DE" altLang="de-DE" b="0" i="0" u="none" strike="noStrike" cap="none" normalizeH="0" baseline="0" dirty="0">
                 <a:ln>
                   <a:noFill/>
                 </a:ln>
@@ -7928,7 +7813,7 @@
               <a:t>"</a:t>
             </a:r>
             <a:r>
-              <a:rPr kumimoji="0" lang="de-DE" altLang="de-DE" b="0" i="0" u="none" strike="noStrike" cap="none" normalizeH="0" baseline="0" dirty="0" err="1" smtClean="0">
+              <a:rPr kumimoji="0" lang="de-DE" altLang="de-DE" b="0" i="0" u="none" strike="noStrike" cap="none" normalizeH="0" baseline="0" dirty="0" err="1">
                 <a:ln>
                   <a:noFill/>
                 </a:ln>
@@ -7941,7 +7826,7 @@
               <a:t>aws_instance</a:t>
             </a:r>
             <a:r>
-              <a:rPr kumimoji="0" lang="de-DE" altLang="de-DE" b="0" i="0" u="none" strike="noStrike" cap="none" normalizeH="0" baseline="0" dirty="0" smtClean="0">
+              <a:rPr kumimoji="0" lang="de-DE" altLang="de-DE" b="0" i="0" u="none" strike="noStrike" cap="none" normalizeH="0" baseline="0" dirty="0">
                 <a:ln>
                   <a:noFill/>
                 </a:ln>
@@ -7954,7 +7839,7 @@
               <a:t>" "</a:t>
             </a:r>
             <a:r>
-              <a:rPr kumimoji="0" lang="de-DE" altLang="de-DE" b="0" i="0" u="none" strike="noStrike" cap="none" normalizeH="0" baseline="0" dirty="0" err="1" smtClean="0">
+              <a:rPr kumimoji="0" lang="de-DE" altLang="de-DE" b="0" i="0" u="none" strike="noStrike" cap="none" normalizeH="0" baseline="0" dirty="0" err="1">
                 <a:ln>
                   <a:noFill/>
                 </a:ln>
@@ -7967,7 +7852,7 @@
               <a:t>terraformtraining</a:t>
             </a:r>
             <a:r>
-              <a:rPr kumimoji="0" lang="de-DE" altLang="de-DE" b="0" i="0" u="none" strike="noStrike" cap="none" normalizeH="0" baseline="0" dirty="0" smtClean="0">
+              <a:rPr kumimoji="0" lang="de-DE" altLang="de-DE" b="0" i="0" u="none" strike="noStrike" cap="none" normalizeH="0" baseline="0" dirty="0">
                 <a:ln>
                   <a:noFill/>
                 </a:ln>
@@ -7980,7 +7865,7 @@
               <a:t>" </a:t>
             </a:r>
             <a:r>
-              <a:rPr kumimoji="0" lang="de-DE" altLang="de-DE" b="0" i="0" u="none" strike="noStrike" cap="none" normalizeH="0" baseline="0" dirty="0" smtClean="0">
+              <a:rPr kumimoji="0" lang="de-DE" altLang="de-DE" b="0" i="0" u="none" strike="noStrike" cap="none" normalizeH="0" baseline="0" dirty="0">
                 <a:ln>
                   <a:noFill/>
                 </a:ln>
@@ -7993,7 +7878,7 @@
               <a:t>{</a:t>
             </a:r>
             <a:br>
-              <a:rPr kumimoji="0" lang="de-DE" altLang="de-DE" b="0" i="0" u="none" strike="noStrike" cap="none" normalizeH="0" baseline="0" dirty="0" smtClean="0">
+              <a:rPr kumimoji="0" lang="de-DE" altLang="de-DE" b="0" i="0" u="none" strike="noStrike" cap="none" normalizeH="0" baseline="0" dirty="0">
                 <a:ln>
                   <a:noFill/>
                 </a:ln>
@@ -8005,7 +7890,7 @@
               </a:rPr>
             </a:br>
             <a:r>
-              <a:rPr kumimoji="0" lang="de-DE" altLang="de-DE" b="0" i="0" u="none" strike="noStrike" cap="none" normalizeH="0" baseline="0" dirty="0" smtClean="0">
+              <a:rPr kumimoji="0" lang="de-DE" altLang="de-DE" b="0" i="0" u="none" strike="noStrike" cap="none" normalizeH="0" baseline="0" dirty="0">
                 <a:ln>
                   <a:noFill/>
                 </a:ln>
@@ -8018,7 +7903,7 @@
               <a:t>  </a:t>
             </a:r>
             <a:r>
-              <a:rPr kumimoji="0" lang="de-DE" altLang="de-DE" b="0" i="0" u="none" strike="noStrike" cap="none" normalizeH="0" baseline="0" dirty="0" err="1" smtClean="0">
+              <a:rPr kumimoji="0" lang="de-DE" altLang="de-DE" b="0" i="0" u="none" strike="noStrike" cap="none" normalizeH="0" baseline="0" dirty="0" err="1">
                 <a:ln>
                   <a:noFill/>
                 </a:ln>
@@ -8031,7 +7916,7 @@
               <a:t>ami</a:t>
             </a:r>
             <a:r>
-              <a:rPr kumimoji="0" lang="de-DE" altLang="de-DE" b="0" i="0" u="none" strike="noStrike" cap="none" normalizeH="0" baseline="0" dirty="0" smtClean="0">
+              <a:rPr kumimoji="0" lang="de-DE" altLang="de-DE" b="0" i="0" u="none" strike="noStrike" cap="none" normalizeH="0" baseline="0" dirty="0">
                 <a:ln>
                   <a:noFill/>
                 </a:ln>
@@ -8044,7 +7929,7 @@
               <a:t>                     </a:t>
             </a:r>
             <a:r>
-              <a:rPr kumimoji="0" lang="de-DE" altLang="de-DE" b="0" i="0" u="none" strike="noStrike" cap="none" normalizeH="0" baseline="0" dirty="0" smtClean="0">
+              <a:rPr kumimoji="0" lang="de-DE" altLang="de-DE" b="0" i="0" u="none" strike="noStrike" cap="none" normalizeH="0" baseline="0" dirty="0">
                 <a:ln>
                   <a:noFill/>
                 </a:ln>
@@ -8057,7 +7942,7 @@
               <a:t>= </a:t>
             </a:r>
             <a:r>
-              <a:rPr kumimoji="0" lang="de-DE" altLang="de-DE" b="0" i="0" u="none" strike="noStrike" cap="none" normalizeH="0" baseline="0" dirty="0" smtClean="0">
+              <a:rPr kumimoji="0" lang="de-DE" altLang="de-DE" b="0" i="0" u="none" strike="noStrike" cap="none" normalizeH="0" baseline="0" dirty="0">
                 <a:ln>
                   <a:noFill/>
                 </a:ln>
@@ -8070,7 +7955,7 @@
               <a:t>"ami-0a86f18b52e547759"</a:t>
             </a:r>
             <a:br>
-              <a:rPr kumimoji="0" lang="de-DE" altLang="de-DE" b="0" i="0" u="none" strike="noStrike" cap="none" normalizeH="0" baseline="0" dirty="0" smtClean="0">
+              <a:rPr kumimoji="0" lang="de-DE" altLang="de-DE" b="0" i="0" u="none" strike="noStrike" cap="none" normalizeH="0" baseline="0" dirty="0">
                 <a:ln>
                   <a:noFill/>
                 </a:ln>
@@ -8082,7 +7967,7 @@
               </a:rPr>
             </a:br>
             <a:r>
-              <a:rPr kumimoji="0" lang="de-DE" altLang="de-DE" b="0" i="0" u="none" strike="noStrike" cap="none" normalizeH="0" baseline="0" dirty="0" smtClean="0">
+              <a:rPr kumimoji="0" lang="de-DE" altLang="de-DE" b="0" i="0" u="none" strike="noStrike" cap="none" normalizeH="0" baseline="0" dirty="0">
                 <a:ln>
                   <a:noFill/>
                 </a:ln>
@@ -8095,7 +7980,7 @@
               <a:t>  </a:t>
             </a:r>
             <a:r>
-              <a:rPr kumimoji="0" lang="de-DE" altLang="de-DE" b="0" i="0" u="none" strike="noStrike" cap="none" normalizeH="0" baseline="0" dirty="0" err="1" smtClean="0">
+              <a:rPr kumimoji="0" lang="de-DE" altLang="de-DE" b="0" i="0" u="none" strike="noStrike" cap="none" normalizeH="0" baseline="0" dirty="0" err="1">
                 <a:ln>
                   <a:noFill/>
                 </a:ln>
@@ -8108,7 +7993,7 @@
               <a:t>instance_type</a:t>
             </a:r>
             <a:r>
-              <a:rPr kumimoji="0" lang="de-DE" altLang="de-DE" b="0" i="0" u="none" strike="noStrike" cap="none" normalizeH="0" baseline="0" dirty="0" smtClean="0">
+              <a:rPr kumimoji="0" lang="de-DE" altLang="de-DE" b="0" i="0" u="none" strike="noStrike" cap="none" normalizeH="0" baseline="0" dirty="0">
                 <a:ln>
                   <a:noFill/>
                 </a:ln>
@@ -8121,7 +8006,7 @@
               <a:t>           </a:t>
             </a:r>
             <a:r>
-              <a:rPr kumimoji="0" lang="de-DE" altLang="de-DE" b="0" i="0" u="none" strike="noStrike" cap="none" normalizeH="0" baseline="0" dirty="0" smtClean="0">
+              <a:rPr kumimoji="0" lang="de-DE" altLang="de-DE" b="0" i="0" u="none" strike="noStrike" cap="none" normalizeH="0" baseline="0" dirty="0">
                 <a:ln>
                   <a:noFill/>
                 </a:ln>
@@ -8134,7 +8019,7 @@
               <a:t>= </a:t>
             </a:r>
             <a:r>
-              <a:rPr kumimoji="0" lang="de-DE" altLang="de-DE" b="0" i="0" u="none" strike="noStrike" cap="none" normalizeH="0" baseline="0" dirty="0" smtClean="0">
+              <a:rPr kumimoji="0" lang="de-DE" altLang="de-DE" b="0" i="0" u="none" strike="noStrike" cap="none" normalizeH="0" baseline="0" dirty="0">
                 <a:ln>
                   <a:noFill/>
                 </a:ln>
@@ -8147,7 +8032,7 @@
               <a:t>"t2.micro"</a:t>
             </a:r>
             <a:br>
-              <a:rPr kumimoji="0" lang="de-DE" altLang="de-DE" b="0" i="0" u="none" strike="noStrike" cap="none" normalizeH="0" baseline="0" dirty="0" smtClean="0">
+              <a:rPr kumimoji="0" lang="de-DE" altLang="de-DE" b="0" i="0" u="none" strike="noStrike" cap="none" normalizeH="0" baseline="0" dirty="0">
                 <a:ln>
                   <a:noFill/>
                 </a:ln>
@@ -8159,7 +8044,7 @@
               </a:rPr>
             </a:br>
             <a:r>
-              <a:rPr kumimoji="0" lang="de-DE" altLang="de-DE" b="0" i="0" u="none" strike="noStrike" cap="none" normalizeH="0" baseline="0" dirty="0" smtClean="0">
+              <a:rPr kumimoji="0" lang="de-DE" altLang="de-DE" b="0" i="0" u="none" strike="noStrike" cap="none" normalizeH="0" baseline="0" dirty="0">
                 <a:ln>
                   <a:noFill/>
                 </a:ln>
@@ -8172,7 +8057,7 @@
               <a:t>  </a:t>
             </a:r>
             <a:r>
-              <a:rPr kumimoji="0" lang="de-DE" altLang="de-DE" b="0" i="0" u="none" strike="noStrike" cap="none" normalizeH="0" baseline="0" dirty="0" err="1" smtClean="0">
+              <a:rPr kumimoji="0" lang="de-DE" altLang="de-DE" b="0" i="0" u="none" strike="noStrike" cap="none" normalizeH="0" baseline="0" dirty="0" err="1">
                 <a:ln>
                   <a:noFill/>
                 </a:ln>
@@ -8185,7 +8070,7 @@
               <a:t>subnet_id</a:t>
             </a:r>
             <a:r>
-              <a:rPr kumimoji="0" lang="de-DE" altLang="de-DE" b="0" i="0" u="none" strike="noStrike" cap="none" normalizeH="0" baseline="0" dirty="0" smtClean="0">
+              <a:rPr kumimoji="0" lang="de-DE" altLang="de-DE" b="0" i="0" u="none" strike="noStrike" cap="none" normalizeH="0" baseline="0" dirty="0">
                 <a:ln>
                   <a:noFill/>
                 </a:ln>
@@ -8198,7 +8083,7 @@
               <a:t>               </a:t>
             </a:r>
             <a:r>
-              <a:rPr kumimoji="0" lang="de-DE" altLang="de-DE" b="0" i="0" u="none" strike="noStrike" cap="none" normalizeH="0" baseline="0" dirty="0" smtClean="0">
+              <a:rPr kumimoji="0" lang="de-DE" altLang="de-DE" b="0" i="0" u="none" strike="noStrike" cap="none" normalizeH="0" baseline="0" dirty="0">
                 <a:ln>
                   <a:noFill/>
                 </a:ln>
@@ -8211,7 +8096,7 @@
               <a:t>= data.</a:t>
             </a:r>
             <a:r>
-              <a:rPr kumimoji="0" lang="de-DE" altLang="de-DE" b="0" i="0" u="none" strike="noStrike" cap="none" normalizeH="0" baseline="0" dirty="0" smtClean="0">
+              <a:rPr kumimoji="0" lang="de-DE" altLang="de-DE" b="0" i="0" u="none" strike="noStrike" cap="none" normalizeH="0" baseline="0" dirty="0">
                 <a:ln>
                   <a:noFill/>
                 </a:ln>
@@ -8224,7 +8109,7 @@
               <a:t>terraform_remote_state</a:t>
             </a:r>
             <a:r>
-              <a:rPr kumimoji="0" lang="de-DE" altLang="de-DE" b="0" i="0" u="none" strike="noStrike" cap="none" normalizeH="0" baseline="0" dirty="0" smtClean="0">
+              <a:rPr kumimoji="0" lang="de-DE" altLang="de-DE" b="0" i="0" u="none" strike="noStrike" cap="none" normalizeH="0" baseline="0" dirty="0">
                 <a:ln>
                   <a:noFill/>
                 </a:ln>
@@ -8237,7 +8122,7 @@
               <a:t>.</a:t>
             </a:r>
             <a:r>
-              <a:rPr kumimoji="0" lang="de-DE" altLang="de-DE" b="0" i="0" u="none" strike="noStrike" cap="none" normalizeH="0" baseline="0" dirty="0" smtClean="0">
+              <a:rPr kumimoji="0" lang="de-DE" altLang="de-DE" b="0" i="0" u="none" strike="noStrike" cap="none" normalizeH="0" baseline="0" dirty="0">
                 <a:ln>
                   <a:noFill/>
                 </a:ln>
@@ -8250,7 +8135,7 @@
               <a:t>terraformtraining</a:t>
             </a:r>
             <a:r>
-              <a:rPr kumimoji="0" lang="de-DE" altLang="de-DE" b="0" i="0" u="none" strike="noStrike" cap="none" normalizeH="0" baseline="0" dirty="0" smtClean="0">
+              <a:rPr kumimoji="0" lang="de-DE" altLang="de-DE" b="0" i="0" u="none" strike="noStrike" cap="none" normalizeH="0" baseline="0" dirty="0">
                 <a:ln>
                   <a:noFill/>
                 </a:ln>
@@ -8263,7 +8148,7 @@
               <a:t>.</a:t>
             </a:r>
             <a:r>
-              <a:rPr kumimoji="0" lang="de-DE" altLang="de-DE" b="0" i="0" u="none" strike="noStrike" cap="none" normalizeH="0" baseline="0" dirty="0" smtClean="0">
+              <a:rPr kumimoji="0" lang="de-DE" altLang="de-DE" b="0" i="0" u="none" strike="noStrike" cap="none" normalizeH="0" baseline="0" dirty="0">
                 <a:ln>
                   <a:noFill/>
                 </a:ln>
@@ -8276,7 +8161,7 @@
               <a:t>outputs</a:t>
             </a:r>
             <a:r>
-              <a:rPr kumimoji="0" lang="de-DE" altLang="de-DE" b="0" i="0" u="none" strike="noStrike" cap="none" normalizeH="0" baseline="0" dirty="0" smtClean="0">
+              <a:rPr kumimoji="0" lang="de-DE" altLang="de-DE" b="0" i="0" u="none" strike="noStrike" cap="none" normalizeH="0" baseline="0" dirty="0">
                 <a:ln>
                   <a:noFill/>
                 </a:ln>
@@ -8289,7 +8174,7 @@
               <a:t>.</a:t>
             </a:r>
             <a:r>
-              <a:rPr kumimoji="0" lang="de-DE" altLang="de-DE" b="0" i="0" u="none" strike="noStrike" cap="none" normalizeH="0" baseline="0" dirty="0" smtClean="0">
+              <a:rPr kumimoji="0" lang="de-DE" altLang="de-DE" b="0" i="0" u="none" strike="noStrike" cap="none" normalizeH="0" baseline="0" dirty="0">
                 <a:ln>
                   <a:noFill/>
                 </a:ln>
@@ -8302,7 +8187,7 @@
               <a:t>training_subnet_id</a:t>
             </a:r>
             <a:br>
-              <a:rPr kumimoji="0" lang="de-DE" altLang="de-DE" b="0" i="0" u="none" strike="noStrike" cap="none" normalizeH="0" baseline="0" dirty="0" smtClean="0">
+              <a:rPr kumimoji="0" lang="de-DE" altLang="de-DE" b="0" i="0" u="none" strike="noStrike" cap="none" normalizeH="0" baseline="0" dirty="0">
                 <a:ln>
                   <a:noFill/>
                 </a:ln>
@@ -8314,7 +8199,7 @@
               </a:rPr>
             </a:br>
             <a:r>
-              <a:rPr kumimoji="0" lang="de-DE" altLang="de-DE" b="0" i="0" u="none" strike="noStrike" cap="none" normalizeH="0" baseline="0" dirty="0" smtClean="0">
+              <a:rPr kumimoji="0" lang="de-DE" altLang="de-DE" b="0" i="0" u="none" strike="noStrike" cap="none" normalizeH="0" baseline="0" dirty="0">
                 <a:ln>
                   <a:noFill/>
                 </a:ln>
@@ -8326,7 +8211,7 @@
               </a:rPr>
               <a:t>}</a:t>
             </a:r>
-            <a:endParaRPr kumimoji="0" lang="de-DE" altLang="de-DE" sz="4000" b="0" i="0" u="none" strike="noStrike" cap="none" normalizeH="0" baseline="0" dirty="0" smtClean="0">
+            <a:endParaRPr kumimoji="0" lang="de-DE" altLang="de-DE" sz="4000" b="0" i="0" u="none" strike="noStrike" cap="none" normalizeH="0" baseline="0" dirty="0">
               <a:ln>
                 <a:noFill/>
               </a:ln>
@@ -8362,10 +8247,9 @@
           <a:lstStyle/>
           <a:p>
             <a:r>
-              <a:rPr lang="de-DE" dirty="0" smtClean="0"/>
+              <a:rPr lang="de-DE" dirty="0"/>
               <a:t>1. Definition des Terraform-Backend</a:t>
             </a:r>
-            <a:endParaRPr lang="de-DE" dirty="0"/>
           </a:p>
         </p:txBody>
       </p:sp>
@@ -8393,13 +8277,8 @@
           <a:p>
             <a:r>
               <a:rPr lang="de-DE" dirty="0"/>
-              <a:t>2</a:t>
-            </a:r>
-            <a:r>
-              <a:rPr lang="de-DE" dirty="0" smtClean="0"/>
-              <a:t>. Definition der Remote-State Data-Source</a:t>
-            </a:r>
-            <a:endParaRPr lang="de-DE" dirty="0"/>
+              <a:t>2. Definition der Remote-State Data-Source</a:t>
+            </a:r>
           </a:p>
         </p:txBody>
       </p:sp>
@@ -8427,13 +8306,8 @@
           <a:p>
             <a:r>
               <a:rPr lang="de-DE" dirty="0"/>
-              <a:t>3</a:t>
-            </a:r>
-            <a:r>
-              <a:rPr lang="de-DE" dirty="0" smtClean="0"/>
-              <a:t>. Auslesen der Data-Source</a:t>
-            </a:r>
-            <a:endParaRPr lang="de-DE" dirty="0"/>
+              <a:t>3. Auslesen der Data-Source</a:t>
+            </a:r>
           </a:p>
         </p:txBody>
       </p:sp>
@@ -8447,13 +8321,6 @@
   <p:clrMapOvr>
     <a:masterClrMapping/>
   </p:clrMapOvr>
-  <p:timing>
-    <p:tnLst>
-      <p:par>
-        <p:cTn id="1" dur="indefinite" restart="never" nodeType="tmRoot"/>
-      </p:par>
-    </p:tnLst>
-  </p:timing>
 </p:sld>
 </file>
 
@@ -8490,11 +8357,11 @@
           <a:lstStyle/>
           <a:p>
             <a:r>
-              <a:rPr lang="de-DE" dirty="0" smtClean="0"/>
+              <a:rPr lang="de-DE" dirty="0"/>
               <a:t>Nebeneffekte beim Auswerten von Data </a:t>
             </a:r>
             <a:r>
-              <a:rPr lang="de-DE" dirty="0" err="1" smtClean="0"/>
+              <a:rPr lang="de-DE" dirty="0" err="1"/>
               <a:t>Sources</a:t>
             </a:r>
             <a:endParaRPr lang="de-DE" dirty="0"/>
@@ -8526,7 +8393,7 @@
               <a:buChar char="-"/>
             </a:pPr>
             <a:r>
-              <a:rPr lang="de-DE" dirty="0" smtClean="0"/>
+              <a:rPr lang="de-DE" dirty="0"/>
               <a:t>Auswertung einer Data-Source ist technisch nicht auf die lesende Operation beschränkt</a:t>
             </a:r>
           </a:p>
@@ -8536,17 +8403,17 @@
               <a:buChar char="-"/>
             </a:pPr>
             <a:r>
-              <a:rPr lang="de-DE" dirty="0" smtClean="0"/>
+              <a:rPr lang="de-DE" dirty="0"/>
               <a:t>Ein Beispiel ist die Data-Source </a:t>
             </a:r>
             <a:r>
-              <a:rPr lang="de-DE" dirty="0" err="1" smtClean="0">
+              <a:rPr lang="de-DE" dirty="0" err="1">
                 <a:hlinkClick r:id="rId3"/>
               </a:rPr>
               <a:t>archive_file</a:t>
             </a:r>
             <a:r>
-              <a:rPr lang="de-DE" dirty="0" smtClean="0"/>
+              <a:rPr lang="de-DE" dirty="0"/>
               <a:t>, welche ein Zip-File auf der Festplatte erstellt</a:t>
             </a:r>
           </a:p>
@@ -8555,14 +8422,14 @@
               <a:buFontTx/>
               <a:buChar char="-"/>
             </a:pPr>
-            <a:endParaRPr lang="de-DE" dirty="0" smtClean="0"/>
+            <a:endParaRPr lang="de-DE" dirty="0"/>
           </a:p>
           <a:p>
             <a:pPr lvl="1">
               <a:buFontTx/>
               <a:buChar char="-"/>
             </a:pPr>
-            <a:endParaRPr lang="de-DE" dirty="0" smtClean="0"/>
+            <a:endParaRPr lang="de-DE" dirty="0"/>
           </a:p>
         </p:txBody>
       </p:sp>
@@ -8576,13 +8443,6 @@
   <p:clrMapOvr>
     <a:masterClrMapping/>
   </p:clrMapOvr>
-  <p:timing>
-    <p:tnLst>
-      <p:par>
-        <p:cTn id="1" dur="indefinite" restart="never" nodeType="tmRoot"/>
-      </p:par>
-    </p:tnLst>
-  </p:timing>
 </p:sld>
 </file>
 

--- a/Modul_05_DataSources/DataSources.pptx
+++ b/Modul_05_DataSources/DataSources.pptx
@@ -5,17 +5,16 @@
     <p:sldMasterId id="2147483648" r:id="rId1"/>
   </p:sldMasterIdLst>
   <p:notesMasterIdLst>
-    <p:notesMasterId r:id="rId10"/>
+    <p:notesMasterId r:id="rId9"/>
   </p:notesMasterIdLst>
   <p:sldIdLst>
     <p:sldId id="257" r:id="rId2"/>
     <p:sldId id="260" r:id="rId3"/>
     <p:sldId id="264" r:id="rId4"/>
     <p:sldId id="262" r:id="rId5"/>
-    <p:sldId id="263" r:id="rId6"/>
-    <p:sldId id="258" r:id="rId7"/>
-    <p:sldId id="259" r:id="rId8"/>
-    <p:sldId id="261" r:id="rId9"/>
+    <p:sldId id="258" r:id="rId6"/>
+    <p:sldId id="259" r:id="rId7"/>
+    <p:sldId id="261" r:id="rId8"/>
   </p:sldIdLst>
   <p:sldSz cx="12192000" cy="6858000"/>
   <p:notesSz cx="6858000" cy="9144000"/>
@@ -204,7 +203,7 @@
           <a:p>
             <a:fld id="{E9DAB8B5-B9A3-426D-91D9-D7966B0F2B79}" type="datetimeFigureOut">
               <a:rPr lang="de-DE" smtClean="0"/>
-              <a:t>18.11.21</a:t>
+              <a:t>20.11.2021</a:t>
             </a:fld>
             <a:endParaRPr lang="de-DE"/>
           </a:p>
@@ -881,7 +880,7 @@
     </p:spTree>
     <p:extLst>
       <p:ext uri="{BB962C8B-B14F-4D97-AF65-F5344CB8AC3E}">
-        <p14:creationId xmlns:p14="http://schemas.microsoft.com/office/powerpoint/2010/main" val="2108334115"/>
+        <p14:creationId xmlns:p14="http://schemas.microsoft.com/office/powerpoint/2010/main" val="4136440388"/>
       </p:ext>
     </p:extLst>
   </p:cSld>
@@ -956,91 +955,7 @@
           <a:p>
             <a:fld id="{E58C7EAB-645A-4FBB-B6AF-831236EEB6FB}" type="slidenum">
               <a:rPr lang="de-DE" smtClean="0"/>
-              <a:t>6</a:t>
-            </a:fld>
-            <a:endParaRPr lang="de-DE"/>
-          </a:p>
-        </p:txBody>
-      </p:sp>
-    </p:spTree>
-    <p:extLst>
-      <p:ext uri="{BB962C8B-B14F-4D97-AF65-F5344CB8AC3E}">
-        <p14:creationId xmlns:p14="http://schemas.microsoft.com/office/powerpoint/2010/main" val="4136440388"/>
-      </p:ext>
-    </p:extLst>
-  </p:cSld>
-  <p:clrMapOvr>
-    <a:masterClrMapping/>
-  </p:clrMapOvr>
-</p:notes>
-</file>
-
-<file path=ppt/notesSlides/notesSlide7.xml><?xml version="1.0" encoding="utf-8"?>
-<p:notes xmlns:a="http://schemas.openxmlformats.org/drawingml/2006/main" xmlns:r="http://schemas.openxmlformats.org/officeDocument/2006/relationships" xmlns:p="http://schemas.openxmlformats.org/presentationml/2006/main">
-  <p:cSld>
-    <p:spTree>
-      <p:nvGrpSpPr>
-        <p:cNvPr id="1" name=""/>
-        <p:cNvGrpSpPr/>
-        <p:nvPr/>
-      </p:nvGrpSpPr>
-      <p:grpSpPr>
-        <a:xfrm>
-          <a:off x="0" y="0"/>
-          <a:ext cx="0" cy="0"/>
-          <a:chOff x="0" y="0"/>
-          <a:chExt cx="0" cy="0"/>
-        </a:xfrm>
-      </p:grpSpPr>
-      <p:sp>
-        <p:nvSpPr>
-          <p:cNvPr id="2" name="Folienbildplatzhalter 1"/>
-          <p:cNvSpPr>
-            <a:spLocks noGrp="1" noRot="1" noChangeAspect="1"/>
-          </p:cNvSpPr>
-          <p:nvPr>
-            <p:ph type="sldImg"/>
-          </p:nvPr>
-        </p:nvSpPr>
-        <p:spPr/>
-      </p:sp>
-      <p:sp>
-        <p:nvSpPr>
-          <p:cNvPr id="3" name="Notizenplatzhalter 2"/>
-          <p:cNvSpPr>
-            <a:spLocks noGrp="1"/>
-          </p:cNvSpPr>
-          <p:nvPr>
-            <p:ph type="body" idx="1"/>
-          </p:nvPr>
-        </p:nvSpPr>
-        <p:spPr/>
-        <p:txBody>
-          <a:bodyPr/>
-          <a:lstStyle/>
-          <a:p>
-            <a:endParaRPr lang="de-DE" dirty="0"/>
-          </a:p>
-        </p:txBody>
-      </p:sp>
-      <p:sp>
-        <p:nvSpPr>
-          <p:cNvPr id="4" name="Foliennummernplatzhalter 3"/>
-          <p:cNvSpPr>
-            <a:spLocks noGrp="1"/>
-          </p:cNvSpPr>
-          <p:nvPr>
-            <p:ph type="sldNum" sz="quarter" idx="10"/>
-          </p:nvPr>
-        </p:nvSpPr>
-        <p:spPr/>
-        <p:txBody>
-          <a:bodyPr/>
-          <a:lstStyle/>
-          <a:p>
-            <a:fld id="{E58C7EAB-645A-4FBB-B6AF-831236EEB6FB}" type="slidenum">
-              <a:rPr lang="de-DE" smtClean="0"/>
-              <a:t>8</a:t>
+              <a:t>7</a:t>
             </a:fld>
             <a:endParaRPr lang="de-DE"/>
           </a:p>
@@ -1188,7 +1103,7 @@
           <a:p>
             <a:fld id="{6CBA03CC-73C5-46A8-8DFB-B5DC4577D8E2}" type="datetimeFigureOut">
               <a:rPr lang="de-DE" smtClean="0"/>
-              <a:t>18.11.21</a:t>
+              <a:t>20.11.2021</a:t>
             </a:fld>
             <a:endParaRPr lang="de-DE"/>
           </a:p>
@@ -1356,7 +1271,7 @@
           <a:p>
             <a:fld id="{6CBA03CC-73C5-46A8-8DFB-B5DC4577D8E2}" type="datetimeFigureOut">
               <a:rPr lang="de-DE" smtClean="0"/>
-              <a:t>18.11.21</a:t>
+              <a:t>20.11.2021</a:t>
             </a:fld>
             <a:endParaRPr lang="de-DE"/>
           </a:p>
@@ -1534,7 +1449,7 @@
           <a:p>
             <a:fld id="{6CBA03CC-73C5-46A8-8DFB-B5DC4577D8E2}" type="datetimeFigureOut">
               <a:rPr lang="de-DE" smtClean="0"/>
-              <a:t>18.11.21</a:t>
+              <a:t>20.11.2021</a:t>
             </a:fld>
             <a:endParaRPr lang="de-DE"/>
           </a:p>
@@ -1702,7 +1617,7 @@
           <a:p>
             <a:fld id="{6CBA03CC-73C5-46A8-8DFB-B5DC4577D8E2}" type="datetimeFigureOut">
               <a:rPr lang="de-DE" smtClean="0"/>
-              <a:t>18.11.21</a:t>
+              <a:t>20.11.2021</a:t>
             </a:fld>
             <a:endParaRPr lang="de-DE"/>
           </a:p>
@@ -1947,7 +1862,7 @@
           <a:p>
             <a:fld id="{6CBA03CC-73C5-46A8-8DFB-B5DC4577D8E2}" type="datetimeFigureOut">
               <a:rPr lang="de-DE" smtClean="0"/>
-              <a:t>18.11.21</a:t>
+              <a:t>20.11.2021</a:t>
             </a:fld>
             <a:endParaRPr lang="de-DE"/>
           </a:p>
@@ -2176,7 +2091,7 @@
           <a:p>
             <a:fld id="{6CBA03CC-73C5-46A8-8DFB-B5DC4577D8E2}" type="datetimeFigureOut">
               <a:rPr lang="de-DE" smtClean="0"/>
-              <a:t>18.11.21</a:t>
+              <a:t>20.11.2021</a:t>
             </a:fld>
             <a:endParaRPr lang="de-DE"/>
           </a:p>
@@ -2540,7 +2455,7 @@
           <a:p>
             <a:fld id="{6CBA03CC-73C5-46A8-8DFB-B5DC4577D8E2}" type="datetimeFigureOut">
               <a:rPr lang="de-DE" smtClean="0"/>
-              <a:t>18.11.21</a:t>
+              <a:t>20.11.2021</a:t>
             </a:fld>
             <a:endParaRPr lang="de-DE"/>
           </a:p>
@@ -2657,7 +2572,7 @@
           <a:p>
             <a:fld id="{6CBA03CC-73C5-46A8-8DFB-B5DC4577D8E2}" type="datetimeFigureOut">
               <a:rPr lang="de-DE" smtClean="0"/>
-              <a:t>18.11.21</a:t>
+              <a:t>20.11.2021</a:t>
             </a:fld>
             <a:endParaRPr lang="de-DE"/>
           </a:p>
@@ -2752,7 +2667,7 @@
           <a:p>
             <a:fld id="{6CBA03CC-73C5-46A8-8DFB-B5DC4577D8E2}" type="datetimeFigureOut">
               <a:rPr lang="de-DE" smtClean="0"/>
-              <a:t>18.11.21</a:t>
+              <a:t>20.11.2021</a:t>
             </a:fld>
             <a:endParaRPr lang="de-DE"/>
           </a:p>
@@ -3027,7 +2942,7 @@
           <a:p>
             <a:fld id="{6CBA03CC-73C5-46A8-8DFB-B5DC4577D8E2}" type="datetimeFigureOut">
               <a:rPr lang="de-DE" smtClean="0"/>
-              <a:t>18.11.21</a:t>
+              <a:t>20.11.2021</a:t>
             </a:fld>
             <a:endParaRPr lang="de-DE"/>
           </a:p>
@@ -3279,7 +3194,7 @@
           <a:p>
             <a:fld id="{6CBA03CC-73C5-46A8-8DFB-B5DC4577D8E2}" type="datetimeFigureOut">
               <a:rPr lang="de-DE" smtClean="0"/>
-              <a:t>18.11.21</a:t>
+              <a:t>20.11.2021</a:t>
             </a:fld>
             <a:endParaRPr lang="de-DE"/>
           </a:p>
@@ -3490,7 +3405,7 @@
           <a:p>
             <a:fld id="{6CBA03CC-73C5-46A8-8DFB-B5DC4577D8E2}" type="datetimeFigureOut">
               <a:rPr lang="de-DE" smtClean="0"/>
-              <a:t>18.11.21</a:t>
+              <a:t>20.11.2021</a:t>
             </a:fld>
             <a:endParaRPr lang="de-DE"/>
           </a:p>
@@ -4525,6 +4440,19 @@
                 <a:latin typeface="JetBrains Mono"/>
               </a:rPr>
             </a:br>
+            <a:r>
+              <a:rPr kumimoji="0" lang="de-DE" altLang="de-DE" sz="2000" b="0" i="0" u="none" strike="noStrike" cap="none" normalizeH="0" baseline="0" dirty="0">
+                <a:ln>
+                  <a:noFill/>
+                </a:ln>
+                <a:solidFill>
+                  <a:srgbClr val="BBBBBB"/>
+                </a:solidFill>
+                <a:effectLst/>
+                <a:latin typeface="JetBrains Mono"/>
+              </a:rPr>
+              <a:t/>
+            </a:r>
             <a:br>
               <a:rPr kumimoji="0" lang="de-DE" altLang="de-DE" sz="2000" b="0" i="0" u="none" strike="noStrike" cap="none" normalizeH="0" baseline="0" dirty="0">
                 <a:ln>
@@ -4891,6 +4819,19 @@
                 <a:latin typeface="JetBrains Mono"/>
               </a:rPr>
               <a:t>]</a:t>
+            </a:r>
+            <a:r>
+              <a:rPr kumimoji="0" lang="de-DE" altLang="de-DE" sz="2000" b="0" i="0" u="none" strike="noStrike" cap="none" normalizeH="0" baseline="0" dirty="0">
+                <a:ln>
+                  <a:noFill/>
+                </a:ln>
+                <a:solidFill>
+                  <a:srgbClr val="89CA78"/>
+                </a:solidFill>
+                <a:effectLst/>
+                <a:latin typeface="JetBrains Mono"/>
+              </a:rPr>
+              <a:t/>
             </a:r>
             <a:br>
               <a:rPr kumimoji="0" lang="de-DE" altLang="de-DE" sz="2000" b="0" i="0" u="none" strike="noStrike" cap="none" normalizeH="0" baseline="0" dirty="0">
@@ -5733,198 +5674,6 @@
 </file>
 
 <file path=ppt/slides/slide5.xml><?xml version="1.0" encoding="utf-8"?>
-<p:sld xmlns:a="http://schemas.openxmlformats.org/drawingml/2006/main" xmlns:r="http://schemas.openxmlformats.org/officeDocument/2006/relationships" xmlns:p="http://schemas.openxmlformats.org/presentationml/2006/main">
-  <p:cSld>
-    <p:spTree>
-      <p:nvGrpSpPr>
-        <p:cNvPr id="1" name=""/>
-        <p:cNvGrpSpPr/>
-        <p:nvPr/>
-      </p:nvGrpSpPr>
-      <p:grpSpPr>
-        <a:xfrm>
-          <a:off x="0" y="0"/>
-          <a:ext cx="0" cy="0"/>
-          <a:chOff x="0" y="0"/>
-          <a:chExt cx="0" cy="0"/>
-        </a:xfrm>
-      </p:grpSpPr>
-      <p:sp>
-        <p:nvSpPr>
-          <p:cNvPr id="2" name="Titel 1"/>
-          <p:cNvSpPr>
-            <a:spLocks noGrp="1"/>
-          </p:cNvSpPr>
-          <p:nvPr>
-            <p:ph type="title"/>
-          </p:nvPr>
-        </p:nvSpPr>
-        <p:spPr/>
-        <p:txBody>
-          <a:bodyPr/>
-          <a:lstStyle/>
-          <a:p>
-            <a:r>
-              <a:rPr lang="de-DE" dirty="0"/>
-              <a:t>External Data Source</a:t>
-            </a:r>
-          </a:p>
-        </p:txBody>
-      </p:sp>
-      <p:sp>
-        <p:nvSpPr>
-          <p:cNvPr id="3" name="Inhaltsplatzhalter 2"/>
-          <p:cNvSpPr>
-            <a:spLocks noGrp="1"/>
-          </p:cNvSpPr>
-          <p:nvPr>
-            <p:ph idx="1"/>
-          </p:nvPr>
-        </p:nvSpPr>
-        <p:spPr>
-          <a:xfrm>
-            <a:off x="838200" y="1825625"/>
-            <a:ext cx="10515600" cy="4351338"/>
-          </a:xfrm>
-        </p:spPr>
-        <p:txBody>
-          <a:bodyPr/>
-          <a:lstStyle/>
-          <a:p>
-            <a:pPr>
-              <a:buFontTx/>
-              <a:buChar char="-"/>
-            </a:pPr>
-            <a:r>
-              <a:rPr lang="de-DE" dirty="0"/>
-              <a:t>Erlaubt die Ausführung von externen Programmen um Daten verfügbar zu machen</a:t>
-            </a:r>
-          </a:p>
-          <a:p>
-            <a:pPr>
-              <a:buFontTx/>
-              <a:buChar char="-"/>
-            </a:pPr>
-            <a:r>
-              <a:rPr lang="de-DE" dirty="0"/>
-              <a:t>U.a. liegen folgende Regeln der Ausführung zu Grunde</a:t>
-            </a:r>
-          </a:p>
-          <a:p>
-            <a:pPr lvl="1">
-              <a:buFontTx/>
-              <a:buChar char="-"/>
-            </a:pPr>
-            <a:r>
-              <a:rPr lang="de-DE" dirty="0"/>
-              <a:t>Input wird über das Attribut </a:t>
-            </a:r>
-            <a:r>
-              <a:rPr lang="de-DE" dirty="0" err="1"/>
-              <a:t>query</a:t>
-            </a:r>
-            <a:r>
-              <a:rPr lang="de-DE" dirty="0"/>
-              <a:t> als JSON übergeben und vom Programm via </a:t>
-            </a:r>
-            <a:r>
-              <a:rPr lang="de-DE" dirty="0" err="1"/>
-              <a:t>stdin</a:t>
-            </a:r>
-            <a:r>
-              <a:rPr lang="de-DE" dirty="0"/>
-              <a:t> eingelesen</a:t>
-            </a:r>
-          </a:p>
-          <a:p>
-            <a:pPr lvl="1">
-              <a:buFontTx/>
-              <a:buChar char="-"/>
-            </a:pPr>
-            <a:r>
-              <a:rPr lang="de-DE" dirty="0"/>
-              <a:t>Der Output des Programms wird via </a:t>
-            </a:r>
-            <a:r>
-              <a:rPr lang="de-DE" dirty="0" err="1"/>
-              <a:t>stout</a:t>
-            </a:r>
-            <a:r>
-              <a:rPr lang="de-DE" dirty="0"/>
-              <a:t> als JSON ausgegeben und kann über das Attribut „</a:t>
-            </a:r>
-            <a:r>
-              <a:rPr lang="de-DE" dirty="0" err="1"/>
-              <a:t>result</a:t>
-            </a:r>
-            <a:r>
-              <a:rPr lang="de-DE" dirty="0"/>
-              <a:t>“ der Data-Source zugegriffen werden</a:t>
-            </a:r>
-          </a:p>
-          <a:p>
-            <a:pPr lvl="1">
-              <a:buFontTx/>
-              <a:buChar char="-"/>
-            </a:pPr>
-            <a:r>
-              <a:rPr lang="de-DE" dirty="0"/>
-              <a:t>Terminierung des Programms im Erfolgsfall mit  Statuscode 0</a:t>
-            </a:r>
-          </a:p>
-          <a:p>
-            <a:pPr lvl="1">
-              <a:buFontTx/>
-              <a:buChar char="-"/>
-            </a:pPr>
-            <a:endParaRPr lang="de-DE" dirty="0"/>
-          </a:p>
-          <a:p>
-            <a:pPr>
-              <a:buFontTx/>
-              <a:buChar char="-"/>
-            </a:pPr>
-            <a:r>
-              <a:rPr lang="de-DE" dirty="0"/>
-              <a:t>Ausführung erfolgt bei jedem Refresh des Terraform-State</a:t>
-            </a:r>
-          </a:p>
-          <a:p>
-            <a:pPr marL="457200" lvl="1" indent="0">
-              <a:buNone/>
-            </a:pPr>
-            <a:endParaRPr lang="de-DE" dirty="0"/>
-          </a:p>
-          <a:p>
-            <a:pPr>
-              <a:buFontTx/>
-              <a:buChar char="-"/>
-            </a:pPr>
-            <a:endParaRPr lang="de-DE" dirty="0"/>
-          </a:p>
-          <a:p>
-            <a:pPr lvl="1">
-              <a:buFontTx/>
-              <a:buChar char="-"/>
-            </a:pPr>
-            <a:endParaRPr lang="de-DE" dirty="0"/>
-          </a:p>
-        </p:txBody>
-      </p:sp>
-    </p:spTree>
-    <p:extLst>
-      <p:ext uri="{BB962C8B-B14F-4D97-AF65-F5344CB8AC3E}">
-        <p14:creationId xmlns:p14="http://schemas.microsoft.com/office/powerpoint/2010/main" val="384954828"/>
-      </p:ext>
-    </p:extLst>
-  </p:cSld>
-  <p:clrMapOvr>
-    <a:masterClrMapping/>
-  </p:clrMapOvr>
-</p:sld>
-</file>
-
-<file path=ppt/slides/slide6.xml><?xml version="1.0" encoding="utf-8"?>
 <p:sld xmlns:a="http://schemas.openxmlformats.org/drawingml/2006/main" xmlns:r="http://schemas.openxmlformats.org/officeDocument/2006/relationships" xmlns:p="http://schemas.openxmlformats.org/presentationml/2006/main">
   <p:cSld>
     <p:spTree>
@@ -6471,7 +6220,7 @@
 </p:sld>
 </file>
 
-<file path=ppt/slides/slide7.xml><?xml version="1.0" encoding="utf-8"?>
+<file path=ppt/slides/slide6.xml><?xml version="1.0" encoding="utf-8"?>
 <p:sld xmlns:a="http://schemas.openxmlformats.org/drawingml/2006/main" xmlns:r="http://schemas.openxmlformats.org/officeDocument/2006/relationships" xmlns:p="http://schemas.openxmlformats.org/presentationml/2006/main">
   <p:cSld>
     <p:spTree>
@@ -8324,7 +8073,7 @@
 </p:sld>
 </file>
 
-<file path=ppt/slides/slide8.xml><?xml version="1.0" encoding="utf-8"?>
+<file path=ppt/slides/slide7.xml><?xml version="1.0" encoding="utf-8"?>
 <p:sld xmlns:a="http://schemas.openxmlformats.org/drawingml/2006/main" xmlns:r="http://schemas.openxmlformats.org/officeDocument/2006/relationships" xmlns:p="http://schemas.openxmlformats.org/presentationml/2006/main">
   <p:cSld>
     <p:spTree>

--- a/Modul_05_DataSources/DataSources.pptx
+++ b/Modul_05_DataSources/DataSources.pptx
@@ -203,7 +203,7 @@
           <a:p>
             <a:fld id="{E9DAB8B5-B9A3-426D-91D9-D7966B0F2B79}" type="datetimeFigureOut">
               <a:rPr lang="de-DE" smtClean="0"/>
-              <a:t>20.11.2021</a:t>
+              <a:t>24.11.2021</a:t>
             </a:fld>
             <a:endParaRPr lang="de-DE"/>
           </a:p>
@@ -1103,7 +1103,7 @@
           <a:p>
             <a:fld id="{6CBA03CC-73C5-46A8-8DFB-B5DC4577D8E2}" type="datetimeFigureOut">
               <a:rPr lang="de-DE" smtClean="0"/>
-              <a:t>20.11.2021</a:t>
+              <a:t>24.11.2021</a:t>
             </a:fld>
             <a:endParaRPr lang="de-DE"/>
           </a:p>
@@ -1271,7 +1271,7 @@
           <a:p>
             <a:fld id="{6CBA03CC-73C5-46A8-8DFB-B5DC4577D8E2}" type="datetimeFigureOut">
               <a:rPr lang="de-DE" smtClean="0"/>
-              <a:t>20.11.2021</a:t>
+              <a:t>24.11.2021</a:t>
             </a:fld>
             <a:endParaRPr lang="de-DE"/>
           </a:p>
@@ -1449,7 +1449,7 @@
           <a:p>
             <a:fld id="{6CBA03CC-73C5-46A8-8DFB-B5DC4577D8E2}" type="datetimeFigureOut">
               <a:rPr lang="de-DE" smtClean="0"/>
-              <a:t>20.11.2021</a:t>
+              <a:t>24.11.2021</a:t>
             </a:fld>
             <a:endParaRPr lang="de-DE"/>
           </a:p>
@@ -1617,7 +1617,7 @@
           <a:p>
             <a:fld id="{6CBA03CC-73C5-46A8-8DFB-B5DC4577D8E2}" type="datetimeFigureOut">
               <a:rPr lang="de-DE" smtClean="0"/>
-              <a:t>20.11.2021</a:t>
+              <a:t>24.11.2021</a:t>
             </a:fld>
             <a:endParaRPr lang="de-DE"/>
           </a:p>
@@ -1862,7 +1862,7 @@
           <a:p>
             <a:fld id="{6CBA03CC-73C5-46A8-8DFB-B5DC4577D8E2}" type="datetimeFigureOut">
               <a:rPr lang="de-DE" smtClean="0"/>
-              <a:t>20.11.2021</a:t>
+              <a:t>24.11.2021</a:t>
             </a:fld>
             <a:endParaRPr lang="de-DE"/>
           </a:p>
@@ -2091,7 +2091,7 @@
           <a:p>
             <a:fld id="{6CBA03CC-73C5-46A8-8DFB-B5DC4577D8E2}" type="datetimeFigureOut">
               <a:rPr lang="de-DE" smtClean="0"/>
-              <a:t>20.11.2021</a:t>
+              <a:t>24.11.2021</a:t>
             </a:fld>
             <a:endParaRPr lang="de-DE"/>
           </a:p>
@@ -2455,7 +2455,7 @@
           <a:p>
             <a:fld id="{6CBA03CC-73C5-46A8-8DFB-B5DC4577D8E2}" type="datetimeFigureOut">
               <a:rPr lang="de-DE" smtClean="0"/>
-              <a:t>20.11.2021</a:t>
+              <a:t>24.11.2021</a:t>
             </a:fld>
             <a:endParaRPr lang="de-DE"/>
           </a:p>
@@ -2572,7 +2572,7 @@
           <a:p>
             <a:fld id="{6CBA03CC-73C5-46A8-8DFB-B5DC4577D8E2}" type="datetimeFigureOut">
               <a:rPr lang="de-DE" smtClean="0"/>
-              <a:t>20.11.2021</a:t>
+              <a:t>24.11.2021</a:t>
             </a:fld>
             <a:endParaRPr lang="de-DE"/>
           </a:p>
@@ -2667,7 +2667,7 @@
           <a:p>
             <a:fld id="{6CBA03CC-73C5-46A8-8DFB-B5DC4577D8E2}" type="datetimeFigureOut">
               <a:rPr lang="de-DE" smtClean="0"/>
-              <a:t>20.11.2021</a:t>
+              <a:t>24.11.2021</a:t>
             </a:fld>
             <a:endParaRPr lang="de-DE"/>
           </a:p>
@@ -2942,7 +2942,7 @@
           <a:p>
             <a:fld id="{6CBA03CC-73C5-46A8-8DFB-B5DC4577D8E2}" type="datetimeFigureOut">
               <a:rPr lang="de-DE" smtClean="0"/>
-              <a:t>20.11.2021</a:t>
+              <a:t>24.11.2021</a:t>
             </a:fld>
             <a:endParaRPr lang="de-DE"/>
           </a:p>
@@ -3194,7 +3194,7 @@
           <a:p>
             <a:fld id="{6CBA03CC-73C5-46A8-8DFB-B5DC4577D8E2}" type="datetimeFigureOut">
               <a:rPr lang="de-DE" smtClean="0"/>
-              <a:t>20.11.2021</a:t>
+              <a:t>24.11.2021</a:t>
             </a:fld>
             <a:endParaRPr lang="de-DE"/>
           </a:p>
@@ -3405,7 +3405,7 @@
           <a:p>
             <a:fld id="{6CBA03CC-73C5-46A8-8DFB-B5DC4577D8E2}" type="datetimeFigureOut">
               <a:rPr lang="de-DE" smtClean="0"/>
-              <a:t>20.11.2021</a:t>
+              <a:t>24.11.2021</a:t>
             </a:fld>
             <a:endParaRPr lang="de-DE"/>
           </a:p>
@@ -7982,7 +7982,7 @@
         <p:spPr>
           <a:xfrm>
             <a:off x="462844" y="1769533"/>
-            <a:ext cx="3787423" cy="369332"/>
+            <a:ext cx="4693356" cy="369332"/>
           </a:xfrm>
           <a:prstGeom prst="rect">
             <a:avLst/>
@@ -7997,8 +7997,13 @@
           <a:p>
             <a:r>
               <a:rPr lang="de-DE" dirty="0"/>
-              <a:t>1. Definition des Terraform-Backend</a:t>
-            </a:r>
+              <a:t>1. Definition des </a:t>
+            </a:r>
+            <a:r>
+              <a:rPr lang="de-DE" dirty="0" smtClean="0"/>
+              <a:t>Terraform-Backend in Projekt A</a:t>
+            </a:r>
+            <a:endParaRPr lang="de-DE" dirty="0"/>
           </a:p>
         </p:txBody>
       </p:sp>
@@ -8011,7 +8016,7 @@
         <p:spPr>
           <a:xfrm>
             <a:off x="6742289" y="1769533"/>
-            <a:ext cx="4433711" cy="369332"/>
+            <a:ext cx="5356578" cy="369332"/>
           </a:xfrm>
           <a:prstGeom prst="rect">
             <a:avLst/>
@@ -8026,8 +8031,13 @@
           <a:p>
             <a:r>
               <a:rPr lang="de-DE" dirty="0"/>
-              <a:t>2. Definition der Remote-State Data-Source</a:t>
-            </a:r>
+              <a:t>2. Definition der Remote-State </a:t>
+            </a:r>
+            <a:r>
+              <a:rPr lang="de-DE" dirty="0" smtClean="0"/>
+              <a:t>Data-Source in Projekt B</a:t>
+            </a:r>
+            <a:endParaRPr lang="de-DE" dirty="0"/>
           </a:p>
         </p:txBody>
       </p:sp>
@@ -8040,7 +8050,7 @@
         <p:spPr>
           <a:xfrm>
             <a:off x="462843" y="4536991"/>
-            <a:ext cx="3787423" cy="369332"/>
+            <a:ext cx="4007557" cy="369332"/>
           </a:xfrm>
           <a:prstGeom prst="rect">
             <a:avLst/>
@@ -8055,8 +8065,13 @@
           <a:p>
             <a:r>
               <a:rPr lang="de-DE" dirty="0"/>
-              <a:t>3. Auslesen der Data-Source</a:t>
-            </a:r>
+              <a:t>3. Auslesen der </a:t>
+            </a:r>
+            <a:r>
+              <a:rPr lang="de-DE" dirty="0" smtClean="0"/>
+              <a:t>Data-Source in Projekt B</a:t>
+            </a:r>
+            <a:endParaRPr lang="de-DE" dirty="0"/>
           </a:p>
         </p:txBody>
       </p:sp>
